--- a/presentation-phase0-v0.pptx
+++ b/presentation-phase0-v0.pptx
@@ -1,43 +1,43 @@
 
 <file path=ppt/presentation.xml><?xml version="1.0" encoding="utf-8"?>
-<p:presentation xmlns:a="http://schemas.openxmlformats.org/drawingml/2006/main" xmlns:r="http://schemas.openxmlformats.org/officeDocument/2006/relationships" xmlns:mc="http://schemas.openxmlformats.org/markup-compatibility/2006" xmlns:mv="urn:schemas-microsoft-com:mac:vml" xmlns:p="http://schemas.openxmlformats.org/presentationml/2006/main" xmlns:c="http://schemas.openxmlformats.org/drawingml/2006/chart" xmlns:dgm="http://schemas.openxmlformats.org/drawingml/2006/diagram" xmlns:o="urn:schemas-microsoft-com:office:office" xmlns:v="urn:schemas-microsoft-com:vml" xmlns:pvml="urn:schemas-microsoft-com:office:powerpoint" xmlns:com="http://schemas.openxmlformats.org/drawingml/2006/compatibility" xmlns:p14="http://schemas.microsoft.com/office/powerpoint/2010/main" xmlns:p15="http://schemas.microsoft.com/office/powerpoint/2012/main" autoCompressPictures="0" embedTrueTypeFonts="1" strictFirstAndLastChars="0" saveSubsetFonts="1">
+<p:presentation xmlns:a="http://schemas.openxmlformats.org/drawingml/2006/main" xmlns:r="http://schemas.openxmlformats.org/officeDocument/2006/relationships" xmlns:p="http://schemas.openxmlformats.org/presentationml/2006/main" strictFirstAndLastChars="0" embedTrueTypeFonts="1" saveSubsetFonts="1" autoCompressPictures="0">
   <p:sldMasterIdLst>
-    <p:sldMasterId id="2147483659" r:id="rId4"/>
+    <p:sldMasterId id="2147483659" r:id="rId1"/>
   </p:sldMasterIdLst>
   <p:notesMasterIdLst>
     <p:notesMasterId r:id="rId5"/>
   </p:notesMasterIdLst>
   <p:sldIdLst>
-    <p:sldId id="256" r:id="rId6"/>
-    <p:sldId id="257" r:id="rId7"/>
-    <p:sldId id="258" r:id="rId8"/>
+    <p:sldId id="256" r:id="rId2"/>
+    <p:sldId id="257" r:id="rId3"/>
+    <p:sldId id="258" r:id="rId4"/>
   </p:sldIdLst>
-  <p:sldSz cy="5143500" cx="9144000"/>
+  <p:sldSz cx="9144000" cy="5143500" type="screen16x9"/>
   <p:notesSz cx="6858000" cy="9144000"/>
   <p:embeddedFontLst>
     <p:embeddedFont>
-      <p:font typeface="Lato"/>
-      <p:regular r:id="rId9"/>
-      <p:bold r:id="rId10"/>
-      <p:italic r:id="rId11"/>
-      <p:boldItalic r:id="rId12"/>
+      <p:font typeface="Lato" panose="020B0604020202020204" charset="0"/>
+      <p:regular r:id="rId6"/>
+      <p:bold r:id="rId7"/>
+      <p:italic r:id="rId8"/>
+      <p:boldItalic r:id="rId9"/>
     </p:embeddedFont>
     <p:embeddedFont>
-      <p:font typeface="Old Standard TT"/>
+      <p:font typeface="Old Standard TT" panose="020B0604020202020204" charset="0"/>
+      <p:regular r:id="rId10"/>
+      <p:bold r:id="rId11"/>
+      <p:italic r:id="rId12"/>
+    </p:embeddedFont>
+    <p:embeddedFont>
+      <p:font typeface="Source Sans Pro" panose="020B0503030403020204" pitchFamily="34" charset="0"/>
       <p:regular r:id="rId13"/>
       <p:bold r:id="rId14"/>
       <p:italic r:id="rId15"/>
-    </p:embeddedFont>
-    <p:embeddedFont>
-      <p:font typeface="Source Sans Pro"/>
-      <p:regular r:id="rId16"/>
-      <p:bold r:id="rId17"/>
-      <p:italic r:id="rId18"/>
-      <p:boldItalic r:id="rId19"/>
+      <p:boldItalic r:id="rId16"/>
     </p:embeddedFont>
   </p:embeddedFontLst>
   <p:defaultTextStyle>
-    <a:defPPr lvl="0" marR="0" rtl="0" algn="l">
+    <a:defPPr marR="0" lvl="0" algn="l" rtl="0">
       <a:lnSpc>
         <a:spcPct val="100000"/>
       </a:lnSpc>
@@ -48,7 +48,7 @@
         <a:spcPts val="0"/>
       </a:spcAft>
     </a:defPPr>
-    <a:lvl1pPr lvl="0" marR="0" rtl="0" algn="l">
+    <a:lvl1pPr marR="0" lvl="0" algn="l" rtl="0">
       <a:lnSpc>
         <a:spcPct val="100000"/>
       </a:lnSpc>
@@ -62,7 +62,7 @@
         <a:srgbClr val="000000"/>
       </a:buClr>
       <a:buFont typeface="Arial"/>
-      <a:defRPr b="0" i="0" sz="1400" u="none" cap="none" strike="noStrike">
+      <a:defRPr sz="1400" b="0" i="0" u="none" strike="noStrike" cap="none">
         <a:solidFill>
           <a:srgbClr val="000000"/>
         </a:solidFill>
@@ -72,7 +72,7 @@
         <a:sym typeface="Arial"/>
       </a:defRPr>
     </a:lvl1pPr>
-    <a:lvl2pPr lvl="1" marR="0" rtl="0" algn="l">
+    <a:lvl2pPr marR="0" lvl="1" algn="l" rtl="0">
       <a:lnSpc>
         <a:spcPct val="100000"/>
       </a:lnSpc>
@@ -86,7 +86,7 @@
         <a:srgbClr val="000000"/>
       </a:buClr>
       <a:buFont typeface="Arial"/>
-      <a:defRPr b="0" i="0" sz="1400" u="none" cap="none" strike="noStrike">
+      <a:defRPr sz="1400" b="0" i="0" u="none" strike="noStrike" cap="none">
         <a:solidFill>
           <a:srgbClr val="000000"/>
         </a:solidFill>
@@ -96,7 +96,7 @@
         <a:sym typeface="Arial"/>
       </a:defRPr>
     </a:lvl2pPr>
-    <a:lvl3pPr lvl="2" marR="0" rtl="0" algn="l">
+    <a:lvl3pPr marR="0" lvl="2" algn="l" rtl="0">
       <a:lnSpc>
         <a:spcPct val="100000"/>
       </a:lnSpc>
@@ -110,7 +110,7 @@
         <a:srgbClr val="000000"/>
       </a:buClr>
       <a:buFont typeface="Arial"/>
-      <a:defRPr b="0" i="0" sz="1400" u="none" cap="none" strike="noStrike">
+      <a:defRPr sz="1400" b="0" i="0" u="none" strike="noStrike" cap="none">
         <a:solidFill>
           <a:srgbClr val="000000"/>
         </a:solidFill>
@@ -120,7 +120,7 @@
         <a:sym typeface="Arial"/>
       </a:defRPr>
     </a:lvl3pPr>
-    <a:lvl4pPr lvl="3" marR="0" rtl="0" algn="l">
+    <a:lvl4pPr marR="0" lvl="3" algn="l" rtl="0">
       <a:lnSpc>
         <a:spcPct val="100000"/>
       </a:lnSpc>
@@ -134,7 +134,7 @@
         <a:srgbClr val="000000"/>
       </a:buClr>
       <a:buFont typeface="Arial"/>
-      <a:defRPr b="0" i="0" sz="1400" u="none" cap="none" strike="noStrike">
+      <a:defRPr sz="1400" b="0" i="0" u="none" strike="noStrike" cap="none">
         <a:solidFill>
           <a:srgbClr val="000000"/>
         </a:solidFill>
@@ -144,7 +144,7 @@
         <a:sym typeface="Arial"/>
       </a:defRPr>
     </a:lvl4pPr>
-    <a:lvl5pPr lvl="4" marR="0" rtl="0" algn="l">
+    <a:lvl5pPr marR="0" lvl="4" algn="l" rtl="0">
       <a:lnSpc>
         <a:spcPct val="100000"/>
       </a:lnSpc>
@@ -158,7 +158,7 @@
         <a:srgbClr val="000000"/>
       </a:buClr>
       <a:buFont typeface="Arial"/>
-      <a:defRPr b="0" i="0" sz="1400" u="none" cap="none" strike="noStrike">
+      <a:defRPr sz="1400" b="0" i="0" u="none" strike="noStrike" cap="none">
         <a:solidFill>
           <a:srgbClr val="000000"/>
         </a:solidFill>
@@ -168,7 +168,7 @@
         <a:sym typeface="Arial"/>
       </a:defRPr>
     </a:lvl5pPr>
-    <a:lvl6pPr lvl="5" marR="0" rtl="0" algn="l">
+    <a:lvl6pPr marR="0" lvl="5" algn="l" rtl="0">
       <a:lnSpc>
         <a:spcPct val="100000"/>
       </a:lnSpc>
@@ -182,7 +182,7 @@
         <a:srgbClr val="000000"/>
       </a:buClr>
       <a:buFont typeface="Arial"/>
-      <a:defRPr b="0" i="0" sz="1400" u="none" cap="none" strike="noStrike">
+      <a:defRPr sz="1400" b="0" i="0" u="none" strike="noStrike" cap="none">
         <a:solidFill>
           <a:srgbClr val="000000"/>
         </a:solidFill>
@@ -192,7 +192,7 @@
         <a:sym typeface="Arial"/>
       </a:defRPr>
     </a:lvl6pPr>
-    <a:lvl7pPr lvl="6" marR="0" rtl="0" algn="l">
+    <a:lvl7pPr marR="0" lvl="6" algn="l" rtl="0">
       <a:lnSpc>
         <a:spcPct val="100000"/>
       </a:lnSpc>
@@ -206,7 +206,7 @@
         <a:srgbClr val="000000"/>
       </a:buClr>
       <a:buFont typeface="Arial"/>
-      <a:defRPr b="0" i="0" sz="1400" u="none" cap="none" strike="noStrike">
+      <a:defRPr sz="1400" b="0" i="0" u="none" strike="noStrike" cap="none">
         <a:solidFill>
           <a:srgbClr val="000000"/>
         </a:solidFill>
@@ -216,7 +216,7 @@
         <a:sym typeface="Arial"/>
       </a:defRPr>
     </a:lvl7pPr>
-    <a:lvl8pPr lvl="7" marR="0" rtl="0" algn="l">
+    <a:lvl8pPr marR="0" lvl="7" algn="l" rtl="0">
       <a:lnSpc>
         <a:spcPct val="100000"/>
       </a:lnSpc>
@@ -230,7 +230,7 @@
         <a:srgbClr val="000000"/>
       </a:buClr>
       <a:buFont typeface="Arial"/>
-      <a:defRPr b="0" i="0" sz="1400" u="none" cap="none" strike="noStrike">
+      <a:defRPr sz="1400" b="0" i="0" u="none" strike="noStrike" cap="none">
         <a:solidFill>
           <a:srgbClr val="000000"/>
         </a:solidFill>
@@ -240,7 +240,7 @@
         <a:sym typeface="Arial"/>
       </a:defRPr>
     </a:lvl8pPr>
-    <a:lvl9pPr lvl="8" marR="0" rtl="0" algn="l">
+    <a:lvl9pPr marR="0" lvl="8" algn="l" rtl="0">
       <a:lnSpc>
         <a:spcPct val="100000"/>
       </a:lnSpc>
@@ -254,7 +254,7 @@
         <a:srgbClr val="000000"/>
       </a:buClr>
       <a:buFont typeface="Arial"/>
-      <a:defRPr b="0" i="0" sz="1400" u="none" cap="none" strike="noStrike">
+      <a:defRPr sz="1400" b="0" i="0" u="none" strike="noStrike" cap="none">
         <a:solidFill>
           <a:srgbClr val="000000"/>
         </a:solidFill>
@@ -267,7 +267,7 @@
   </p:defaultTextStyle>
   <p:extLst>
     <p:ext uri="{EFAFB233-063F-42B5-8137-9DF3F51BA10A}">
-      <p15:sldGuideLst>
+      <p15:sldGuideLst xmlns:p15="http://schemas.microsoft.com/office/powerpoint/2012/main">
         <p15:guide id="1" orient="horz" pos="1620">
           <p15:clr>
             <a:srgbClr val="A4A3A4"/>
@@ -285,11 +285,16 @@
 </file>
 
 <file path=ppt/notesMasters/notesMaster1.xml><?xml version="1.0" encoding="utf-8"?>
-<p:notesMaster xmlns:a="http://schemas.openxmlformats.org/drawingml/2006/main" xmlns:r="http://schemas.openxmlformats.org/officeDocument/2006/relationships" xmlns:mc="http://schemas.openxmlformats.org/markup-compatibility/2006" xmlns:mv="urn:schemas-microsoft-com:mac:vml" xmlns:p="http://schemas.openxmlformats.org/presentationml/2006/main" xmlns:c="http://schemas.openxmlformats.org/drawingml/2006/chart" xmlns:dgm="http://schemas.openxmlformats.org/drawingml/2006/diagram" xmlns:o="urn:schemas-microsoft-com:office:office" xmlns:v="urn:schemas-microsoft-com:vml" xmlns:pvml="urn:schemas-microsoft-com:office:powerpoint" xmlns:com="http://schemas.openxmlformats.org/drawingml/2006/compatibility" xmlns:p14="http://schemas.microsoft.com/office/powerpoint/2010/main" xmlns:p15="http://schemas.microsoft.com/office/powerpoint/2012/main">
+<p:notesMaster xmlns:a="http://schemas.openxmlformats.org/drawingml/2006/main" xmlns:r="http://schemas.openxmlformats.org/officeDocument/2006/relationships" xmlns:p="http://schemas.openxmlformats.org/presentationml/2006/main">
   <p:cSld>
+    <p:bg>
+      <p:bgRef idx="1001">
+        <a:schemeClr val="bg1"/>
+      </p:bgRef>
+    </p:bg>
     <p:spTree>
       <p:nvGrpSpPr>
-        <p:cNvPr id="2" name="Shape 2"/>
+        <p:cNvPr id="1" name="Shape 2"/>
         <p:cNvGrpSpPr/>
         <p:nvPr/>
       </p:nvGrpSpPr>
@@ -304,9 +309,11 @@
       <p:sp>
         <p:nvSpPr>
           <p:cNvPr id="3" name="Google Shape;3;n"/>
-          <p:cNvSpPr/>
+          <p:cNvSpPr>
+            <a:spLocks noGrp="1" noRot="1" noChangeAspect="1"/>
+          </p:cNvSpPr>
           <p:nvPr>
-            <p:ph idx="2" type="sldImg"/>
+            <p:ph type="sldImg" idx="2"/>
           </p:nvPr>
         </p:nvSpPr>
         <p:spPr>
@@ -315,9 +322,13 @@
             <a:ext cx="6096075" cy="3429000"/>
           </a:xfrm>
           <a:custGeom>
-            <a:rect b="b" l="l" r="r" t="t"/>
+            <a:avLst/>
+            <a:gdLst/>
+            <a:ahLst/>
+            <a:cxnLst/>
+            <a:rect l="l" t="t" r="r" b="b"/>
             <a:pathLst>
-              <a:path extrusionOk="0" h="120000" w="120000">
+              <a:path w="120000" h="120000" extrusionOk="0">
                 <a:moveTo>
                   <a:pt x="0" y="0"/>
                 </a:moveTo>
@@ -335,23 +346,25 @@
             </a:pathLst>
           </a:custGeom>
           <a:noFill/>
-          <a:ln cap="flat" cmpd="sng" w="9525">
+          <a:ln w="9525" cap="flat" cmpd="sng">
             <a:solidFill>
               <a:srgbClr val="000000"/>
             </a:solidFill>
             <a:prstDash val="solid"/>
             <a:round/>
-            <a:headEnd len="sm" w="sm" type="none"/>
-            <a:tailEnd len="sm" w="sm" type="none"/>
+            <a:headEnd type="none" w="sm" len="sm"/>
+            <a:tailEnd type="none" w="sm" len="sm"/>
           </a:ln>
         </p:spPr>
       </p:sp>
       <p:sp>
         <p:nvSpPr>
           <p:cNvPr id="4" name="Google Shape;4;n"/>
-          <p:cNvSpPr txBox="1"/>
+          <p:cNvSpPr txBox="1">
+            <a:spLocks noGrp="1"/>
+          </p:cNvSpPr>
           <p:nvPr>
-            <p:ph idx="1" type="body"/>
+            <p:ph type="body" idx="1"/>
           </p:nvPr>
         </p:nvSpPr>
         <p:spPr>
@@ -368,9 +381,9 @@
           </a:ln>
         </p:spPr>
         <p:txBody>
-          <a:bodyPr anchorCtr="0" anchor="t" bIns="91425" lIns="91425" spcFirstLastPara="1" rIns="91425" wrap="square" tIns="91425"/>
+          <a:bodyPr spcFirstLastPara="1" wrap="square" lIns="91425" tIns="91425" rIns="91425" bIns="91425" anchor="t" anchorCtr="0"/>
           <a:lstStyle>
-            <a:lvl1pPr indent="-298450" lvl="0" marL="457200">
+            <a:lvl1pPr marL="457200" lvl="0" indent="-298450">
               <a:spcBef>
                 <a:spcPts val="0"/>
               </a:spcBef>
@@ -381,7 +394,7 @@
               <a:buChar char="●"/>
               <a:defRPr sz="1100"/>
             </a:lvl1pPr>
-            <a:lvl2pPr indent="-298450" lvl="1" marL="914400">
+            <a:lvl2pPr marL="914400" lvl="1" indent="-298450">
               <a:spcBef>
                 <a:spcPts val="0"/>
               </a:spcBef>
@@ -392,7 +405,7 @@
               <a:buChar char="○"/>
               <a:defRPr sz="1100"/>
             </a:lvl2pPr>
-            <a:lvl3pPr indent="-298450" lvl="2" marL="1371600">
+            <a:lvl3pPr marL="1371600" lvl="2" indent="-298450">
               <a:spcBef>
                 <a:spcPts val="0"/>
               </a:spcBef>
@@ -403,7 +416,7 @@
               <a:buChar char="■"/>
               <a:defRPr sz="1100"/>
             </a:lvl3pPr>
-            <a:lvl4pPr indent="-298450" lvl="3" marL="1828800">
+            <a:lvl4pPr marL="1828800" lvl="3" indent="-298450">
               <a:spcBef>
                 <a:spcPts val="0"/>
               </a:spcBef>
@@ -414,7 +427,7 @@
               <a:buChar char="●"/>
               <a:defRPr sz="1100"/>
             </a:lvl4pPr>
-            <a:lvl5pPr indent="-298450" lvl="4" marL="2286000">
+            <a:lvl5pPr marL="2286000" lvl="4" indent="-298450">
               <a:spcBef>
                 <a:spcPts val="0"/>
               </a:spcBef>
@@ -425,7 +438,7 @@
               <a:buChar char="○"/>
               <a:defRPr sz="1100"/>
             </a:lvl5pPr>
-            <a:lvl6pPr indent="-298450" lvl="5" marL="2743200">
+            <a:lvl6pPr marL="2743200" lvl="5" indent="-298450">
               <a:spcBef>
                 <a:spcPts val="0"/>
               </a:spcBef>
@@ -436,7 +449,7 @@
               <a:buChar char="■"/>
               <a:defRPr sz="1100"/>
             </a:lvl6pPr>
-            <a:lvl7pPr indent="-298450" lvl="6" marL="3200400">
+            <a:lvl7pPr marL="3200400" lvl="6" indent="-298450">
               <a:spcBef>
                 <a:spcPts val="0"/>
               </a:spcBef>
@@ -447,7 +460,7 @@
               <a:buChar char="●"/>
               <a:defRPr sz="1100"/>
             </a:lvl7pPr>
-            <a:lvl8pPr indent="-298450" lvl="7" marL="3657600">
+            <a:lvl8pPr marL="3657600" lvl="7" indent="-298450">
               <a:spcBef>
                 <a:spcPts val="0"/>
               </a:spcBef>
@@ -458,7 +471,7 @@
               <a:buChar char="○"/>
               <a:defRPr sz="1100"/>
             </a:lvl8pPr>
-            <a:lvl9pPr indent="-298450" lvl="8" marL="4114800">
+            <a:lvl9pPr marL="4114800" lvl="8" indent="-298450">
               <a:spcBef>
                 <a:spcPts val="0"/>
               </a:spcBef>
@@ -470,14 +483,16 @@
               <a:defRPr sz="1100"/>
             </a:lvl9pPr>
           </a:lstStyle>
-          <a:p/>
+          <a:p>
+            <a:endParaRPr/>
+          </a:p>
         </p:txBody>
       </p:sp>
     </p:spTree>
   </p:cSld>
-  <p:clrMap accent1="accent1" accent2="accent2" accent3="accent3" accent4="accent4" accent5="accent5" accent6="accent6" bg1="lt1" bg2="dk2" tx1="dk1" tx2="lt2" folHlink="folHlink" hlink="hlink"/>
+  <p:clrMap bg1="lt1" tx1="dk1" bg2="dk2" tx2="lt2" accent1="accent1" accent2="accent2" accent3="accent3" accent4="accent4" accent5="accent5" accent6="accent6" hlink="hlink" folHlink="folHlink"/>
   <p:notesStyle>
-    <a:defPPr lvl="0" marR="0" rtl="0" algn="l">
+    <a:defPPr marR="0" lvl="0" algn="l" rtl="0">
       <a:lnSpc>
         <a:spcPct val="100000"/>
       </a:lnSpc>
@@ -488,7 +503,7 @@
         <a:spcPts val="0"/>
       </a:spcAft>
     </a:defPPr>
-    <a:lvl1pPr lvl="0" marR="0" rtl="0" algn="l">
+    <a:lvl1pPr marR="0" lvl="0" algn="l" rtl="0">
       <a:lnSpc>
         <a:spcPct val="100000"/>
       </a:lnSpc>
@@ -502,7 +517,7 @@
         <a:srgbClr val="000000"/>
       </a:buClr>
       <a:buFont typeface="Arial"/>
-      <a:defRPr b="0" i="0" sz="1400" u="none" cap="none" strike="noStrike">
+      <a:defRPr sz="1400" b="0" i="0" u="none" strike="noStrike" cap="none">
         <a:solidFill>
           <a:srgbClr val="000000"/>
         </a:solidFill>
@@ -512,7 +527,7 @@
         <a:sym typeface="Arial"/>
       </a:defRPr>
     </a:lvl1pPr>
-    <a:lvl2pPr lvl="1" marR="0" rtl="0" algn="l">
+    <a:lvl2pPr marR="0" lvl="1" algn="l" rtl="0">
       <a:lnSpc>
         <a:spcPct val="100000"/>
       </a:lnSpc>
@@ -526,7 +541,7 @@
         <a:srgbClr val="000000"/>
       </a:buClr>
       <a:buFont typeface="Arial"/>
-      <a:defRPr b="0" i="0" sz="1400" u="none" cap="none" strike="noStrike">
+      <a:defRPr sz="1400" b="0" i="0" u="none" strike="noStrike" cap="none">
         <a:solidFill>
           <a:srgbClr val="000000"/>
         </a:solidFill>
@@ -536,7 +551,7 @@
         <a:sym typeface="Arial"/>
       </a:defRPr>
     </a:lvl2pPr>
-    <a:lvl3pPr lvl="2" marR="0" rtl="0" algn="l">
+    <a:lvl3pPr marR="0" lvl="2" algn="l" rtl="0">
       <a:lnSpc>
         <a:spcPct val="100000"/>
       </a:lnSpc>
@@ -550,7 +565,7 @@
         <a:srgbClr val="000000"/>
       </a:buClr>
       <a:buFont typeface="Arial"/>
-      <a:defRPr b="0" i="0" sz="1400" u="none" cap="none" strike="noStrike">
+      <a:defRPr sz="1400" b="0" i="0" u="none" strike="noStrike" cap="none">
         <a:solidFill>
           <a:srgbClr val="000000"/>
         </a:solidFill>
@@ -560,7 +575,7 @@
         <a:sym typeface="Arial"/>
       </a:defRPr>
     </a:lvl3pPr>
-    <a:lvl4pPr lvl="3" marR="0" rtl="0" algn="l">
+    <a:lvl4pPr marR="0" lvl="3" algn="l" rtl="0">
       <a:lnSpc>
         <a:spcPct val="100000"/>
       </a:lnSpc>
@@ -574,7 +589,7 @@
         <a:srgbClr val="000000"/>
       </a:buClr>
       <a:buFont typeface="Arial"/>
-      <a:defRPr b="0" i="0" sz="1400" u="none" cap="none" strike="noStrike">
+      <a:defRPr sz="1400" b="0" i="0" u="none" strike="noStrike" cap="none">
         <a:solidFill>
           <a:srgbClr val="000000"/>
         </a:solidFill>
@@ -584,7 +599,7 @@
         <a:sym typeface="Arial"/>
       </a:defRPr>
     </a:lvl4pPr>
-    <a:lvl5pPr lvl="4" marR="0" rtl="0" algn="l">
+    <a:lvl5pPr marR="0" lvl="4" algn="l" rtl="0">
       <a:lnSpc>
         <a:spcPct val="100000"/>
       </a:lnSpc>
@@ -598,7 +613,7 @@
         <a:srgbClr val="000000"/>
       </a:buClr>
       <a:buFont typeface="Arial"/>
-      <a:defRPr b="0" i="0" sz="1400" u="none" cap="none" strike="noStrike">
+      <a:defRPr sz="1400" b="0" i="0" u="none" strike="noStrike" cap="none">
         <a:solidFill>
           <a:srgbClr val="000000"/>
         </a:solidFill>
@@ -608,7 +623,7 @@
         <a:sym typeface="Arial"/>
       </a:defRPr>
     </a:lvl5pPr>
-    <a:lvl6pPr lvl="5" marR="0" rtl="0" algn="l">
+    <a:lvl6pPr marR="0" lvl="5" algn="l" rtl="0">
       <a:lnSpc>
         <a:spcPct val="100000"/>
       </a:lnSpc>
@@ -622,7 +637,7 @@
         <a:srgbClr val="000000"/>
       </a:buClr>
       <a:buFont typeface="Arial"/>
-      <a:defRPr b="0" i="0" sz="1400" u="none" cap="none" strike="noStrike">
+      <a:defRPr sz="1400" b="0" i="0" u="none" strike="noStrike" cap="none">
         <a:solidFill>
           <a:srgbClr val="000000"/>
         </a:solidFill>
@@ -632,7 +647,7 @@
         <a:sym typeface="Arial"/>
       </a:defRPr>
     </a:lvl6pPr>
-    <a:lvl7pPr lvl="6" marR="0" rtl="0" algn="l">
+    <a:lvl7pPr marR="0" lvl="6" algn="l" rtl="0">
       <a:lnSpc>
         <a:spcPct val="100000"/>
       </a:lnSpc>
@@ -646,7 +661,7 @@
         <a:srgbClr val="000000"/>
       </a:buClr>
       <a:buFont typeface="Arial"/>
-      <a:defRPr b="0" i="0" sz="1400" u="none" cap="none" strike="noStrike">
+      <a:defRPr sz="1400" b="0" i="0" u="none" strike="noStrike" cap="none">
         <a:solidFill>
           <a:srgbClr val="000000"/>
         </a:solidFill>
@@ -656,7 +671,7 @@
         <a:sym typeface="Arial"/>
       </a:defRPr>
     </a:lvl7pPr>
-    <a:lvl8pPr lvl="7" marR="0" rtl="0" algn="l">
+    <a:lvl8pPr marR="0" lvl="7" algn="l" rtl="0">
       <a:lnSpc>
         <a:spcPct val="100000"/>
       </a:lnSpc>
@@ -670,7 +685,7 @@
         <a:srgbClr val="000000"/>
       </a:buClr>
       <a:buFont typeface="Arial"/>
-      <a:defRPr b="0" i="0" sz="1400" u="none" cap="none" strike="noStrike">
+      <a:defRPr sz="1400" b="0" i="0" u="none" strike="noStrike" cap="none">
         <a:solidFill>
           <a:srgbClr val="000000"/>
         </a:solidFill>
@@ -680,7 +695,7 @@
         <a:sym typeface="Arial"/>
       </a:defRPr>
     </a:lvl8pPr>
-    <a:lvl9pPr lvl="8" marR="0" rtl="0" algn="l">
+    <a:lvl9pPr marR="0" lvl="8" algn="l" rtl="0">
       <a:lnSpc>
         <a:spcPct val="100000"/>
       </a:lnSpc>
@@ -694,7 +709,7 @@
         <a:srgbClr val="000000"/>
       </a:buClr>
       <a:buFont typeface="Arial"/>
-      <a:defRPr b="0" i="0" sz="1400" u="none" cap="none" strike="noStrike">
+      <a:defRPr sz="1400" b="0" i="0" u="none" strike="noStrike" cap="none">
         <a:solidFill>
           <a:srgbClr val="000000"/>
         </a:solidFill>
@@ -709,11 +724,11 @@
 </file>
 
 <file path=ppt/notesSlides/notesSlide1.xml><?xml version="1.0" encoding="utf-8"?>
-<p:notes xmlns:a="http://schemas.openxmlformats.org/drawingml/2006/main" xmlns:r="http://schemas.openxmlformats.org/officeDocument/2006/relationships" xmlns:mc="http://schemas.openxmlformats.org/markup-compatibility/2006" xmlns:mv="urn:schemas-microsoft-com:mac:vml" xmlns:p="http://schemas.openxmlformats.org/presentationml/2006/main" xmlns:c="http://schemas.openxmlformats.org/drawingml/2006/chart" xmlns:dgm="http://schemas.openxmlformats.org/drawingml/2006/diagram" xmlns:o="urn:schemas-microsoft-com:office:office" xmlns:v="urn:schemas-microsoft-com:vml" xmlns:pvml="urn:schemas-microsoft-com:office:powerpoint" xmlns:com="http://schemas.openxmlformats.org/drawingml/2006/compatibility" xmlns:p14="http://schemas.microsoft.com/office/powerpoint/2010/main" xmlns:p15="http://schemas.microsoft.com/office/powerpoint/2012/main" showMasterPhAnim="0" showMasterSp="0">
+<p:notes xmlns:a="http://schemas.openxmlformats.org/drawingml/2006/main" xmlns:r="http://schemas.openxmlformats.org/officeDocument/2006/relationships" xmlns:p="http://schemas.openxmlformats.org/presentationml/2006/main" showMasterSp="0" showMasterPhAnim="0">
   <p:cSld>
     <p:spTree>
       <p:nvGrpSpPr>
-        <p:cNvPr id="55" name="Shape 55"/>
+        <p:cNvPr id="1" name="Shape 55"/>
         <p:cNvGrpSpPr/>
         <p:nvPr/>
       </p:nvGrpSpPr>
@@ -728,20 +743,26 @@
       <p:sp>
         <p:nvSpPr>
           <p:cNvPr id="56" name="Google Shape;56;p:notes"/>
-          <p:cNvSpPr/>
+          <p:cNvSpPr>
+            <a:spLocks noGrp="1" noRot="1" noChangeAspect="1"/>
+          </p:cNvSpPr>
           <p:nvPr>
-            <p:ph idx="2" type="sldImg"/>
+            <p:ph type="sldImg" idx="2"/>
           </p:nvPr>
         </p:nvSpPr>
         <p:spPr>
           <a:xfrm>
-            <a:off x="381300" y="685800"/>
-            <a:ext cx="6096075" cy="3429000"/>
+            <a:off x="381000" y="685800"/>
+            <a:ext cx="6096000" cy="3429000"/>
           </a:xfrm>
           <a:custGeom>
-            <a:rect b="b" l="l" r="r" t="t"/>
+            <a:avLst/>
+            <a:gdLst/>
+            <a:ahLst/>
+            <a:cxnLst/>
+            <a:rect l="l" t="t" r="r" b="b"/>
             <a:pathLst>
-              <a:path extrusionOk="0" h="120000" w="120000">
+              <a:path w="120000" h="120000" extrusionOk="0">
                 <a:moveTo>
                   <a:pt x="0" y="0"/>
                 </a:moveTo>
@@ -763,9 +784,11 @@
       <p:sp>
         <p:nvSpPr>
           <p:cNvPr id="57" name="Google Shape;57;p:notes"/>
-          <p:cNvSpPr txBox="1"/>
+          <p:cNvSpPr txBox="1">
+            <a:spLocks noGrp="1"/>
+          </p:cNvSpPr>
           <p:nvPr>
-            <p:ph idx="1" type="body"/>
+            <p:ph type="body" idx="1"/>
           </p:nvPr>
         </p:nvSpPr>
         <p:spPr>
@@ -778,12 +801,12 @@
           </a:prstGeom>
         </p:spPr>
         <p:txBody>
-          <a:bodyPr anchorCtr="0" anchor="t" bIns="91425" lIns="91425" spcFirstLastPara="1" rIns="91425" wrap="square" tIns="91425">
+          <a:bodyPr spcFirstLastPara="1" wrap="square" lIns="91425" tIns="91425" rIns="91425" bIns="91425" anchor="t" anchorCtr="0">
             <a:noAutofit/>
           </a:bodyPr>
           <a:lstStyle/>
           <a:p>
-            <a:pPr indent="0" lvl="0" marL="0" rtl="0" algn="l">
+            <a:pPr marL="0" lvl="0" indent="0" algn="l" rtl="0">
               <a:spcBef>
                 <a:spcPts val="0"/>
               </a:spcBef>
@@ -792,9 +815,6 @@
               </a:spcAft>
               <a:buNone/>
             </a:pPr>
-            <a:r>
-              <a:t/>
-            </a:r>
             <a:endParaRPr/>
           </a:p>
         </p:txBody>
@@ -808,11 +828,11 @@
 </file>
 
 <file path=ppt/notesSlides/notesSlide2.xml><?xml version="1.0" encoding="utf-8"?>
-<p:notes xmlns:a="http://schemas.openxmlformats.org/drawingml/2006/main" xmlns:r="http://schemas.openxmlformats.org/officeDocument/2006/relationships" xmlns:mc="http://schemas.openxmlformats.org/markup-compatibility/2006" xmlns:mv="urn:schemas-microsoft-com:mac:vml" xmlns:p="http://schemas.openxmlformats.org/presentationml/2006/main" xmlns:c="http://schemas.openxmlformats.org/drawingml/2006/chart" xmlns:dgm="http://schemas.openxmlformats.org/drawingml/2006/diagram" xmlns:o="urn:schemas-microsoft-com:office:office" xmlns:v="urn:schemas-microsoft-com:vml" xmlns:pvml="urn:schemas-microsoft-com:office:powerpoint" xmlns:com="http://schemas.openxmlformats.org/drawingml/2006/compatibility" xmlns:p14="http://schemas.microsoft.com/office/powerpoint/2010/main" xmlns:p15="http://schemas.microsoft.com/office/powerpoint/2012/main" showMasterPhAnim="0" showMasterSp="0">
+<p:notes xmlns:a="http://schemas.openxmlformats.org/drawingml/2006/main" xmlns:r="http://schemas.openxmlformats.org/officeDocument/2006/relationships" xmlns:p="http://schemas.openxmlformats.org/presentationml/2006/main" showMasterSp="0" showMasterPhAnim="0">
   <p:cSld>
     <p:spTree>
       <p:nvGrpSpPr>
-        <p:cNvPr id="63" name="Shape 63"/>
+        <p:cNvPr id="1" name="Shape 63"/>
         <p:cNvGrpSpPr/>
         <p:nvPr/>
       </p:nvGrpSpPr>
@@ -827,20 +847,26 @@
       <p:sp>
         <p:nvSpPr>
           <p:cNvPr id="64" name="Google Shape;64;g47de90ab2a_0_49:notes"/>
-          <p:cNvSpPr/>
+          <p:cNvSpPr>
+            <a:spLocks noGrp="1" noRot="1" noChangeAspect="1"/>
+          </p:cNvSpPr>
           <p:nvPr>
-            <p:ph idx="2" type="sldImg"/>
+            <p:ph type="sldImg" idx="2"/>
           </p:nvPr>
         </p:nvSpPr>
         <p:spPr>
           <a:xfrm>
-            <a:off x="381300" y="685800"/>
+            <a:off x="381000" y="685800"/>
             <a:ext cx="6096000" cy="3429000"/>
           </a:xfrm>
           <a:custGeom>
-            <a:rect b="b" l="l" r="r" t="t"/>
+            <a:avLst/>
+            <a:gdLst/>
+            <a:ahLst/>
+            <a:cxnLst/>
+            <a:rect l="l" t="t" r="r" b="b"/>
             <a:pathLst>
-              <a:path extrusionOk="0" h="120000" w="120000">
+              <a:path w="120000" h="120000" extrusionOk="0">
                 <a:moveTo>
                   <a:pt x="0" y="0"/>
                 </a:moveTo>
@@ -862,9 +888,11 @@
       <p:sp>
         <p:nvSpPr>
           <p:cNvPr id="65" name="Google Shape;65;g47de90ab2a_0_49:notes"/>
-          <p:cNvSpPr txBox="1"/>
+          <p:cNvSpPr txBox="1">
+            <a:spLocks noGrp="1"/>
+          </p:cNvSpPr>
           <p:nvPr>
-            <p:ph idx="1" type="body"/>
+            <p:ph type="body" idx="1"/>
           </p:nvPr>
         </p:nvSpPr>
         <p:spPr>
@@ -877,12 +905,12 @@
           </a:prstGeom>
         </p:spPr>
         <p:txBody>
-          <a:bodyPr anchorCtr="0" anchor="t" bIns="91425" lIns="91425" spcFirstLastPara="1" rIns="91425" wrap="square" tIns="91425">
+          <a:bodyPr spcFirstLastPara="1" wrap="square" lIns="91425" tIns="91425" rIns="91425" bIns="91425" anchor="t" anchorCtr="0">
             <a:noAutofit/>
           </a:bodyPr>
           <a:lstStyle/>
           <a:p>
-            <a:pPr indent="0" lvl="0" marL="0" rtl="0" algn="l">
+            <a:pPr marL="0" lvl="0" indent="0" algn="l" rtl="0">
               <a:spcBef>
                 <a:spcPts val="0"/>
               </a:spcBef>
@@ -891,9 +919,6 @@
               </a:spcAft>
               <a:buNone/>
             </a:pPr>
-            <a:r>
-              <a:t/>
-            </a:r>
             <a:endParaRPr/>
           </a:p>
         </p:txBody>
@@ -907,11 +932,11 @@
 </file>
 
 <file path=ppt/notesSlides/notesSlide3.xml><?xml version="1.0" encoding="utf-8"?>
-<p:notes xmlns:a="http://schemas.openxmlformats.org/drawingml/2006/main" xmlns:r="http://schemas.openxmlformats.org/officeDocument/2006/relationships" xmlns:mc="http://schemas.openxmlformats.org/markup-compatibility/2006" xmlns:mv="urn:schemas-microsoft-com:mac:vml" xmlns:p="http://schemas.openxmlformats.org/presentationml/2006/main" xmlns:c="http://schemas.openxmlformats.org/drawingml/2006/chart" xmlns:dgm="http://schemas.openxmlformats.org/drawingml/2006/diagram" xmlns:o="urn:schemas-microsoft-com:office:office" xmlns:v="urn:schemas-microsoft-com:vml" xmlns:pvml="urn:schemas-microsoft-com:office:powerpoint" xmlns:com="http://schemas.openxmlformats.org/drawingml/2006/compatibility" xmlns:p14="http://schemas.microsoft.com/office/powerpoint/2010/main" xmlns:p15="http://schemas.microsoft.com/office/powerpoint/2012/main" showMasterPhAnim="0" showMasterSp="0">
+<p:notes xmlns:a="http://schemas.openxmlformats.org/drawingml/2006/main" xmlns:r="http://schemas.openxmlformats.org/officeDocument/2006/relationships" xmlns:p="http://schemas.openxmlformats.org/presentationml/2006/main" showMasterSp="0" showMasterPhAnim="0">
   <p:cSld>
     <p:spTree>
       <p:nvGrpSpPr>
-        <p:cNvPr id="70" name="Shape 70"/>
+        <p:cNvPr id="1" name="Shape 70"/>
         <p:cNvGrpSpPr/>
         <p:nvPr/>
       </p:nvGrpSpPr>
@@ -926,20 +951,26 @@
       <p:sp>
         <p:nvSpPr>
           <p:cNvPr id="71" name="Google Shape;71;g47de90ab2a_0_55:notes"/>
-          <p:cNvSpPr/>
+          <p:cNvSpPr>
+            <a:spLocks noGrp="1" noRot="1" noChangeAspect="1"/>
+          </p:cNvSpPr>
           <p:nvPr>
-            <p:ph idx="2" type="sldImg"/>
+            <p:ph type="sldImg" idx="2"/>
           </p:nvPr>
         </p:nvSpPr>
         <p:spPr>
           <a:xfrm>
-            <a:off x="381300" y="685800"/>
+            <a:off x="381000" y="685800"/>
             <a:ext cx="6096000" cy="3429000"/>
           </a:xfrm>
           <a:custGeom>
-            <a:rect b="b" l="l" r="r" t="t"/>
+            <a:avLst/>
+            <a:gdLst/>
+            <a:ahLst/>
+            <a:cxnLst/>
+            <a:rect l="l" t="t" r="r" b="b"/>
             <a:pathLst>
-              <a:path extrusionOk="0" h="120000" w="120000">
+              <a:path w="120000" h="120000" extrusionOk="0">
                 <a:moveTo>
                   <a:pt x="0" y="0"/>
                 </a:moveTo>
@@ -961,9 +992,11 @@
       <p:sp>
         <p:nvSpPr>
           <p:cNvPr id="72" name="Google Shape;72;g47de90ab2a_0_55:notes"/>
-          <p:cNvSpPr txBox="1"/>
+          <p:cNvSpPr txBox="1">
+            <a:spLocks noGrp="1"/>
+          </p:cNvSpPr>
           <p:nvPr>
-            <p:ph idx="1" type="body"/>
+            <p:ph type="body" idx="1"/>
           </p:nvPr>
         </p:nvSpPr>
         <p:spPr>
@@ -976,12 +1009,12 @@
           </a:prstGeom>
         </p:spPr>
         <p:txBody>
-          <a:bodyPr anchorCtr="0" anchor="t" bIns="91425" lIns="91425" spcFirstLastPara="1" rIns="91425" wrap="square" tIns="91425">
+          <a:bodyPr spcFirstLastPara="1" wrap="square" lIns="91425" tIns="91425" rIns="91425" bIns="91425" anchor="t" anchorCtr="0">
             <a:noAutofit/>
           </a:bodyPr>
           <a:lstStyle/>
           <a:p>
-            <a:pPr indent="0" lvl="0" marL="0" rtl="0" algn="l">
+            <a:pPr marL="0" lvl="0" indent="0" algn="l" rtl="0">
               <a:spcBef>
                 <a:spcPts val="0"/>
               </a:spcBef>
@@ -990,9 +1023,6 @@
               </a:spcAft>
               <a:buNone/>
             </a:pPr>
-            <a:r>
-              <a:t/>
-            </a:r>
             <a:endParaRPr/>
           </a:p>
         </p:txBody>
@@ -1006,18 +1036,19 @@
 </file>
 
 <file path=ppt/slideLayouts/slideLayout1.xml><?xml version="1.0" encoding="utf-8"?>
-<p:sldLayout xmlns:a="http://schemas.openxmlformats.org/drawingml/2006/main" xmlns:r="http://schemas.openxmlformats.org/officeDocument/2006/relationships" xmlns:mc="http://schemas.openxmlformats.org/markup-compatibility/2006" xmlns:mv="urn:schemas-microsoft-com:mac:vml" xmlns:p="http://schemas.openxmlformats.org/presentationml/2006/main" xmlns:c="http://schemas.openxmlformats.org/drawingml/2006/chart" xmlns:dgm="http://schemas.openxmlformats.org/drawingml/2006/diagram" xmlns:o="urn:schemas-microsoft-com:office:office" xmlns:v="urn:schemas-microsoft-com:vml" xmlns:pvml="urn:schemas-microsoft-com:office:powerpoint" xmlns:com="http://schemas.openxmlformats.org/drawingml/2006/compatibility" xmlns:p14="http://schemas.microsoft.com/office/powerpoint/2010/main" xmlns:p15="http://schemas.microsoft.com/office/powerpoint/2012/main" matchingName="Title slide" type="title">
+<p:sldLayout xmlns:a="http://schemas.openxmlformats.org/drawingml/2006/main" xmlns:r="http://schemas.openxmlformats.org/officeDocument/2006/relationships" xmlns:p="http://schemas.openxmlformats.org/presentationml/2006/main" matchingName="Title slide" type="title">
   <p:cSld name="TITLE">
     <p:bg>
       <p:bgPr>
         <a:solidFill>
           <a:schemeClr val="dk1"/>
         </a:solidFill>
+        <a:effectLst/>
       </p:bgPr>
     </p:bg>
     <p:spTree>
       <p:nvGrpSpPr>
-        <p:cNvPr id="9" name="Shape 9"/>
+        <p:cNvPr id="1" name="Shape 9"/>
         <p:cNvGrpSpPr/>
         <p:nvPr/>
       </p:nvGrpSpPr>
@@ -1051,12 +1082,12 @@
           </a:ln>
         </p:spPr>
         <p:txBody>
-          <a:bodyPr anchorCtr="0" anchor="ctr" bIns="91425" lIns="91425" spcFirstLastPara="1" rIns="91425" wrap="square" tIns="91425">
+          <a:bodyPr spcFirstLastPara="1" wrap="square" lIns="91425" tIns="91425" rIns="91425" bIns="91425" anchor="ctr" anchorCtr="0">
             <a:noAutofit/>
           </a:bodyPr>
           <a:lstStyle/>
           <a:p>
-            <a:pPr indent="0" lvl="0" marL="0" rtl="0" algn="l">
+            <a:pPr marL="0" lvl="0" indent="0" algn="l" rtl="0">
               <a:spcBef>
                 <a:spcPts val="0"/>
               </a:spcBef>
@@ -1065,9 +1096,6 @@
               </a:spcAft>
               <a:buNone/>
             </a:pPr>
-            <a:r>
-              <a:t/>
-            </a:r>
             <a:endParaRPr/>
           </a:p>
         </p:txBody>
@@ -1087,21 +1115,23 @@
             <a:avLst/>
           </a:prstGeom>
           <a:noFill/>
-          <a:ln cap="flat" cmpd="sng" w="28575">
+          <a:ln w="28575" cap="flat" cmpd="sng">
             <a:solidFill>
               <a:schemeClr val="accent1"/>
             </a:solidFill>
             <a:prstDash val="solid"/>
             <a:round/>
-            <a:headEnd len="sm" w="sm" type="none"/>
-            <a:tailEnd len="sm" w="sm" type="none"/>
+            <a:headEnd type="none" w="sm" len="sm"/>
+            <a:tailEnd type="none" w="sm" len="sm"/>
           </a:ln>
         </p:spPr>
       </p:cxnSp>
       <p:sp>
         <p:nvSpPr>
           <p:cNvPr id="12" name="Google Shape;12;p2"/>
-          <p:cNvSpPr txBox="1"/>
+          <p:cNvSpPr txBox="1">
+            <a:spLocks noGrp="1"/>
+          </p:cNvSpPr>
           <p:nvPr>
             <p:ph type="ctrTitle"/>
           </p:nvPr>
@@ -1116,7 +1146,7 @@
           </a:prstGeom>
         </p:spPr>
         <p:txBody>
-          <a:bodyPr anchorCtr="0" anchor="b" bIns="91425" lIns="91425" spcFirstLastPara="1" rIns="91425" wrap="square" tIns="91425"/>
+          <a:bodyPr spcFirstLastPara="1" wrap="square" lIns="91425" tIns="91425" rIns="91425" bIns="91425" anchor="b" anchorCtr="0"/>
           <a:lstStyle>
             <a:lvl1pPr lvl="0">
               <a:spcBef>
@@ -1281,15 +1311,19 @@
               </a:defRPr>
             </a:lvl9pPr>
           </a:lstStyle>
-          <a:p/>
+          <a:p>
+            <a:endParaRPr/>
+          </a:p>
         </p:txBody>
       </p:sp>
       <p:sp>
         <p:nvSpPr>
           <p:cNvPr id="13" name="Google Shape;13;p2"/>
-          <p:cNvSpPr txBox="1"/>
+          <p:cNvSpPr txBox="1">
+            <a:spLocks noGrp="1"/>
+          </p:cNvSpPr>
           <p:nvPr>
-            <p:ph idx="1" type="subTitle"/>
+            <p:ph type="subTitle" idx="1"/>
           </p:nvPr>
         </p:nvSpPr>
         <p:spPr>
@@ -1302,7 +1336,7 @@
           </a:prstGeom>
         </p:spPr>
         <p:txBody>
-          <a:bodyPr anchorCtr="0" anchor="t" bIns="91425" lIns="91425" spcFirstLastPara="1" rIns="91425" wrap="square" tIns="91425"/>
+          <a:bodyPr spcFirstLastPara="1" wrap="square" lIns="91425" tIns="91425" rIns="91425" bIns="91425" anchor="t" anchorCtr="0"/>
           <a:lstStyle>
             <a:lvl1pPr lvl="0">
               <a:lnSpc>
@@ -1494,15 +1528,19 @@
               </a:defRPr>
             </a:lvl9pPr>
           </a:lstStyle>
-          <a:p/>
+          <a:p>
+            <a:endParaRPr/>
+          </a:p>
         </p:txBody>
       </p:sp>
       <p:sp>
         <p:nvSpPr>
           <p:cNvPr id="14" name="Google Shape;14;p2"/>
-          <p:cNvSpPr txBox="1"/>
+          <p:cNvSpPr txBox="1">
+            <a:spLocks noGrp="1"/>
+          </p:cNvSpPr>
           <p:nvPr>
-            <p:ph idx="12" type="sldNum"/>
+            <p:ph type="sldNum" idx="12"/>
           </p:nvPr>
         </p:nvSpPr>
         <p:spPr>
@@ -1515,7 +1553,7 @@
           </a:prstGeom>
         </p:spPr>
         <p:txBody>
-          <a:bodyPr anchorCtr="0" anchor="ctr" bIns="91425" lIns="91425" spcFirstLastPara="1" rIns="91425" wrap="square" tIns="91425">
+          <a:bodyPr spcFirstLastPara="1" wrap="square" lIns="91425" tIns="91425" rIns="91425" bIns="91425" anchor="ctr" anchorCtr="0">
             <a:noAutofit/>
           </a:bodyPr>
           <a:lstStyle>
@@ -1593,7 +1631,7 @@
             </a:lvl9pPr>
           </a:lstStyle>
           <a:p>
-            <a:pPr indent="0" lvl="0" marL="0" rtl="0" algn="r">
+            <a:pPr marL="0" lvl="0" indent="0" algn="r" rtl="0">
               <a:spcBef>
                 <a:spcPts val="0"/>
               </a:spcBef>
@@ -1619,11 +1657,11 @@
 </file>
 
 <file path=ppt/slideLayouts/slideLayout10.xml><?xml version="1.0" encoding="utf-8"?>
-<p:sldLayout xmlns:a="http://schemas.openxmlformats.org/drawingml/2006/main" xmlns:r="http://schemas.openxmlformats.org/officeDocument/2006/relationships" xmlns:mc="http://schemas.openxmlformats.org/markup-compatibility/2006" xmlns:mv="urn:schemas-microsoft-com:mac:vml" xmlns:p="http://schemas.openxmlformats.org/presentationml/2006/main" xmlns:c="http://schemas.openxmlformats.org/drawingml/2006/chart" xmlns:dgm="http://schemas.openxmlformats.org/drawingml/2006/diagram" xmlns:o="urn:schemas-microsoft-com:office:office" xmlns:v="urn:schemas-microsoft-com:vml" xmlns:pvml="urn:schemas-microsoft-com:office:powerpoint" xmlns:com="http://schemas.openxmlformats.org/drawingml/2006/compatibility" xmlns:p14="http://schemas.microsoft.com/office/powerpoint/2010/main" xmlns:p15="http://schemas.microsoft.com/office/powerpoint/2012/main" matchingName="Big number">
+<p:sldLayout xmlns:a="http://schemas.openxmlformats.org/drawingml/2006/main" xmlns:r="http://schemas.openxmlformats.org/officeDocument/2006/relationships" xmlns:p="http://schemas.openxmlformats.org/presentationml/2006/main" matchingName="Big number">
   <p:cSld name="BIG_NUMBER">
     <p:spTree>
       <p:nvGrpSpPr>
-        <p:cNvPr id="49" name="Shape 49"/>
+        <p:cNvPr id="1" name="Shape 49"/>
         <p:cNvGrpSpPr/>
         <p:nvPr/>
       </p:nvGrpSpPr>
@@ -1638,9 +1676,11 @@
       <p:sp>
         <p:nvSpPr>
           <p:cNvPr id="50" name="Google Shape;50;p11"/>
-          <p:cNvSpPr txBox="1"/>
+          <p:cNvSpPr txBox="1">
+            <a:spLocks noGrp="1"/>
+          </p:cNvSpPr>
           <p:nvPr>
-            <p:ph hasCustomPrompt="1" type="title"/>
+            <p:ph type="title" hasCustomPrompt="1"/>
           </p:nvPr>
         </p:nvSpPr>
         <p:spPr>
@@ -1653,7 +1693,7 @@
           </a:prstGeom>
         </p:spPr>
         <p:txBody>
-          <a:bodyPr anchorCtr="0" anchor="b" bIns="91425" lIns="91425" spcFirstLastPara="1" rIns="91425" wrap="square" tIns="91425"/>
+          <a:bodyPr spcFirstLastPara="1" wrap="square" lIns="91425" tIns="91425" rIns="91425" bIns="91425" anchor="b" anchorCtr="0"/>
           <a:lstStyle>
             <a:lvl1pPr lvl="0" algn="ctr">
               <a:spcBef>
@@ -1664,7 +1704,7 @@
               </a:spcAft>
               <a:buSzPts val="14000"/>
               <a:buNone/>
-              <a:defRPr b="1" sz="14000"/>
+              <a:defRPr sz="14000" b="1"/>
             </a:lvl1pPr>
             <a:lvl2pPr lvl="1" algn="ctr">
               <a:spcBef>
@@ -1675,7 +1715,7 @@
               </a:spcAft>
               <a:buSzPts val="14000"/>
               <a:buNone/>
-              <a:defRPr b="1" sz="14000"/>
+              <a:defRPr sz="14000" b="1"/>
             </a:lvl2pPr>
             <a:lvl3pPr lvl="2" algn="ctr">
               <a:spcBef>
@@ -1686,7 +1726,7 @@
               </a:spcAft>
               <a:buSzPts val="14000"/>
               <a:buNone/>
-              <a:defRPr b="1" sz="14000"/>
+              <a:defRPr sz="14000" b="1"/>
             </a:lvl3pPr>
             <a:lvl4pPr lvl="3" algn="ctr">
               <a:spcBef>
@@ -1697,7 +1737,7 @@
               </a:spcAft>
               <a:buSzPts val="14000"/>
               <a:buNone/>
-              <a:defRPr b="1" sz="14000"/>
+              <a:defRPr sz="14000" b="1"/>
             </a:lvl4pPr>
             <a:lvl5pPr lvl="4" algn="ctr">
               <a:spcBef>
@@ -1708,7 +1748,7 @@
               </a:spcAft>
               <a:buSzPts val="14000"/>
               <a:buNone/>
-              <a:defRPr b="1" sz="14000"/>
+              <a:defRPr sz="14000" b="1"/>
             </a:lvl5pPr>
             <a:lvl6pPr lvl="5" algn="ctr">
               <a:spcBef>
@@ -1719,7 +1759,7 @@
               </a:spcAft>
               <a:buSzPts val="14000"/>
               <a:buNone/>
-              <a:defRPr b="1" sz="14000"/>
+              <a:defRPr sz="14000" b="1"/>
             </a:lvl6pPr>
             <a:lvl7pPr lvl="6" algn="ctr">
               <a:spcBef>
@@ -1730,7 +1770,7 @@
               </a:spcAft>
               <a:buSzPts val="14000"/>
               <a:buNone/>
-              <a:defRPr b="1" sz="14000"/>
+              <a:defRPr sz="14000" b="1"/>
             </a:lvl7pPr>
             <a:lvl8pPr lvl="7" algn="ctr">
               <a:spcBef>
@@ -1741,7 +1781,7 @@
               </a:spcAft>
               <a:buSzPts val="14000"/>
               <a:buNone/>
-              <a:defRPr b="1" sz="14000"/>
+              <a:defRPr sz="14000" b="1"/>
             </a:lvl8pPr>
             <a:lvl9pPr lvl="8" algn="ctr">
               <a:spcBef>
@@ -1752,7 +1792,7 @@
               </a:spcAft>
               <a:buSzPts val="14000"/>
               <a:buNone/>
-              <a:defRPr b="1" sz="14000"/>
+              <a:defRPr sz="14000" b="1"/>
             </a:lvl9pPr>
           </a:lstStyle>
           <a:p>
@@ -1765,9 +1805,11 @@
       <p:sp>
         <p:nvSpPr>
           <p:cNvPr id="51" name="Google Shape;51;p11"/>
-          <p:cNvSpPr txBox="1"/>
+          <p:cNvSpPr txBox="1">
+            <a:spLocks noGrp="1"/>
+          </p:cNvSpPr>
           <p:nvPr>
-            <p:ph idx="1" type="body"/>
+            <p:ph type="body" idx="1"/>
           </p:nvPr>
         </p:nvSpPr>
         <p:spPr>
@@ -1780,9 +1822,9 @@
           </a:prstGeom>
         </p:spPr>
         <p:txBody>
-          <a:bodyPr anchorCtr="0" anchor="t" bIns="91425" lIns="91425" spcFirstLastPara="1" rIns="91425" wrap="square" tIns="91425"/>
+          <a:bodyPr spcFirstLastPara="1" wrap="square" lIns="91425" tIns="91425" rIns="91425" bIns="91425" anchor="t" anchorCtr="0"/>
           <a:lstStyle>
-            <a:lvl1pPr indent="-342900" lvl="0" marL="457200" algn="ctr">
+            <a:lvl1pPr marL="457200" lvl="0" indent="-342900" algn="ctr">
               <a:spcBef>
                 <a:spcPts val="0"/>
               </a:spcBef>
@@ -1793,7 +1835,7 @@
               <a:buChar char="●"/>
               <a:defRPr/>
             </a:lvl1pPr>
-            <a:lvl2pPr indent="-317500" lvl="1" marL="914400" algn="ctr">
+            <a:lvl2pPr marL="914400" lvl="1" indent="-317500" algn="ctr">
               <a:spcBef>
                 <a:spcPts val="1600"/>
               </a:spcBef>
@@ -1804,7 +1846,7 @@
               <a:buChar char="○"/>
               <a:defRPr/>
             </a:lvl2pPr>
-            <a:lvl3pPr indent="-317500" lvl="2" marL="1371600" algn="ctr">
+            <a:lvl3pPr marL="1371600" lvl="2" indent="-317500" algn="ctr">
               <a:spcBef>
                 <a:spcPts val="1600"/>
               </a:spcBef>
@@ -1815,7 +1857,7 @@
               <a:buChar char="■"/>
               <a:defRPr/>
             </a:lvl3pPr>
-            <a:lvl4pPr indent="-317500" lvl="3" marL="1828800" algn="ctr">
+            <a:lvl4pPr marL="1828800" lvl="3" indent="-317500" algn="ctr">
               <a:spcBef>
                 <a:spcPts val="1600"/>
               </a:spcBef>
@@ -1826,7 +1868,7 @@
               <a:buChar char="●"/>
               <a:defRPr/>
             </a:lvl4pPr>
-            <a:lvl5pPr indent="-317500" lvl="4" marL="2286000" algn="ctr">
+            <a:lvl5pPr marL="2286000" lvl="4" indent="-317500" algn="ctr">
               <a:spcBef>
                 <a:spcPts val="1600"/>
               </a:spcBef>
@@ -1837,7 +1879,7 @@
               <a:buChar char="○"/>
               <a:defRPr/>
             </a:lvl5pPr>
-            <a:lvl6pPr indent="-317500" lvl="5" marL="2743200" algn="ctr">
+            <a:lvl6pPr marL="2743200" lvl="5" indent="-317500" algn="ctr">
               <a:spcBef>
                 <a:spcPts val="1600"/>
               </a:spcBef>
@@ -1848,7 +1890,7 @@
               <a:buChar char="■"/>
               <a:defRPr/>
             </a:lvl6pPr>
-            <a:lvl7pPr indent="-317500" lvl="6" marL="3200400" algn="ctr">
+            <a:lvl7pPr marL="3200400" lvl="6" indent="-317500" algn="ctr">
               <a:spcBef>
                 <a:spcPts val="1600"/>
               </a:spcBef>
@@ -1859,7 +1901,7 @@
               <a:buChar char="●"/>
               <a:defRPr/>
             </a:lvl7pPr>
-            <a:lvl8pPr indent="-317500" lvl="7" marL="3657600" algn="ctr">
+            <a:lvl8pPr marL="3657600" lvl="7" indent="-317500" algn="ctr">
               <a:spcBef>
                 <a:spcPts val="1600"/>
               </a:spcBef>
@@ -1870,7 +1912,7 @@
               <a:buChar char="○"/>
               <a:defRPr/>
             </a:lvl8pPr>
-            <a:lvl9pPr indent="-317500" lvl="8" marL="4114800" algn="ctr">
+            <a:lvl9pPr marL="4114800" lvl="8" indent="-317500" algn="ctr">
               <a:spcBef>
                 <a:spcPts val="1600"/>
               </a:spcBef>
@@ -1882,15 +1924,19 @@
               <a:defRPr/>
             </a:lvl9pPr>
           </a:lstStyle>
-          <a:p/>
+          <a:p>
+            <a:endParaRPr/>
+          </a:p>
         </p:txBody>
       </p:sp>
       <p:sp>
         <p:nvSpPr>
           <p:cNvPr id="52" name="Google Shape;52;p11"/>
-          <p:cNvSpPr txBox="1"/>
+          <p:cNvSpPr txBox="1">
+            <a:spLocks noGrp="1"/>
+          </p:cNvSpPr>
           <p:nvPr>
-            <p:ph idx="12" type="sldNum"/>
+            <p:ph type="sldNum" idx="12"/>
           </p:nvPr>
         </p:nvSpPr>
         <p:spPr>
@@ -1903,7 +1949,7 @@
           </a:prstGeom>
         </p:spPr>
         <p:txBody>
-          <a:bodyPr anchorCtr="0" anchor="ctr" bIns="91425" lIns="91425" spcFirstLastPara="1" rIns="91425" wrap="square" tIns="91425">
+          <a:bodyPr spcFirstLastPara="1" wrap="square" lIns="91425" tIns="91425" rIns="91425" bIns="91425" anchor="ctr" anchorCtr="0">
             <a:noAutofit/>
           </a:bodyPr>
           <a:lstStyle>
@@ -1945,7 +1991,7 @@
             </a:lvl9pPr>
           </a:lstStyle>
           <a:p>
-            <a:pPr indent="0" lvl="0" marL="0" rtl="0" algn="r">
+            <a:pPr marL="0" lvl="0" indent="0" algn="r" rtl="0">
               <a:spcBef>
                 <a:spcPts val="0"/>
               </a:spcBef>
@@ -1971,11 +2017,11 @@
 </file>
 
 <file path=ppt/slideLayouts/slideLayout11.xml><?xml version="1.0" encoding="utf-8"?>
-<p:sldLayout xmlns:a="http://schemas.openxmlformats.org/drawingml/2006/main" xmlns:r="http://schemas.openxmlformats.org/officeDocument/2006/relationships" xmlns:mc="http://schemas.openxmlformats.org/markup-compatibility/2006" xmlns:mv="urn:schemas-microsoft-com:mac:vml" xmlns:p="http://schemas.openxmlformats.org/presentationml/2006/main" xmlns:c="http://schemas.openxmlformats.org/drawingml/2006/chart" xmlns:dgm="http://schemas.openxmlformats.org/drawingml/2006/diagram" xmlns:o="urn:schemas-microsoft-com:office:office" xmlns:v="urn:schemas-microsoft-com:vml" xmlns:pvml="urn:schemas-microsoft-com:office:powerpoint" xmlns:com="http://schemas.openxmlformats.org/drawingml/2006/compatibility" xmlns:p14="http://schemas.microsoft.com/office/powerpoint/2010/main" xmlns:p15="http://schemas.microsoft.com/office/powerpoint/2012/main" matchingName="Blank" type="blank">
+<p:sldLayout xmlns:a="http://schemas.openxmlformats.org/drawingml/2006/main" xmlns:r="http://schemas.openxmlformats.org/officeDocument/2006/relationships" xmlns:p="http://schemas.openxmlformats.org/presentationml/2006/main" matchingName="Blank" type="blank">
   <p:cSld name="BLANK">
     <p:spTree>
       <p:nvGrpSpPr>
-        <p:cNvPr id="53" name="Shape 53"/>
+        <p:cNvPr id="1" name="Shape 53"/>
         <p:cNvGrpSpPr/>
         <p:nvPr/>
       </p:nvGrpSpPr>
@@ -1990,9 +2036,11 @@
       <p:sp>
         <p:nvSpPr>
           <p:cNvPr id="54" name="Google Shape;54;p12"/>
-          <p:cNvSpPr txBox="1"/>
+          <p:cNvSpPr txBox="1">
+            <a:spLocks noGrp="1"/>
+          </p:cNvSpPr>
           <p:nvPr>
-            <p:ph idx="12" type="sldNum"/>
+            <p:ph type="sldNum" idx="12"/>
           </p:nvPr>
         </p:nvSpPr>
         <p:spPr>
@@ -2005,7 +2053,7 @@
           </a:prstGeom>
         </p:spPr>
         <p:txBody>
-          <a:bodyPr anchorCtr="0" anchor="ctr" bIns="91425" lIns="91425" spcFirstLastPara="1" rIns="91425" wrap="square" tIns="91425">
+          <a:bodyPr spcFirstLastPara="1" wrap="square" lIns="91425" tIns="91425" rIns="91425" bIns="91425" anchor="ctr" anchorCtr="0">
             <a:noAutofit/>
           </a:bodyPr>
           <a:lstStyle>
@@ -2047,7 +2095,7 @@
             </a:lvl9pPr>
           </a:lstStyle>
           <a:p>
-            <a:pPr indent="0" lvl="0" marL="0" rtl="0" algn="r">
+            <a:pPr marL="0" lvl="0" indent="0" algn="r" rtl="0">
               <a:spcBef>
                 <a:spcPts val="0"/>
               </a:spcBef>
@@ -2073,18 +2121,19 @@
 </file>
 
 <file path=ppt/slideLayouts/slideLayout2.xml><?xml version="1.0" encoding="utf-8"?>
-<p:sldLayout xmlns:a="http://schemas.openxmlformats.org/drawingml/2006/main" xmlns:r="http://schemas.openxmlformats.org/officeDocument/2006/relationships" xmlns:mc="http://schemas.openxmlformats.org/markup-compatibility/2006" xmlns:mv="urn:schemas-microsoft-com:mac:vml" xmlns:p="http://schemas.openxmlformats.org/presentationml/2006/main" xmlns:c="http://schemas.openxmlformats.org/drawingml/2006/chart" xmlns:dgm="http://schemas.openxmlformats.org/drawingml/2006/diagram" xmlns:o="urn:schemas-microsoft-com:office:office" xmlns:v="urn:schemas-microsoft-com:vml" xmlns:pvml="urn:schemas-microsoft-com:office:powerpoint" xmlns:com="http://schemas.openxmlformats.org/drawingml/2006/compatibility" xmlns:p14="http://schemas.microsoft.com/office/powerpoint/2010/main" xmlns:p15="http://schemas.microsoft.com/office/powerpoint/2012/main" matchingName="Section header" type="secHead">
+<p:sldLayout xmlns:a="http://schemas.openxmlformats.org/drawingml/2006/main" xmlns:r="http://schemas.openxmlformats.org/officeDocument/2006/relationships" xmlns:p="http://schemas.openxmlformats.org/presentationml/2006/main" matchingName="Section header" type="secHead">
   <p:cSld name="SECTION_HEADER">
     <p:bg>
       <p:bgPr>
         <a:solidFill>
           <a:schemeClr val="dk1"/>
         </a:solidFill>
+        <a:effectLst/>
       </p:bgPr>
     </p:bg>
     <p:spTree>
       <p:nvGrpSpPr>
-        <p:cNvPr id="15" name="Shape 15"/>
+        <p:cNvPr id="1" name="Shape 15"/>
         <p:cNvGrpSpPr/>
         <p:nvPr/>
       </p:nvGrpSpPr>
@@ -2111,21 +2160,23 @@
             <a:avLst/>
           </a:prstGeom>
           <a:noFill/>
-          <a:ln cap="flat" cmpd="sng" w="28575">
+          <a:ln w="28575" cap="flat" cmpd="sng">
             <a:solidFill>
               <a:schemeClr val="lt2"/>
             </a:solidFill>
             <a:prstDash val="solid"/>
             <a:round/>
-            <a:headEnd len="sm" w="sm" type="none"/>
-            <a:tailEnd len="sm" w="sm" type="none"/>
+            <a:headEnd type="none" w="sm" len="sm"/>
+            <a:tailEnd type="none" w="sm" len="sm"/>
           </a:ln>
         </p:spPr>
       </p:cxnSp>
       <p:sp>
         <p:nvSpPr>
           <p:cNvPr id="17" name="Google Shape;17;p3"/>
-          <p:cNvSpPr txBox="1"/>
+          <p:cNvSpPr txBox="1">
+            <a:spLocks noGrp="1"/>
+          </p:cNvSpPr>
           <p:nvPr>
             <p:ph type="title"/>
           </p:nvPr>
@@ -2140,7 +2191,7 @@
           </a:prstGeom>
         </p:spPr>
         <p:txBody>
-          <a:bodyPr anchorCtr="0" anchor="b" bIns="91425" lIns="91425" spcFirstLastPara="1" rIns="91425" wrap="square" tIns="91425"/>
+          <a:bodyPr spcFirstLastPara="1" wrap="square" lIns="91425" tIns="91425" rIns="91425" bIns="91425" anchor="b" anchorCtr="0"/>
           <a:lstStyle>
             <a:lvl1pPr lvl="0">
               <a:spcBef>
@@ -2305,15 +2356,19 @@
               </a:defRPr>
             </a:lvl9pPr>
           </a:lstStyle>
-          <a:p/>
+          <a:p>
+            <a:endParaRPr/>
+          </a:p>
         </p:txBody>
       </p:sp>
       <p:sp>
         <p:nvSpPr>
           <p:cNvPr id="18" name="Google Shape;18;p3"/>
-          <p:cNvSpPr txBox="1"/>
+          <p:cNvSpPr txBox="1">
+            <a:spLocks noGrp="1"/>
+          </p:cNvSpPr>
           <p:nvPr>
-            <p:ph idx="12" type="sldNum"/>
+            <p:ph type="sldNum" idx="12"/>
           </p:nvPr>
         </p:nvSpPr>
         <p:spPr>
@@ -2326,7 +2381,7 @@
           </a:prstGeom>
         </p:spPr>
         <p:txBody>
-          <a:bodyPr anchorCtr="0" anchor="ctr" bIns="91425" lIns="91425" spcFirstLastPara="1" rIns="91425" wrap="square" tIns="91425">
+          <a:bodyPr spcFirstLastPara="1" wrap="square" lIns="91425" tIns="91425" rIns="91425" bIns="91425" anchor="ctr" anchorCtr="0">
             <a:noAutofit/>
           </a:bodyPr>
           <a:lstStyle>
@@ -2404,7 +2459,7 @@
             </a:lvl9pPr>
           </a:lstStyle>
           <a:p>
-            <a:pPr indent="0" lvl="0" marL="0" rtl="0" algn="r">
+            <a:pPr marL="0" lvl="0" indent="0" algn="r" rtl="0">
               <a:spcBef>
                 <a:spcPts val="0"/>
               </a:spcBef>
@@ -2430,11 +2485,11 @@
 </file>
 
 <file path=ppt/slideLayouts/slideLayout3.xml><?xml version="1.0" encoding="utf-8"?>
-<p:sldLayout xmlns:a="http://schemas.openxmlformats.org/drawingml/2006/main" xmlns:r="http://schemas.openxmlformats.org/officeDocument/2006/relationships" xmlns:mc="http://schemas.openxmlformats.org/markup-compatibility/2006" xmlns:mv="urn:schemas-microsoft-com:mac:vml" xmlns:p="http://schemas.openxmlformats.org/presentationml/2006/main" xmlns:c="http://schemas.openxmlformats.org/drawingml/2006/chart" xmlns:dgm="http://schemas.openxmlformats.org/drawingml/2006/diagram" xmlns:o="urn:schemas-microsoft-com:office:office" xmlns:v="urn:schemas-microsoft-com:vml" xmlns:pvml="urn:schemas-microsoft-com:office:powerpoint" xmlns:com="http://schemas.openxmlformats.org/drawingml/2006/compatibility" xmlns:p14="http://schemas.microsoft.com/office/powerpoint/2010/main" xmlns:p15="http://schemas.microsoft.com/office/powerpoint/2012/main" matchingName="Title and body" type="tx">
+<p:sldLayout xmlns:a="http://schemas.openxmlformats.org/drawingml/2006/main" xmlns:r="http://schemas.openxmlformats.org/officeDocument/2006/relationships" xmlns:p="http://schemas.openxmlformats.org/presentationml/2006/main" matchingName="Title and body" type="tx">
   <p:cSld name="TITLE_AND_BODY">
     <p:spTree>
       <p:nvGrpSpPr>
-        <p:cNvPr id="19" name="Shape 19"/>
+        <p:cNvPr id="1" name="Shape 19"/>
         <p:cNvGrpSpPr/>
         <p:nvPr/>
       </p:nvGrpSpPr>
@@ -2468,12 +2523,12 @@
           </a:ln>
         </p:spPr>
         <p:txBody>
-          <a:bodyPr anchorCtr="0" anchor="ctr" bIns="91425" lIns="91425" spcFirstLastPara="1" rIns="91425" wrap="square" tIns="91425">
+          <a:bodyPr spcFirstLastPara="1" wrap="square" lIns="91425" tIns="91425" rIns="91425" bIns="91425" anchor="ctr" anchorCtr="0">
             <a:noAutofit/>
           </a:bodyPr>
           <a:lstStyle/>
           <a:p>
-            <a:pPr indent="0" lvl="0" marL="0" rtl="0" algn="l">
+            <a:pPr marL="0" lvl="0" indent="0" algn="l" rtl="0">
               <a:spcBef>
                 <a:spcPts val="0"/>
               </a:spcBef>
@@ -2482,9 +2537,6 @@
               </a:spcAft>
               <a:buNone/>
             </a:pPr>
-            <a:r>
-              <a:t/>
-            </a:r>
             <a:endParaRPr/>
           </a:p>
         </p:txBody>
@@ -2492,7 +2544,9 @@
       <p:sp>
         <p:nvSpPr>
           <p:cNvPr id="21" name="Google Shape;21;p4"/>
-          <p:cNvSpPr txBox="1"/>
+          <p:cNvSpPr txBox="1">
+            <a:spLocks noGrp="1"/>
+          </p:cNvSpPr>
           <p:nvPr>
             <p:ph type="title"/>
           </p:nvPr>
@@ -2507,7 +2561,7 @@
           </a:prstGeom>
         </p:spPr>
         <p:txBody>
-          <a:bodyPr anchorCtr="0" anchor="t" bIns="91425" lIns="91425" spcFirstLastPara="1" rIns="91425" wrap="square" tIns="91425"/>
+          <a:bodyPr spcFirstLastPara="1" wrap="square" lIns="91425" tIns="91425" rIns="91425" bIns="91425" anchor="t" anchorCtr="0"/>
           <a:lstStyle>
             <a:lvl1pPr lvl="0">
               <a:spcBef>
@@ -2609,15 +2663,19 @@
               <a:defRPr/>
             </a:lvl9pPr>
           </a:lstStyle>
-          <a:p/>
+          <a:p>
+            <a:endParaRPr/>
+          </a:p>
         </p:txBody>
       </p:sp>
       <p:sp>
         <p:nvSpPr>
           <p:cNvPr id="22" name="Google Shape;22;p4"/>
-          <p:cNvSpPr txBox="1"/>
+          <p:cNvSpPr txBox="1">
+            <a:spLocks noGrp="1"/>
+          </p:cNvSpPr>
           <p:nvPr>
-            <p:ph idx="1" type="body"/>
+            <p:ph type="body" idx="1"/>
           </p:nvPr>
         </p:nvSpPr>
         <p:spPr>
@@ -2630,9 +2688,9 @@
           </a:prstGeom>
         </p:spPr>
         <p:txBody>
-          <a:bodyPr anchorCtr="0" anchor="t" bIns="91425" lIns="91425" spcFirstLastPara="1" rIns="91425" wrap="square" tIns="91425"/>
+          <a:bodyPr spcFirstLastPara="1" wrap="square" lIns="91425" tIns="91425" rIns="91425" bIns="91425" anchor="t" anchorCtr="0"/>
           <a:lstStyle>
-            <a:lvl1pPr indent="-342900" lvl="0" marL="457200">
+            <a:lvl1pPr marL="457200" lvl="0" indent="-342900">
               <a:spcBef>
                 <a:spcPts val="0"/>
               </a:spcBef>
@@ -2643,7 +2701,7 @@
               <a:buChar char="●"/>
               <a:defRPr/>
             </a:lvl1pPr>
-            <a:lvl2pPr indent="-317500" lvl="1" marL="914400">
+            <a:lvl2pPr marL="914400" lvl="1" indent="-317500">
               <a:spcBef>
                 <a:spcPts val="1600"/>
               </a:spcBef>
@@ -2654,7 +2712,7 @@
               <a:buChar char="○"/>
               <a:defRPr/>
             </a:lvl2pPr>
-            <a:lvl3pPr indent="-317500" lvl="2" marL="1371600">
+            <a:lvl3pPr marL="1371600" lvl="2" indent="-317500">
               <a:spcBef>
                 <a:spcPts val="1600"/>
               </a:spcBef>
@@ -2665,7 +2723,7 @@
               <a:buChar char="■"/>
               <a:defRPr/>
             </a:lvl3pPr>
-            <a:lvl4pPr indent="-317500" lvl="3" marL="1828800">
+            <a:lvl4pPr marL="1828800" lvl="3" indent="-317500">
               <a:spcBef>
                 <a:spcPts val="1600"/>
               </a:spcBef>
@@ -2676,7 +2734,7 @@
               <a:buChar char="●"/>
               <a:defRPr/>
             </a:lvl4pPr>
-            <a:lvl5pPr indent="-317500" lvl="4" marL="2286000">
+            <a:lvl5pPr marL="2286000" lvl="4" indent="-317500">
               <a:spcBef>
                 <a:spcPts val="1600"/>
               </a:spcBef>
@@ -2687,7 +2745,7 @@
               <a:buChar char="○"/>
               <a:defRPr/>
             </a:lvl5pPr>
-            <a:lvl6pPr indent="-317500" lvl="5" marL="2743200">
+            <a:lvl6pPr marL="2743200" lvl="5" indent="-317500">
               <a:spcBef>
                 <a:spcPts val="1600"/>
               </a:spcBef>
@@ -2698,7 +2756,7 @@
               <a:buChar char="■"/>
               <a:defRPr/>
             </a:lvl6pPr>
-            <a:lvl7pPr indent="-317500" lvl="6" marL="3200400">
+            <a:lvl7pPr marL="3200400" lvl="6" indent="-317500">
               <a:spcBef>
                 <a:spcPts val="1600"/>
               </a:spcBef>
@@ -2709,7 +2767,7 @@
               <a:buChar char="●"/>
               <a:defRPr/>
             </a:lvl7pPr>
-            <a:lvl8pPr indent="-317500" lvl="7" marL="3657600">
+            <a:lvl8pPr marL="3657600" lvl="7" indent="-317500">
               <a:spcBef>
                 <a:spcPts val="1600"/>
               </a:spcBef>
@@ -2720,7 +2778,7 @@
               <a:buChar char="○"/>
               <a:defRPr/>
             </a:lvl8pPr>
-            <a:lvl9pPr indent="-317500" lvl="8" marL="4114800">
+            <a:lvl9pPr marL="4114800" lvl="8" indent="-317500">
               <a:spcBef>
                 <a:spcPts val="1600"/>
               </a:spcBef>
@@ -2732,15 +2790,19 @@
               <a:defRPr/>
             </a:lvl9pPr>
           </a:lstStyle>
-          <a:p/>
+          <a:p>
+            <a:endParaRPr/>
+          </a:p>
         </p:txBody>
       </p:sp>
       <p:sp>
         <p:nvSpPr>
           <p:cNvPr id="23" name="Google Shape;23;p4"/>
-          <p:cNvSpPr txBox="1"/>
+          <p:cNvSpPr txBox="1">
+            <a:spLocks noGrp="1"/>
+          </p:cNvSpPr>
           <p:nvPr>
-            <p:ph idx="12" type="sldNum"/>
+            <p:ph type="sldNum" idx="12"/>
           </p:nvPr>
         </p:nvSpPr>
         <p:spPr>
@@ -2753,7 +2815,7 @@
           </a:prstGeom>
         </p:spPr>
         <p:txBody>
-          <a:bodyPr anchorCtr="0" anchor="ctr" bIns="91425" lIns="91425" spcFirstLastPara="1" rIns="91425" wrap="square" tIns="91425">
+          <a:bodyPr spcFirstLastPara="1" wrap="square" lIns="91425" tIns="91425" rIns="91425" bIns="91425" anchor="ctr" anchorCtr="0">
             <a:noAutofit/>
           </a:bodyPr>
           <a:lstStyle>
@@ -2795,7 +2857,7 @@
             </a:lvl9pPr>
           </a:lstStyle>
           <a:p>
-            <a:pPr indent="0" lvl="0" marL="0" rtl="0" algn="r">
+            <a:pPr marL="0" lvl="0" indent="0" algn="r" rtl="0">
               <a:spcBef>
                 <a:spcPts val="0"/>
               </a:spcBef>
@@ -2821,11 +2883,11 @@
 </file>
 
 <file path=ppt/slideLayouts/slideLayout4.xml><?xml version="1.0" encoding="utf-8"?>
-<p:sldLayout xmlns:a="http://schemas.openxmlformats.org/drawingml/2006/main" xmlns:r="http://schemas.openxmlformats.org/officeDocument/2006/relationships" xmlns:mc="http://schemas.openxmlformats.org/markup-compatibility/2006" xmlns:mv="urn:schemas-microsoft-com:mac:vml" xmlns:p="http://schemas.openxmlformats.org/presentationml/2006/main" xmlns:c="http://schemas.openxmlformats.org/drawingml/2006/chart" xmlns:dgm="http://schemas.openxmlformats.org/drawingml/2006/diagram" xmlns:o="urn:schemas-microsoft-com:office:office" xmlns:v="urn:schemas-microsoft-com:vml" xmlns:pvml="urn:schemas-microsoft-com:office:powerpoint" xmlns:com="http://schemas.openxmlformats.org/drawingml/2006/compatibility" xmlns:p14="http://schemas.microsoft.com/office/powerpoint/2010/main" xmlns:p15="http://schemas.microsoft.com/office/powerpoint/2012/main" matchingName="Title and two columns" type="twoColTx">
+<p:sldLayout xmlns:a="http://schemas.openxmlformats.org/drawingml/2006/main" xmlns:r="http://schemas.openxmlformats.org/officeDocument/2006/relationships" xmlns:p="http://schemas.openxmlformats.org/presentationml/2006/main" matchingName="Title and two columns" type="twoColTx">
   <p:cSld name="TITLE_AND_TWO_COLUMNS">
     <p:spTree>
       <p:nvGrpSpPr>
-        <p:cNvPr id="24" name="Shape 24"/>
+        <p:cNvPr id="1" name="Shape 24"/>
         <p:cNvGrpSpPr/>
         <p:nvPr/>
       </p:nvGrpSpPr>
@@ -2840,7 +2902,9 @@
       <p:sp>
         <p:nvSpPr>
           <p:cNvPr id="25" name="Google Shape;25;p5"/>
-          <p:cNvSpPr txBox="1"/>
+          <p:cNvSpPr txBox="1">
+            <a:spLocks noGrp="1"/>
+          </p:cNvSpPr>
           <p:nvPr>
             <p:ph type="title"/>
           </p:nvPr>
@@ -2855,7 +2919,7 @@
           </a:prstGeom>
         </p:spPr>
         <p:txBody>
-          <a:bodyPr anchorCtr="0" anchor="t" bIns="91425" lIns="91425" spcFirstLastPara="1" rIns="91425" wrap="square" tIns="91425"/>
+          <a:bodyPr spcFirstLastPara="1" wrap="square" lIns="91425" tIns="91425" rIns="91425" bIns="91425" anchor="t" anchorCtr="0"/>
           <a:lstStyle>
             <a:lvl1pPr lvl="0">
               <a:spcBef>
@@ -2957,15 +3021,19 @@
               <a:defRPr/>
             </a:lvl9pPr>
           </a:lstStyle>
-          <a:p/>
+          <a:p>
+            <a:endParaRPr/>
+          </a:p>
         </p:txBody>
       </p:sp>
       <p:sp>
         <p:nvSpPr>
           <p:cNvPr id="26" name="Google Shape;26;p5"/>
-          <p:cNvSpPr txBox="1"/>
+          <p:cNvSpPr txBox="1">
+            <a:spLocks noGrp="1"/>
+          </p:cNvSpPr>
           <p:nvPr>
-            <p:ph idx="1" type="body"/>
+            <p:ph type="body" idx="1"/>
           </p:nvPr>
         </p:nvSpPr>
         <p:spPr>
@@ -2978,9 +3046,9 @@
           </a:prstGeom>
         </p:spPr>
         <p:txBody>
-          <a:bodyPr anchorCtr="0" anchor="t" bIns="91425" lIns="91425" spcFirstLastPara="1" rIns="91425" wrap="square" tIns="91425"/>
+          <a:bodyPr spcFirstLastPara="1" wrap="square" lIns="91425" tIns="91425" rIns="91425" bIns="91425" anchor="t" anchorCtr="0"/>
           <a:lstStyle>
-            <a:lvl1pPr indent="-317500" lvl="0" marL="457200">
+            <a:lvl1pPr marL="457200" lvl="0" indent="-317500">
               <a:spcBef>
                 <a:spcPts val="0"/>
               </a:spcBef>
@@ -2991,7 +3059,7 @@
               <a:buChar char="●"/>
               <a:defRPr sz="1400"/>
             </a:lvl1pPr>
-            <a:lvl2pPr indent="-304800" lvl="1" marL="914400">
+            <a:lvl2pPr marL="914400" lvl="1" indent="-304800">
               <a:spcBef>
                 <a:spcPts val="1600"/>
               </a:spcBef>
@@ -3002,7 +3070,7 @@
               <a:buChar char="○"/>
               <a:defRPr sz="1200"/>
             </a:lvl2pPr>
-            <a:lvl3pPr indent="-304800" lvl="2" marL="1371600">
+            <a:lvl3pPr marL="1371600" lvl="2" indent="-304800">
               <a:spcBef>
                 <a:spcPts val="1600"/>
               </a:spcBef>
@@ -3013,7 +3081,7 @@
               <a:buChar char="■"/>
               <a:defRPr sz="1200"/>
             </a:lvl3pPr>
-            <a:lvl4pPr indent="-304800" lvl="3" marL="1828800">
+            <a:lvl4pPr marL="1828800" lvl="3" indent="-304800">
               <a:spcBef>
                 <a:spcPts val="1600"/>
               </a:spcBef>
@@ -3024,7 +3092,7 @@
               <a:buChar char="●"/>
               <a:defRPr sz="1200"/>
             </a:lvl4pPr>
-            <a:lvl5pPr indent="-304800" lvl="4" marL="2286000">
+            <a:lvl5pPr marL="2286000" lvl="4" indent="-304800">
               <a:spcBef>
                 <a:spcPts val="1600"/>
               </a:spcBef>
@@ -3035,7 +3103,7 @@
               <a:buChar char="○"/>
               <a:defRPr sz="1200"/>
             </a:lvl5pPr>
-            <a:lvl6pPr indent="-304800" lvl="5" marL="2743200">
+            <a:lvl6pPr marL="2743200" lvl="5" indent="-304800">
               <a:spcBef>
                 <a:spcPts val="1600"/>
               </a:spcBef>
@@ -3046,7 +3114,7 @@
               <a:buChar char="■"/>
               <a:defRPr sz="1200"/>
             </a:lvl6pPr>
-            <a:lvl7pPr indent="-304800" lvl="6" marL="3200400">
+            <a:lvl7pPr marL="3200400" lvl="6" indent="-304800">
               <a:spcBef>
                 <a:spcPts val="1600"/>
               </a:spcBef>
@@ -3057,7 +3125,7 @@
               <a:buChar char="●"/>
               <a:defRPr sz="1200"/>
             </a:lvl7pPr>
-            <a:lvl8pPr indent="-304800" lvl="7" marL="3657600">
+            <a:lvl8pPr marL="3657600" lvl="7" indent="-304800">
               <a:spcBef>
                 <a:spcPts val="1600"/>
               </a:spcBef>
@@ -3068,7 +3136,7 @@
               <a:buChar char="○"/>
               <a:defRPr sz="1200"/>
             </a:lvl8pPr>
-            <a:lvl9pPr indent="-304800" lvl="8" marL="4114800">
+            <a:lvl9pPr marL="4114800" lvl="8" indent="-304800">
               <a:spcBef>
                 <a:spcPts val="1600"/>
               </a:spcBef>
@@ -3080,15 +3148,19 @@
               <a:defRPr sz="1200"/>
             </a:lvl9pPr>
           </a:lstStyle>
-          <a:p/>
+          <a:p>
+            <a:endParaRPr/>
+          </a:p>
         </p:txBody>
       </p:sp>
       <p:sp>
         <p:nvSpPr>
           <p:cNvPr id="27" name="Google Shape;27;p5"/>
-          <p:cNvSpPr txBox="1"/>
+          <p:cNvSpPr txBox="1">
+            <a:spLocks noGrp="1"/>
+          </p:cNvSpPr>
           <p:nvPr>
-            <p:ph idx="2" type="body"/>
+            <p:ph type="body" idx="2"/>
           </p:nvPr>
         </p:nvSpPr>
         <p:spPr>
@@ -3101,9 +3173,9 @@
           </a:prstGeom>
         </p:spPr>
         <p:txBody>
-          <a:bodyPr anchorCtr="0" anchor="t" bIns="91425" lIns="91425" spcFirstLastPara="1" rIns="91425" wrap="square" tIns="91425"/>
+          <a:bodyPr spcFirstLastPara="1" wrap="square" lIns="91425" tIns="91425" rIns="91425" bIns="91425" anchor="t" anchorCtr="0"/>
           <a:lstStyle>
-            <a:lvl1pPr indent="-317500" lvl="0" marL="457200">
+            <a:lvl1pPr marL="457200" lvl="0" indent="-317500">
               <a:spcBef>
                 <a:spcPts val="0"/>
               </a:spcBef>
@@ -3114,7 +3186,7 @@
               <a:buChar char="●"/>
               <a:defRPr sz="1400"/>
             </a:lvl1pPr>
-            <a:lvl2pPr indent="-304800" lvl="1" marL="914400">
+            <a:lvl2pPr marL="914400" lvl="1" indent="-304800">
               <a:spcBef>
                 <a:spcPts val="1600"/>
               </a:spcBef>
@@ -3125,7 +3197,7 @@
               <a:buChar char="○"/>
               <a:defRPr sz="1200"/>
             </a:lvl2pPr>
-            <a:lvl3pPr indent="-304800" lvl="2" marL="1371600">
+            <a:lvl3pPr marL="1371600" lvl="2" indent="-304800">
               <a:spcBef>
                 <a:spcPts val="1600"/>
               </a:spcBef>
@@ -3136,7 +3208,7 @@
               <a:buChar char="■"/>
               <a:defRPr sz="1200"/>
             </a:lvl3pPr>
-            <a:lvl4pPr indent="-304800" lvl="3" marL="1828800">
+            <a:lvl4pPr marL="1828800" lvl="3" indent="-304800">
               <a:spcBef>
                 <a:spcPts val="1600"/>
               </a:spcBef>
@@ -3147,7 +3219,7 @@
               <a:buChar char="●"/>
               <a:defRPr sz="1200"/>
             </a:lvl4pPr>
-            <a:lvl5pPr indent="-304800" lvl="4" marL="2286000">
+            <a:lvl5pPr marL="2286000" lvl="4" indent="-304800">
               <a:spcBef>
                 <a:spcPts val="1600"/>
               </a:spcBef>
@@ -3158,7 +3230,7 @@
               <a:buChar char="○"/>
               <a:defRPr sz="1200"/>
             </a:lvl5pPr>
-            <a:lvl6pPr indent="-304800" lvl="5" marL="2743200">
+            <a:lvl6pPr marL="2743200" lvl="5" indent="-304800">
               <a:spcBef>
                 <a:spcPts val="1600"/>
               </a:spcBef>
@@ -3169,7 +3241,7 @@
               <a:buChar char="■"/>
               <a:defRPr sz="1200"/>
             </a:lvl6pPr>
-            <a:lvl7pPr indent="-304800" lvl="6" marL="3200400">
+            <a:lvl7pPr marL="3200400" lvl="6" indent="-304800">
               <a:spcBef>
                 <a:spcPts val="1600"/>
               </a:spcBef>
@@ -3180,7 +3252,7 @@
               <a:buChar char="●"/>
               <a:defRPr sz="1200"/>
             </a:lvl7pPr>
-            <a:lvl8pPr indent="-304800" lvl="7" marL="3657600">
+            <a:lvl8pPr marL="3657600" lvl="7" indent="-304800">
               <a:spcBef>
                 <a:spcPts val="1600"/>
               </a:spcBef>
@@ -3191,7 +3263,7 @@
               <a:buChar char="○"/>
               <a:defRPr sz="1200"/>
             </a:lvl8pPr>
-            <a:lvl9pPr indent="-304800" lvl="8" marL="4114800">
+            <a:lvl9pPr marL="4114800" lvl="8" indent="-304800">
               <a:spcBef>
                 <a:spcPts val="1600"/>
               </a:spcBef>
@@ -3203,15 +3275,19 @@
               <a:defRPr sz="1200"/>
             </a:lvl9pPr>
           </a:lstStyle>
-          <a:p/>
+          <a:p>
+            <a:endParaRPr/>
+          </a:p>
         </p:txBody>
       </p:sp>
       <p:sp>
         <p:nvSpPr>
           <p:cNvPr id="28" name="Google Shape;28;p5"/>
-          <p:cNvSpPr txBox="1"/>
+          <p:cNvSpPr txBox="1">
+            <a:spLocks noGrp="1"/>
+          </p:cNvSpPr>
           <p:nvPr>
-            <p:ph idx="12" type="sldNum"/>
+            <p:ph type="sldNum" idx="12"/>
           </p:nvPr>
         </p:nvSpPr>
         <p:spPr>
@@ -3224,7 +3300,7 @@
           </a:prstGeom>
         </p:spPr>
         <p:txBody>
-          <a:bodyPr anchorCtr="0" anchor="ctr" bIns="91425" lIns="91425" spcFirstLastPara="1" rIns="91425" wrap="square" tIns="91425">
+          <a:bodyPr spcFirstLastPara="1" wrap="square" lIns="91425" tIns="91425" rIns="91425" bIns="91425" anchor="ctr" anchorCtr="0">
             <a:noAutofit/>
           </a:bodyPr>
           <a:lstStyle>
@@ -3266,7 +3342,7 @@
             </a:lvl9pPr>
           </a:lstStyle>
           <a:p>
-            <a:pPr indent="0" lvl="0" marL="0" rtl="0" algn="r">
+            <a:pPr marL="0" lvl="0" indent="0" algn="r" rtl="0">
               <a:spcBef>
                 <a:spcPts val="0"/>
               </a:spcBef>
@@ -3292,11 +3368,11 @@
 </file>
 
 <file path=ppt/slideLayouts/slideLayout5.xml><?xml version="1.0" encoding="utf-8"?>
-<p:sldLayout xmlns:a="http://schemas.openxmlformats.org/drawingml/2006/main" xmlns:r="http://schemas.openxmlformats.org/officeDocument/2006/relationships" xmlns:mc="http://schemas.openxmlformats.org/markup-compatibility/2006" xmlns:mv="urn:schemas-microsoft-com:mac:vml" xmlns:p="http://schemas.openxmlformats.org/presentationml/2006/main" xmlns:c="http://schemas.openxmlformats.org/drawingml/2006/chart" xmlns:dgm="http://schemas.openxmlformats.org/drawingml/2006/diagram" xmlns:o="urn:schemas-microsoft-com:office:office" xmlns:v="urn:schemas-microsoft-com:vml" xmlns:pvml="urn:schemas-microsoft-com:office:powerpoint" xmlns:com="http://schemas.openxmlformats.org/drawingml/2006/compatibility" xmlns:p14="http://schemas.microsoft.com/office/powerpoint/2010/main" xmlns:p15="http://schemas.microsoft.com/office/powerpoint/2012/main" matchingName="Title only" type="titleOnly">
+<p:sldLayout xmlns:a="http://schemas.openxmlformats.org/drawingml/2006/main" xmlns:r="http://schemas.openxmlformats.org/officeDocument/2006/relationships" xmlns:p="http://schemas.openxmlformats.org/presentationml/2006/main" matchingName="Title only" type="titleOnly">
   <p:cSld name="TITLE_ONLY">
     <p:spTree>
       <p:nvGrpSpPr>
-        <p:cNvPr id="29" name="Shape 29"/>
+        <p:cNvPr id="1" name="Shape 29"/>
         <p:cNvGrpSpPr/>
         <p:nvPr/>
       </p:nvGrpSpPr>
@@ -3311,7 +3387,9 @@
       <p:sp>
         <p:nvSpPr>
           <p:cNvPr id="30" name="Google Shape;30;p6"/>
-          <p:cNvSpPr txBox="1"/>
+          <p:cNvSpPr txBox="1">
+            <a:spLocks noGrp="1"/>
+          </p:cNvSpPr>
           <p:nvPr>
             <p:ph type="title"/>
           </p:nvPr>
@@ -3326,7 +3404,7 @@
           </a:prstGeom>
         </p:spPr>
         <p:txBody>
-          <a:bodyPr anchorCtr="0" anchor="t" bIns="91425" lIns="91425" spcFirstLastPara="1" rIns="91425" wrap="square" tIns="91425"/>
+          <a:bodyPr spcFirstLastPara="1" wrap="square" lIns="91425" tIns="91425" rIns="91425" bIns="91425" anchor="t" anchorCtr="0"/>
           <a:lstStyle>
             <a:lvl1pPr lvl="0">
               <a:spcBef>
@@ -3428,15 +3506,19 @@
               <a:defRPr/>
             </a:lvl9pPr>
           </a:lstStyle>
-          <a:p/>
+          <a:p>
+            <a:endParaRPr/>
+          </a:p>
         </p:txBody>
       </p:sp>
       <p:sp>
         <p:nvSpPr>
           <p:cNvPr id="31" name="Google Shape;31;p6"/>
-          <p:cNvSpPr txBox="1"/>
+          <p:cNvSpPr txBox="1">
+            <a:spLocks noGrp="1"/>
+          </p:cNvSpPr>
           <p:nvPr>
-            <p:ph idx="12" type="sldNum"/>
+            <p:ph type="sldNum" idx="12"/>
           </p:nvPr>
         </p:nvSpPr>
         <p:spPr>
@@ -3449,7 +3531,7 @@
           </a:prstGeom>
         </p:spPr>
         <p:txBody>
-          <a:bodyPr anchorCtr="0" anchor="ctr" bIns="91425" lIns="91425" spcFirstLastPara="1" rIns="91425" wrap="square" tIns="91425">
+          <a:bodyPr spcFirstLastPara="1" wrap="square" lIns="91425" tIns="91425" rIns="91425" bIns="91425" anchor="ctr" anchorCtr="0">
             <a:noAutofit/>
           </a:bodyPr>
           <a:lstStyle>
@@ -3491,7 +3573,7 @@
             </a:lvl9pPr>
           </a:lstStyle>
           <a:p>
-            <a:pPr indent="0" lvl="0" marL="0" rtl="0" algn="r">
+            <a:pPr marL="0" lvl="0" indent="0" algn="r" rtl="0">
               <a:spcBef>
                 <a:spcPts val="0"/>
               </a:spcBef>
@@ -3517,11 +3599,11 @@
 </file>
 
 <file path=ppt/slideLayouts/slideLayout6.xml><?xml version="1.0" encoding="utf-8"?>
-<p:sldLayout xmlns:a="http://schemas.openxmlformats.org/drawingml/2006/main" xmlns:r="http://schemas.openxmlformats.org/officeDocument/2006/relationships" xmlns:mc="http://schemas.openxmlformats.org/markup-compatibility/2006" xmlns:mv="urn:schemas-microsoft-com:mac:vml" xmlns:p="http://schemas.openxmlformats.org/presentationml/2006/main" xmlns:c="http://schemas.openxmlformats.org/drawingml/2006/chart" xmlns:dgm="http://schemas.openxmlformats.org/drawingml/2006/diagram" xmlns:o="urn:schemas-microsoft-com:office:office" xmlns:v="urn:schemas-microsoft-com:vml" xmlns:pvml="urn:schemas-microsoft-com:office:powerpoint" xmlns:com="http://schemas.openxmlformats.org/drawingml/2006/compatibility" xmlns:p14="http://schemas.microsoft.com/office/powerpoint/2010/main" xmlns:p15="http://schemas.microsoft.com/office/powerpoint/2012/main" matchingName="One column text">
+<p:sldLayout xmlns:a="http://schemas.openxmlformats.org/drawingml/2006/main" xmlns:r="http://schemas.openxmlformats.org/officeDocument/2006/relationships" xmlns:p="http://schemas.openxmlformats.org/presentationml/2006/main" matchingName="One column text">
   <p:cSld name="ONE_COLUMN_TEXT">
     <p:spTree>
       <p:nvGrpSpPr>
-        <p:cNvPr id="32" name="Shape 32"/>
+        <p:cNvPr id="1" name="Shape 32"/>
         <p:cNvGrpSpPr/>
         <p:nvPr/>
       </p:nvGrpSpPr>
@@ -3536,7 +3618,9 @@
       <p:sp>
         <p:nvSpPr>
           <p:cNvPr id="33" name="Google Shape;33;p7"/>
-          <p:cNvSpPr txBox="1"/>
+          <p:cNvSpPr txBox="1">
+            <a:spLocks noGrp="1"/>
+          </p:cNvSpPr>
           <p:nvPr>
             <p:ph type="title"/>
           </p:nvPr>
@@ -3551,7 +3635,7 @@
           </a:prstGeom>
         </p:spPr>
         <p:txBody>
-          <a:bodyPr anchorCtr="0" anchor="b" bIns="91425" lIns="91425" spcFirstLastPara="1" rIns="91425" wrap="square" tIns="91425"/>
+          <a:bodyPr spcFirstLastPara="1" wrap="square" lIns="91425" tIns="91425" rIns="91425" bIns="91425" anchor="b" anchorCtr="0"/>
           <a:lstStyle>
             <a:lvl1pPr lvl="0">
               <a:spcBef>
@@ -3653,15 +3737,19 @@
               <a:defRPr sz="2400"/>
             </a:lvl9pPr>
           </a:lstStyle>
-          <a:p/>
+          <a:p>
+            <a:endParaRPr/>
+          </a:p>
         </p:txBody>
       </p:sp>
       <p:sp>
         <p:nvSpPr>
           <p:cNvPr id="34" name="Google Shape;34;p7"/>
-          <p:cNvSpPr txBox="1"/>
+          <p:cNvSpPr txBox="1">
+            <a:spLocks noGrp="1"/>
+          </p:cNvSpPr>
           <p:nvPr>
-            <p:ph idx="1" type="body"/>
+            <p:ph type="body" idx="1"/>
           </p:nvPr>
         </p:nvSpPr>
         <p:spPr>
@@ -3674,9 +3762,9 @@
           </a:prstGeom>
         </p:spPr>
         <p:txBody>
-          <a:bodyPr anchorCtr="0" anchor="t" bIns="91425" lIns="91425" spcFirstLastPara="1" rIns="91425" wrap="square" tIns="91425"/>
+          <a:bodyPr spcFirstLastPara="1" wrap="square" lIns="91425" tIns="91425" rIns="91425" bIns="91425" anchor="t" anchorCtr="0"/>
           <a:lstStyle>
-            <a:lvl1pPr indent="-304800" lvl="0" marL="457200">
+            <a:lvl1pPr marL="457200" lvl="0" indent="-304800">
               <a:spcBef>
                 <a:spcPts val="0"/>
               </a:spcBef>
@@ -3687,7 +3775,7 @@
               <a:buChar char="●"/>
               <a:defRPr sz="1200"/>
             </a:lvl1pPr>
-            <a:lvl2pPr indent="-304800" lvl="1" marL="914400">
+            <a:lvl2pPr marL="914400" lvl="1" indent="-304800">
               <a:spcBef>
                 <a:spcPts val="1600"/>
               </a:spcBef>
@@ -3698,7 +3786,7 @@
               <a:buChar char="○"/>
               <a:defRPr sz="1200"/>
             </a:lvl2pPr>
-            <a:lvl3pPr indent="-304800" lvl="2" marL="1371600">
+            <a:lvl3pPr marL="1371600" lvl="2" indent="-304800">
               <a:spcBef>
                 <a:spcPts val="1600"/>
               </a:spcBef>
@@ -3709,7 +3797,7 @@
               <a:buChar char="■"/>
               <a:defRPr sz="1200"/>
             </a:lvl3pPr>
-            <a:lvl4pPr indent="-304800" lvl="3" marL="1828800">
+            <a:lvl4pPr marL="1828800" lvl="3" indent="-304800">
               <a:spcBef>
                 <a:spcPts val="1600"/>
               </a:spcBef>
@@ -3720,7 +3808,7 @@
               <a:buChar char="●"/>
               <a:defRPr sz="1200"/>
             </a:lvl4pPr>
-            <a:lvl5pPr indent="-304800" lvl="4" marL="2286000">
+            <a:lvl5pPr marL="2286000" lvl="4" indent="-304800">
               <a:spcBef>
                 <a:spcPts val="1600"/>
               </a:spcBef>
@@ -3731,7 +3819,7 @@
               <a:buChar char="○"/>
               <a:defRPr sz="1200"/>
             </a:lvl5pPr>
-            <a:lvl6pPr indent="-304800" lvl="5" marL="2743200">
+            <a:lvl6pPr marL="2743200" lvl="5" indent="-304800">
               <a:spcBef>
                 <a:spcPts val="1600"/>
               </a:spcBef>
@@ -3742,7 +3830,7 @@
               <a:buChar char="■"/>
               <a:defRPr sz="1200"/>
             </a:lvl6pPr>
-            <a:lvl7pPr indent="-304800" lvl="6" marL="3200400">
+            <a:lvl7pPr marL="3200400" lvl="6" indent="-304800">
               <a:spcBef>
                 <a:spcPts val="1600"/>
               </a:spcBef>
@@ -3753,7 +3841,7 @@
               <a:buChar char="●"/>
               <a:defRPr sz="1200"/>
             </a:lvl7pPr>
-            <a:lvl8pPr indent="-304800" lvl="7" marL="3657600">
+            <a:lvl8pPr marL="3657600" lvl="7" indent="-304800">
               <a:spcBef>
                 <a:spcPts val="1600"/>
               </a:spcBef>
@@ -3764,7 +3852,7 @@
               <a:buChar char="○"/>
               <a:defRPr sz="1200"/>
             </a:lvl8pPr>
-            <a:lvl9pPr indent="-304800" lvl="8" marL="4114800">
+            <a:lvl9pPr marL="4114800" lvl="8" indent="-304800">
               <a:spcBef>
                 <a:spcPts val="1600"/>
               </a:spcBef>
@@ -3776,15 +3864,19 @@
               <a:defRPr sz="1200"/>
             </a:lvl9pPr>
           </a:lstStyle>
-          <a:p/>
+          <a:p>
+            <a:endParaRPr/>
+          </a:p>
         </p:txBody>
       </p:sp>
       <p:sp>
         <p:nvSpPr>
           <p:cNvPr id="35" name="Google Shape;35;p7"/>
-          <p:cNvSpPr txBox="1"/>
+          <p:cNvSpPr txBox="1">
+            <a:spLocks noGrp="1"/>
+          </p:cNvSpPr>
           <p:nvPr>
-            <p:ph idx="12" type="sldNum"/>
+            <p:ph type="sldNum" idx="12"/>
           </p:nvPr>
         </p:nvSpPr>
         <p:spPr>
@@ -3797,7 +3889,7 @@
           </a:prstGeom>
         </p:spPr>
         <p:txBody>
-          <a:bodyPr anchorCtr="0" anchor="ctr" bIns="91425" lIns="91425" spcFirstLastPara="1" rIns="91425" wrap="square" tIns="91425">
+          <a:bodyPr spcFirstLastPara="1" wrap="square" lIns="91425" tIns="91425" rIns="91425" bIns="91425" anchor="ctr" anchorCtr="0">
             <a:noAutofit/>
           </a:bodyPr>
           <a:lstStyle>
@@ -3839,7 +3931,7 @@
             </a:lvl9pPr>
           </a:lstStyle>
           <a:p>
-            <a:pPr indent="0" lvl="0" marL="0" rtl="0" algn="r">
+            <a:pPr marL="0" lvl="0" indent="0" algn="r" rtl="0">
               <a:spcBef>
                 <a:spcPts val="0"/>
               </a:spcBef>
@@ -3865,18 +3957,19 @@
 </file>
 
 <file path=ppt/slideLayouts/slideLayout7.xml><?xml version="1.0" encoding="utf-8"?>
-<p:sldLayout xmlns:a="http://schemas.openxmlformats.org/drawingml/2006/main" xmlns:r="http://schemas.openxmlformats.org/officeDocument/2006/relationships" xmlns:mc="http://schemas.openxmlformats.org/markup-compatibility/2006" xmlns:mv="urn:schemas-microsoft-com:mac:vml" xmlns:p="http://schemas.openxmlformats.org/presentationml/2006/main" xmlns:c="http://schemas.openxmlformats.org/drawingml/2006/chart" xmlns:dgm="http://schemas.openxmlformats.org/drawingml/2006/diagram" xmlns:o="urn:schemas-microsoft-com:office:office" xmlns:v="urn:schemas-microsoft-com:vml" xmlns:pvml="urn:schemas-microsoft-com:office:powerpoint" xmlns:com="http://schemas.openxmlformats.org/drawingml/2006/compatibility" xmlns:p14="http://schemas.microsoft.com/office/powerpoint/2010/main" xmlns:p15="http://schemas.microsoft.com/office/powerpoint/2012/main" matchingName="Main point">
+<p:sldLayout xmlns:a="http://schemas.openxmlformats.org/drawingml/2006/main" xmlns:r="http://schemas.openxmlformats.org/officeDocument/2006/relationships" xmlns:p="http://schemas.openxmlformats.org/presentationml/2006/main" matchingName="Main point">
   <p:cSld name="MAIN_POINT">
     <p:bg>
       <p:bgPr>
         <a:solidFill>
           <a:schemeClr val="lt2"/>
         </a:solidFill>
+        <a:effectLst/>
       </p:bgPr>
     </p:bg>
     <p:spTree>
       <p:nvGrpSpPr>
-        <p:cNvPr id="36" name="Shape 36"/>
+        <p:cNvPr id="1" name="Shape 36"/>
         <p:cNvGrpSpPr/>
         <p:nvPr/>
       </p:nvGrpSpPr>
@@ -3891,7 +3984,9 @@
       <p:sp>
         <p:nvSpPr>
           <p:cNvPr id="37" name="Google Shape;37;p8"/>
-          <p:cNvSpPr txBox="1"/>
+          <p:cNvSpPr txBox="1">
+            <a:spLocks noGrp="1"/>
+          </p:cNvSpPr>
           <p:nvPr>
             <p:ph type="title"/>
           </p:nvPr>
@@ -3906,7 +4001,7 @@
           </a:prstGeom>
         </p:spPr>
         <p:txBody>
-          <a:bodyPr anchorCtr="0" anchor="ctr" bIns="91425" lIns="91425" spcFirstLastPara="1" rIns="91425" wrap="square" tIns="91425"/>
+          <a:bodyPr spcFirstLastPara="1" wrap="square" lIns="91425" tIns="91425" rIns="91425" bIns="91425" anchor="ctr" anchorCtr="0"/>
           <a:lstStyle>
             <a:lvl1pPr lvl="0">
               <a:spcBef>
@@ -4071,15 +4166,19 @@
               </a:defRPr>
             </a:lvl9pPr>
           </a:lstStyle>
-          <a:p/>
+          <a:p>
+            <a:endParaRPr/>
+          </a:p>
         </p:txBody>
       </p:sp>
       <p:sp>
         <p:nvSpPr>
           <p:cNvPr id="38" name="Google Shape;38;p8"/>
-          <p:cNvSpPr txBox="1"/>
+          <p:cNvSpPr txBox="1">
+            <a:spLocks noGrp="1"/>
+          </p:cNvSpPr>
           <p:nvPr>
-            <p:ph idx="12" type="sldNum"/>
+            <p:ph type="sldNum" idx="12"/>
           </p:nvPr>
         </p:nvSpPr>
         <p:spPr>
@@ -4092,7 +4191,7 @@
           </a:prstGeom>
         </p:spPr>
         <p:txBody>
-          <a:bodyPr anchorCtr="0" anchor="ctr" bIns="91425" lIns="91425" spcFirstLastPara="1" rIns="91425" wrap="square" tIns="91425">
+          <a:bodyPr spcFirstLastPara="1" wrap="square" lIns="91425" tIns="91425" rIns="91425" bIns="91425" anchor="ctr" anchorCtr="0">
             <a:noAutofit/>
           </a:bodyPr>
           <a:lstStyle>
@@ -4170,7 +4269,7 @@
             </a:lvl9pPr>
           </a:lstStyle>
           <a:p>
-            <a:pPr indent="0" lvl="0" marL="0" rtl="0" algn="r">
+            <a:pPr marL="0" lvl="0" indent="0" algn="r" rtl="0">
               <a:spcBef>
                 <a:spcPts val="0"/>
               </a:spcBef>
@@ -4196,11 +4295,11 @@
 </file>
 
 <file path=ppt/slideLayouts/slideLayout8.xml><?xml version="1.0" encoding="utf-8"?>
-<p:sldLayout xmlns:a="http://schemas.openxmlformats.org/drawingml/2006/main" xmlns:r="http://schemas.openxmlformats.org/officeDocument/2006/relationships" xmlns:mc="http://schemas.openxmlformats.org/markup-compatibility/2006" xmlns:mv="urn:schemas-microsoft-com:mac:vml" xmlns:p="http://schemas.openxmlformats.org/presentationml/2006/main" xmlns:c="http://schemas.openxmlformats.org/drawingml/2006/chart" xmlns:dgm="http://schemas.openxmlformats.org/drawingml/2006/diagram" xmlns:o="urn:schemas-microsoft-com:office:office" xmlns:v="urn:schemas-microsoft-com:vml" xmlns:pvml="urn:schemas-microsoft-com:office:powerpoint" xmlns:com="http://schemas.openxmlformats.org/drawingml/2006/compatibility" xmlns:p14="http://schemas.microsoft.com/office/powerpoint/2010/main" xmlns:p15="http://schemas.microsoft.com/office/powerpoint/2012/main" matchingName="Section title and description">
+<p:sldLayout xmlns:a="http://schemas.openxmlformats.org/drawingml/2006/main" xmlns:r="http://schemas.openxmlformats.org/officeDocument/2006/relationships" xmlns:p="http://schemas.openxmlformats.org/presentationml/2006/main" matchingName="Section title and description">
   <p:cSld name="SECTION_TITLE_AND_DESCRIPTION">
     <p:spTree>
       <p:nvGrpSpPr>
-        <p:cNvPr id="39" name="Shape 39"/>
+        <p:cNvPr id="1" name="Shape 39"/>
         <p:cNvGrpSpPr/>
         <p:nvPr/>
       </p:nvGrpSpPr>
@@ -4234,12 +4333,12 @@
           </a:ln>
         </p:spPr>
         <p:txBody>
-          <a:bodyPr anchorCtr="0" anchor="ctr" bIns="91425" lIns="91425" spcFirstLastPara="1" rIns="91425" wrap="square" tIns="91425">
+          <a:bodyPr spcFirstLastPara="1" wrap="square" lIns="91425" tIns="91425" rIns="91425" bIns="91425" anchor="ctr" anchorCtr="0">
             <a:noAutofit/>
           </a:bodyPr>
           <a:lstStyle/>
           <a:p>
-            <a:pPr indent="0" lvl="0" marL="0" rtl="0" algn="l">
+            <a:pPr marL="0" lvl="0" indent="0" algn="l" rtl="0">
               <a:spcBef>
                 <a:spcPts val="0"/>
               </a:spcBef>
@@ -4248,9 +4347,6 @@
               </a:spcAft>
               <a:buNone/>
             </a:pPr>
-            <a:r>
-              <a:t/>
-            </a:r>
             <a:endParaRPr/>
           </a:p>
         </p:txBody>
@@ -4270,21 +4366,23 @@
             <a:avLst/>
           </a:prstGeom>
           <a:noFill/>
-          <a:ln cap="flat" cmpd="sng" w="19050">
+          <a:ln w="19050" cap="flat" cmpd="sng">
             <a:solidFill>
               <a:schemeClr val="lt2"/>
             </a:solidFill>
             <a:prstDash val="solid"/>
             <a:round/>
-            <a:headEnd len="sm" w="sm" type="none"/>
-            <a:tailEnd len="sm" w="sm" type="none"/>
+            <a:headEnd type="none" w="sm" len="sm"/>
+            <a:tailEnd type="none" w="sm" len="sm"/>
           </a:ln>
         </p:spPr>
       </p:cxnSp>
       <p:sp>
         <p:nvSpPr>
           <p:cNvPr id="42" name="Google Shape;42;p9"/>
-          <p:cNvSpPr txBox="1"/>
+          <p:cNvSpPr txBox="1">
+            <a:spLocks noGrp="1"/>
+          </p:cNvSpPr>
           <p:nvPr>
             <p:ph type="title"/>
           </p:nvPr>
@@ -4299,7 +4397,7 @@
           </a:prstGeom>
         </p:spPr>
         <p:txBody>
-          <a:bodyPr anchorCtr="0" anchor="b" bIns="91425" lIns="91425" spcFirstLastPara="1" rIns="91425" wrap="square" tIns="91425"/>
+          <a:bodyPr spcFirstLastPara="1" wrap="square" lIns="91425" tIns="91425" rIns="91425" bIns="91425" anchor="b" anchorCtr="0"/>
           <a:lstStyle>
             <a:lvl1pPr lvl="0" algn="ctr">
               <a:spcBef>
@@ -4464,15 +4562,19 @@
               </a:defRPr>
             </a:lvl9pPr>
           </a:lstStyle>
-          <a:p/>
+          <a:p>
+            <a:endParaRPr/>
+          </a:p>
         </p:txBody>
       </p:sp>
       <p:sp>
         <p:nvSpPr>
           <p:cNvPr id="43" name="Google Shape;43;p9"/>
-          <p:cNvSpPr txBox="1"/>
+          <p:cNvSpPr txBox="1">
+            <a:spLocks noGrp="1"/>
+          </p:cNvSpPr>
           <p:nvPr>
-            <p:ph idx="1" type="subTitle"/>
+            <p:ph type="subTitle" idx="1"/>
           </p:nvPr>
         </p:nvSpPr>
         <p:spPr>
@@ -4485,7 +4587,7 @@
           </a:prstGeom>
         </p:spPr>
         <p:txBody>
-          <a:bodyPr anchorCtr="0" anchor="t" bIns="91425" lIns="91425" spcFirstLastPara="1" rIns="91425" wrap="square" tIns="91425"/>
+          <a:bodyPr spcFirstLastPara="1" wrap="square" lIns="91425" tIns="91425" rIns="91425" bIns="91425" anchor="t" anchorCtr="0"/>
           <a:lstStyle>
             <a:lvl1pPr lvl="0" algn="ctr">
               <a:lnSpc>
@@ -4614,15 +4716,19 @@
               <a:defRPr sz="2100"/>
             </a:lvl9pPr>
           </a:lstStyle>
-          <a:p/>
+          <a:p>
+            <a:endParaRPr/>
+          </a:p>
         </p:txBody>
       </p:sp>
       <p:sp>
         <p:nvSpPr>
           <p:cNvPr id="44" name="Google Shape;44;p9"/>
-          <p:cNvSpPr txBox="1"/>
+          <p:cNvSpPr txBox="1">
+            <a:spLocks noGrp="1"/>
+          </p:cNvSpPr>
           <p:nvPr>
-            <p:ph idx="2" type="body"/>
+            <p:ph type="body" idx="2"/>
           </p:nvPr>
         </p:nvSpPr>
         <p:spPr>
@@ -4635,9 +4741,9 @@
           </a:prstGeom>
         </p:spPr>
         <p:txBody>
-          <a:bodyPr anchorCtr="0" anchor="ctr" bIns="91425" lIns="91425" spcFirstLastPara="1" rIns="91425" wrap="square" tIns="91425"/>
+          <a:bodyPr spcFirstLastPara="1" wrap="square" lIns="91425" tIns="91425" rIns="91425" bIns="91425" anchor="ctr" anchorCtr="0"/>
           <a:lstStyle>
-            <a:lvl1pPr indent="-342900" lvl="0" marL="457200">
+            <a:lvl1pPr marL="457200" lvl="0" indent="-342900">
               <a:spcBef>
                 <a:spcPts val="0"/>
               </a:spcBef>
@@ -4655,7 +4761,7 @@
                 </a:solidFill>
               </a:defRPr>
             </a:lvl1pPr>
-            <a:lvl2pPr indent="-317500" lvl="1" marL="914400">
+            <a:lvl2pPr marL="914400" lvl="1" indent="-317500">
               <a:spcBef>
                 <a:spcPts val="1600"/>
               </a:spcBef>
@@ -4673,7 +4779,7 @@
                 </a:solidFill>
               </a:defRPr>
             </a:lvl2pPr>
-            <a:lvl3pPr indent="-317500" lvl="2" marL="1371600">
+            <a:lvl3pPr marL="1371600" lvl="2" indent="-317500">
               <a:spcBef>
                 <a:spcPts val="1600"/>
               </a:spcBef>
@@ -4691,7 +4797,7 @@
                 </a:solidFill>
               </a:defRPr>
             </a:lvl3pPr>
-            <a:lvl4pPr indent="-317500" lvl="3" marL="1828800">
+            <a:lvl4pPr marL="1828800" lvl="3" indent="-317500">
               <a:spcBef>
                 <a:spcPts val="1600"/>
               </a:spcBef>
@@ -4709,7 +4815,7 @@
                 </a:solidFill>
               </a:defRPr>
             </a:lvl4pPr>
-            <a:lvl5pPr indent="-317500" lvl="4" marL="2286000">
+            <a:lvl5pPr marL="2286000" lvl="4" indent="-317500">
               <a:spcBef>
                 <a:spcPts val="1600"/>
               </a:spcBef>
@@ -4727,7 +4833,7 @@
                 </a:solidFill>
               </a:defRPr>
             </a:lvl5pPr>
-            <a:lvl6pPr indent="-317500" lvl="5" marL="2743200">
+            <a:lvl6pPr marL="2743200" lvl="5" indent="-317500">
               <a:spcBef>
                 <a:spcPts val="1600"/>
               </a:spcBef>
@@ -4745,7 +4851,7 @@
                 </a:solidFill>
               </a:defRPr>
             </a:lvl6pPr>
-            <a:lvl7pPr indent="-317500" lvl="6" marL="3200400">
+            <a:lvl7pPr marL="3200400" lvl="6" indent="-317500">
               <a:spcBef>
                 <a:spcPts val="1600"/>
               </a:spcBef>
@@ -4763,7 +4869,7 @@
                 </a:solidFill>
               </a:defRPr>
             </a:lvl7pPr>
-            <a:lvl8pPr indent="-317500" lvl="7" marL="3657600">
+            <a:lvl8pPr marL="3657600" lvl="7" indent="-317500">
               <a:spcBef>
                 <a:spcPts val="1600"/>
               </a:spcBef>
@@ -4781,7 +4887,7 @@
                 </a:solidFill>
               </a:defRPr>
             </a:lvl8pPr>
-            <a:lvl9pPr indent="-317500" lvl="8" marL="4114800">
+            <a:lvl9pPr marL="4114800" lvl="8" indent="-317500">
               <a:spcBef>
                 <a:spcPts val="1600"/>
               </a:spcBef>
@@ -4800,15 +4906,19 @@
               </a:defRPr>
             </a:lvl9pPr>
           </a:lstStyle>
-          <a:p/>
+          <a:p>
+            <a:endParaRPr/>
+          </a:p>
         </p:txBody>
       </p:sp>
       <p:sp>
         <p:nvSpPr>
           <p:cNvPr id="45" name="Google Shape;45;p9"/>
-          <p:cNvSpPr txBox="1"/>
+          <p:cNvSpPr txBox="1">
+            <a:spLocks noGrp="1"/>
+          </p:cNvSpPr>
           <p:nvPr>
-            <p:ph idx="12" type="sldNum"/>
+            <p:ph type="sldNum" idx="12"/>
           </p:nvPr>
         </p:nvSpPr>
         <p:spPr>
@@ -4821,7 +4931,7 @@
           </a:prstGeom>
         </p:spPr>
         <p:txBody>
-          <a:bodyPr anchorCtr="0" anchor="ctr" bIns="91425" lIns="91425" spcFirstLastPara="1" rIns="91425" wrap="square" tIns="91425">
+          <a:bodyPr spcFirstLastPara="1" wrap="square" lIns="91425" tIns="91425" rIns="91425" bIns="91425" anchor="ctr" anchorCtr="0">
             <a:noAutofit/>
           </a:bodyPr>
           <a:lstStyle>
@@ -4899,7 +5009,7 @@
             </a:lvl9pPr>
           </a:lstStyle>
           <a:p>
-            <a:pPr indent="0" lvl="0" marL="0" rtl="0" algn="r">
+            <a:pPr marL="0" lvl="0" indent="0" algn="r" rtl="0">
               <a:spcBef>
                 <a:spcPts val="0"/>
               </a:spcBef>
@@ -4925,11 +5035,11 @@
 </file>
 
 <file path=ppt/slideLayouts/slideLayout9.xml><?xml version="1.0" encoding="utf-8"?>
-<p:sldLayout xmlns:a="http://schemas.openxmlformats.org/drawingml/2006/main" xmlns:r="http://schemas.openxmlformats.org/officeDocument/2006/relationships" xmlns:mc="http://schemas.openxmlformats.org/markup-compatibility/2006" xmlns:mv="urn:schemas-microsoft-com:mac:vml" xmlns:p="http://schemas.openxmlformats.org/presentationml/2006/main" xmlns:c="http://schemas.openxmlformats.org/drawingml/2006/chart" xmlns:dgm="http://schemas.openxmlformats.org/drawingml/2006/diagram" xmlns:o="urn:schemas-microsoft-com:office:office" xmlns:v="urn:schemas-microsoft-com:vml" xmlns:pvml="urn:schemas-microsoft-com:office:powerpoint" xmlns:com="http://schemas.openxmlformats.org/drawingml/2006/compatibility" xmlns:p14="http://schemas.microsoft.com/office/powerpoint/2010/main" xmlns:p15="http://schemas.microsoft.com/office/powerpoint/2012/main" matchingName="Caption">
+<p:sldLayout xmlns:a="http://schemas.openxmlformats.org/drawingml/2006/main" xmlns:r="http://schemas.openxmlformats.org/officeDocument/2006/relationships" xmlns:p="http://schemas.openxmlformats.org/presentationml/2006/main" matchingName="Caption">
   <p:cSld name="CAPTION_ONLY">
     <p:spTree>
       <p:nvGrpSpPr>
-        <p:cNvPr id="46" name="Shape 46"/>
+        <p:cNvPr id="1" name="Shape 46"/>
         <p:cNvGrpSpPr/>
         <p:nvPr/>
       </p:nvGrpSpPr>
@@ -4944,9 +5054,11 @@
       <p:sp>
         <p:nvSpPr>
           <p:cNvPr id="47" name="Google Shape;47;p10"/>
-          <p:cNvSpPr txBox="1"/>
+          <p:cNvSpPr txBox="1">
+            <a:spLocks noGrp="1"/>
+          </p:cNvSpPr>
           <p:nvPr>
-            <p:ph idx="1" type="body"/>
+            <p:ph type="body" idx="1"/>
           </p:nvPr>
         </p:nvSpPr>
         <p:spPr>
@@ -4959,9 +5071,9 @@
           </a:prstGeom>
         </p:spPr>
         <p:txBody>
-          <a:bodyPr anchorCtr="0" anchor="ctr" bIns="91425" lIns="91425" spcFirstLastPara="1" rIns="91425" wrap="square" tIns="91425"/>
+          <a:bodyPr spcFirstLastPara="1" wrap="square" lIns="91425" tIns="91425" rIns="91425" bIns="91425" anchor="ctr" anchorCtr="0"/>
           <a:lstStyle>
-            <a:lvl1pPr indent="-228600" lvl="0" marL="457200">
+            <a:lvl1pPr marL="457200" lvl="0" indent="-228600">
               <a:lnSpc>
                 <a:spcPct val="100000"/>
               </a:lnSpc>
@@ -4976,15 +5088,19 @@
               <a:defRPr/>
             </a:lvl1pPr>
           </a:lstStyle>
-          <a:p/>
+          <a:p>
+            <a:endParaRPr/>
+          </a:p>
         </p:txBody>
       </p:sp>
       <p:sp>
         <p:nvSpPr>
           <p:cNvPr id="48" name="Google Shape;48;p10"/>
-          <p:cNvSpPr txBox="1"/>
+          <p:cNvSpPr txBox="1">
+            <a:spLocks noGrp="1"/>
+          </p:cNvSpPr>
           <p:nvPr>
-            <p:ph idx="12" type="sldNum"/>
+            <p:ph type="sldNum" idx="12"/>
           </p:nvPr>
         </p:nvSpPr>
         <p:spPr>
@@ -4997,7 +5113,7 @@
           </a:prstGeom>
         </p:spPr>
         <p:txBody>
-          <a:bodyPr anchorCtr="0" anchor="ctr" bIns="91425" lIns="91425" spcFirstLastPara="1" rIns="91425" wrap="square" tIns="91425">
+          <a:bodyPr spcFirstLastPara="1" wrap="square" lIns="91425" tIns="91425" rIns="91425" bIns="91425" anchor="ctr" anchorCtr="0">
             <a:noAutofit/>
           </a:bodyPr>
           <a:lstStyle>
@@ -5039,7 +5155,7 @@
             </a:lvl9pPr>
           </a:lstStyle>
           <a:p>
-            <a:pPr indent="0" lvl="0" marL="0" rtl="0" algn="r">
+            <a:pPr marL="0" lvl="0" indent="0" algn="r" rtl="0">
               <a:spcBef>
                 <a:spcPts val="0"/>
               </a:spcBef>
@@ -5065,18 +5181,19 @@
 </file>
 
 <file path=ppt/slideMasters/slideMaster1.xml><?xml version="1.0" encoding="utf-8"?>
-<p:sldMaster xmlns:a="http://schemas.openxmlformats.org/drawingml/2006/main" xmlns:r="http://schemas.openxmlformats.org/officeDocument/2006/relationships" xmlns:mc="http://schemas.openxmlformats.org/markup-compatibility/2006" xmlns:mv="urn:schemas-microsoft-com:mac:vml" xmlns:p="http://schemas.openxmlformats.org/presentationml/2006/main" xmlns:c="http://schemas.openxmlformats.org/drawingml/2006/chart" xmlns:dgm="http://schemas.openxmlformats.org/drawingml/2006/diagram" xmlns:o="urn:schemas-microsoft-com:office:office" xmlns:v="urn:schemas-microsoft-com:vml" xmlns:pvml="urn:schemas-microsoft-com:office:powerpoint" xmlns:com="http://schemas.openxmlformats.org/drawingml/2006/compatibility" xmlns:p14="http://schemas.microsoft.com/office/powerpoint/2010/main" xmlns:p15="http://schemas.microsoft.com/office/powerpoint/2012/main">
+<p:sldMaster xmlns:a="http://schemas.openxmlformats.org/drawingml/2006/main" xmlns:r="http://schemas.openxmlformats.org/officeDocument/2006/relationships" xmlns:p="http://schemas.openxmlformats.org/presentationml/2006/main">
   <p:cSld name="paperback">
     <p:bg>
       <p:bgPr>
         <a:solidFill>
           <a:schemeClr val="accent1"/>
         </a:solidFill>
+        <a:effectLst/>
       </p:bgPr>
     </p:bg>
     <p:spTree>
       <p:nvGrpSpPr>
-        <p:cNvPr id="5" name="Shape 5"/>
+        <p:cNvPr id="1" name="Shape 5"/>
         <p:cNvGrpSpPr/>
         <p:nvPr/>
       </p:nvGrpSpPr>
@@ -5091,7 +5208,9 @@
       <p:sp>
         <p:nvSpPr>
           <p:cNvPr id="6" name="Google Shape;6;p1"/>
-          <p:cNvSpPr txBox="1"/>
+          <p:cNvSpPr txBox="1">
+            <a:spLocks noGrp="1"/>
+          </p:cNvSpPr>
           <p:nvPr>
             <p:ph type="title"/>
           </p:nvPr>
@@ -5110,7 +5229,7 @@
           </a:ln>
         </p:spPr>
         <p:txBody>
-          <a:bodyPr anchorCtr="0" anchor="t" bIns="91425" lIns="91425" spcFirstLastPara="1" rIns="91425" wrap="square" tIns="91425"/>
+          <a:bodyPr spcFirstLastPara="1" wrap="square" lIns="91425" tIns="91425" rIns="91425" bIns="91425" anchor="t" anchorCtr="0"/>
           <a:lstStyle>
             <a:lvl1pPr lvl="0">
               <a:spcBef>
@@ -5320,15 +5439,19 @@
               </a:defRPr>
             </a:lvl9pPr>
           </a:lstStyle>
-          <a:p/>
+          <a:p>
+            <a:endParaRPr/>
+          </a:p>
         </p:txBody>
       </p:sp>
       <p:sp>
         <p:nvSpPr>
           <p:cNvPr id="7" name="Google Shape;7;p1"/>
-          <p:cNvSpPr txBox="1"/>
+          <p:cNvSpPr txBox="1">
+            <a:spLocks noGrp="1"/>
+          </p:cNvSpPr>
           <p:nvPr>
-            <p:ph idx="1" type="body"/>
+            <p:ph type="body" idx="1"/>
           </p:nvPr>
         </p:nvSpPr>
         <p:spPr>
@@ -5345,9 +5468,9 @@
           </a:ln>
         </p:spPr>
         <p:txBody>
-          <a:bodyPr anchorCtr="0" anchor="t" bIns="91425" lIns="91425" spcFirstLastPara="1" rIns="91425" wrap="square" tIns="91425"/>
+          <a:bodyPr spcFirstLastPara="1" wrap="square" lIns="91425" tIns="91425" rIns="91425" bIns="91425" anchor="t" anchorCtr="0"/>
           <a:lstStyle>
-            <a:lvl1pPr indent="-342900" lvl="0" marL="457200">
+            <a:lvl1pPr marL="457200" lvl="0" indent="-342900">
               <a:lnSpc>
                 <a:spcPct val="115000"/>
               </a:lnSpc>
@@ -5373,7 +5496,7 @@
                 <a:sym typeface="Old Standard TT"/>
               </a:defRPr>
             </a:lvl1pPr>
-            <a:lvl2pPr indent="-317500" lvl="1" marL="914400">
+            <a:lvl2pPr marL="914400" lvl="1" indent="-317500">
               <a:lnSpc>
                 <a:spcPct val="115000"/>
               </a:lnSpc>
@@ -5399,7 +5522,7 @@
                 <a:sym typeface="Old Standard TT"/>
               </a:defRPr>
             </a:lvl2pPr>
-            <a:lvl3pPr indent="-317500" lvl="2" marL="1371600">
+            <a:lvl3pPr marL="1371600" lvl="2" indent="-317500">
               <a:lnSpc>
                 <a:spcPct val="115000"/>
               </a:lnSpc>
@@ -5425,7 +5548,7 @@
                 <a:sym typeface="Old Standard TT"/>
               </a:defRPr>
             </a:lvl3pPr>
-            <a:lvl4pPr indent="-317500" lvl="3" marL="1828800">
+            <a:lvl4pPr marL="1828800" lvl="3" indent="-317500">
               <a:lnSpc>
                 <a:spcPct val="115000"/>
               </a:lnSpc>
@@ -5451,7 +5574,7 @@
                 <a:sym typeface="Old Standard TT"/>
               </a:defRPr>
             </a:lvl4pPr>
-            <a:lvl5pPr indent="-317500" lvl="4" marL="2286000">
+            <a:lvl5pPr marL="2286000" lvl="4" indent="-317500">
               <a:lnSpc>
                 <a:spcPct val="115000"/>
               </a:lnSpc>
@@ -5477,7 +5600,7 @@
                 <a:sym typeface="Old Standard TT"/>
               </a:defRPr>
             </a:lvl5pPr>
-            <a:lvl6pPr indent="-317500" lvl="5" marL="2743200">
+            <a:lvl6pPr marL="2743200" lvl="5" indent="-317500">
               <a:lnSpc>
                 <a:spcPct val="115000"/>
               </a:lnSpc>
@@ -5503,7 +5626,7 @@
                 <a:sym typeface="Old Standard TT"/>
               </a:defRPr>
             </a:lvl6pPr>
-            <a:lvl7pPr indent="-317500" lvl="6" marL="3200400">
+            <a:lvl7pPr marL="3200400" lvl="6" indent="-317500">
               <a:lnSpc>
                 <a:spcPct val="115000"/>
               </a:lnSpc>
@@ -5529,7 +5652,7 @@
                 <a:sym typeface="Old Standard TT"/>
               </a:defRPr>
             </a:lvl7pPr>
-            <a:lvl8pPr indent="-317500" lvl="7" marL="3657600">
+            <a:lvl8pPr marL="3657600" lvl="7" indent="-317500">
               <a:lnSpc>
                 <a:spcPct val="115000"/>
               </a:lnSpc>
@@ -5555,7 +5678,7 @@
                 <a:sym typeface="Old Standard TT"/>
               </a:defRPr>
             </a:lvl8pPr>
-            <a:lvl9pPr indent="-317500" lvl="8" marL="4114800">
+            <a:lvl9pPr marL="4114800" lvl="8" indent="-317500">
               <a:lnSpc>
                 <a:spcPct val="115000"/>
               </a:lnSpc>
@@ -5582,15 +5705,19 @@
               </a:defRPr>
             </a:lvl9pPr>
           </a:lstStyle>
-          <a:p/>
+          <a:p>
+            <a:endParaRPr/>
+          </a:p>
         </p:txBody>
       </p:sp>
       <p:sp>
         <p:nvSpPr>
           <p:cNvPr id="8" name="Google Shape;8;p1"/>
-          <p:cNvSpPr txBox="1"/>
+          <p:cNvSpPr txBox="1">
+            <a:spLocks noGrp="1"/>
+          </p:cNvSpPr>
           <p:nvPr>
-            <p:ph idx="12" type="sldNum"/>
+            <p:ph type="sldNum" idx="12"/>
           </p:nvPr>
         </p:nvSpPr>
         <p:spPr>
@@ -5607,7 +5734,7 @@
           </a:ln>
         </p:spPr>
         <p:txBody>
-          <a:bodyPr anchorCtr="0" anchor="ctr" bIns="91425" lIns="91425" spcFirstLastPara="1" rIns="91425" wrap="square" tIns="91425">
+          <a:bodyPr spcFirstLastPara="1" wrap="square" lIns="91425" tIns="91425" rIns="91425" bIns="91425" anchor="ctr" anchorCtr="0">
             <a:noAutofit/>
           </a:bodyPr>
           <a:lstStyle>
@@ -5721,7 +5848,7 @@
             </a:lvl9pPr>
           </a:lstStyle>
           <a:p>
-            <a:pPr indent="0" lvl="0" marL="0" rtl="0" algn="r">
+            <a:pPr marL="0" lvl="0" indent="0" algn="r" rtl="0">
               <a:spcBef>
                 <a:spcPts val="0"/>
               </a:spcBef>
@@ -5740,7 +5867,7 @@
       </p:sp>
     </p:spTree>
   </p:cSld>
-  <p:clrMap accent1="accent1" accent2="accent2" accent3="accent3" accent4="accent4" accent5="accent5" accent6="accent6" bg1="lt1" bg2="dk2" tx1="dk1" tx2="lt2" folHlink="folHlink" hlink="hlink"/>
+  <p:clrMap bg1="lt1" tx1="dk1" bg2="dk2" tx2="lt2" accent1="accent1" accent2="accent2" accent3="accent3" accent4="accent4" accent5="accent5" accent6="accent6" hlink="hlink" folHlink="folHlink"/>
   <p:sldLayoutIdLst>
     <p:sldLayoutId id="2147483648" r:id="rId1"/>
     <p:sldLayoutId id="2147483649" r:id="rId2"/>
@@ -5754,10 +5881,10 @@
     <p:sldLayoutId id="2147483657" r:id="rId10"/>
     <p:sldLayoutId id="2147483658" r:id="rId11"/>
   </p:sldLayoutIdLst>
-  <p:hf dt="0" ftr="0" hdr="0" sldNum="0"/>
+  <p:hf sldNum="0" hdr="0" ftr="0" dt="0"/>
   <p:txStyles>
     <p:titleStyle>
-      <a:defPPr lvl="0" marR="0" rtl="0" algn="l">
+      <a:defPPr marR="0" lvl="0" algn="l" rtl="0">
         <a:lnSpc>
           <a:spcPct val="100000"/>
         </a:lnSpc>
@@ -5768,7 +5895,7 @@
           <a:spcPts val="0"/>
         </a:spcAft>
       </a:defPPr>
-      <a:lvl1pPr lvl="0" marR="0" rtl="0" algn="l">
+      <a:lvl1pPr marR="0" lvl="0" algn="l" rtl="0">
         <a:lnSpc>
           <a:spcPct val="100000"/>
         </a:lnSpc>
@@ -5782,7 +5909,7 @@
           <a:srgbClr val="000000"/>
         </a:buClr>
         <a:buFont typeface="Arial"/>
-        <a:defRPr b="0" i="0" sz="1400" u="none" cap="none" strike="noStrike">
+        <a:defRPr sz="1400" b="0" i="0" u="none" strike="noStrike" cap="none">
           <a:solidFill>
             <a:srgbClr val="000000"/>
           </a:solidFill>
@@ -5792,7 +5919,7 @@
           <a:sym typeface="Arial"/>
         </a:defRPr>
       </a:lvl1pPr>
-      <a:lvl2pPr lvl="1" marR="0" rtl="0" algn="l">
+      <a:lvl2pPr marR="0" lvl="1" algn="l" rtl="0">
         <a:lnSpc>
           <a:spcPct val="100000"/>
         </a:lnSpc>
@@ -5806,7 +5933,7 @@
           <a:srgbClr val="000000"/>
         </a:buClr>
         <a:buFont typeface="Arial"/>
-        <a:defRPr b="0" i="0" sz="1400" u="none" cap="none" strike="noStrike">
+        <a:defRPr sz="1400" b="0" i="0" u="none" strike="noStrike" cap="none">
           <a:solidFill>
             <a:srgbClr val="000000"/>
           </a:solidFill>
@@ -5816,7 +5943,7 @@
           <a:sym typeface="Arial"/>
         </a:defRPr>
       </a:lvl2pPr>
-      <a:lvl3pPr lvl="2" marR="0" rtl="0" algn="l">
+      <a:lvl3pPr marR="0" lvl="2" algn="l" rtl="0">
         <a:lnSpc>
           <a:spcPct val="100000"/>
         </a:lnSpc>
@@ -5830,7 +5957,7 @@
           <a:srgbClr val="000000"/>
         </a:buClr>
         <a:buFont typeface="Arial"/>
-        <a:defRPr b="0" i="0" sz="1400" u="none" cap="none" strike="noStrike">
+        <a:defRPr sz="1400" b="0" i="0" u="none" strike="noStrike" cap="none">
           <a:solidFill>
             <a:srgbClr val="000000"/>
           </a:solidFill>
@@ -5840,7 +5967,7 @@
           <a:sym typeface="Arial"/>
         </a:defRPr>
       </a:lvl3pPr>
-      <a:lvl4pPr lvl="3" marR="0" rtl="0" algn="l">
+      <a:lvl4pPr marR="0" lvl="3" algn="l" rtl="0">
         <a:lnSpc>
           <a:spcPct val="100000"/>
         </a:lnSpc>
@@ -5854,7 +5981,7 @@
           <a:srgbClr val="000000"/>
         </a:buClr>
         <a:buFont typeface="Arial"/>
-        <a:defRPr b="0" i="0" sz="1400" u="none" cap="none" strike="noStrike">
+        <a:defRPr sz="1400" b="0" i="0" u="none" strike="noStrike" cap="none">
           <a:solidFill>
             <a:srgbClr val="000000"/>
           </a:solidFill>
@@ -5864,7 +5991,7 @@
           <a:sym typeface="Arial"/>
         </a:defRPr>
       </a:lvl4pPr>
-      <a:lvl5pPr lvl="4" marR="0" rtl="0" algn="l">
+      <a:lvl5pPr marR="0" lvl="4" algn="l" rtl="0">
         <a:lnSpc>
           <a:spcPct val="100000"/>
         </a:lnSpc>
@@ -5878,7 +6005,7 @@
           <a:srgbClr val="000000"/>
         </a:buClr>
         <a:buFont typeface="Arial"/>
-        <a:defRPr b="0" i="0" sz="1400" u="none" cap="none" strike="noStrike">
+        <a:defRPr sz="1400" b="0" i="0" u="none" strike="noStrike" cap="none">
           <a:solidFill>
             <a:srgbClr val="000000"/>
           </a:solidFill>
@@ -5888,7 +6015,7 @@
           <a:sym typeface="Arial"/>
         </a:defRPr>
       </a:lvl5pPr>
-      <a:lvl6pPr lvl="5" marR="0" rtl="0" algn="l">
+      <a:lvl6pPr marR="0" lvl="5" algn="l" rtl="0">
         <a:lnSpc>
           <a:spcPct val="100000"/>
         </a:lnSpc>
@@ -5902,7 +6029,7 @@
           <a:srgbClr val="000000"/>
         </a:buClr>
         <a:buFont typeface="Arial"/>
-        <a:defRPr b="0" i="0" sz="1400" u="none" cap="none" strike="noStrike">
+        <a:defRPr sz="1400" b="0" i="0" u="none" strike="noStrike" cap="none">
           <a:solidFill>
             <a:srgbClr val="000000"/>
           </a:solidFill>
@@ -5912,7 +6039,7 @@
           <a:sym typeface="Arial"/>
         </a:defRPr>
       </a:lvl6pPr>
-      <a:lvl7pPr lvl="6" marR="0" rtl="0" algn="l">
+      <a:lvl7pPr marR="0" lvl="6" algn="l" rtl="0">
         <a:lnSpc>
           <a:spcPct val="100000"/>
         </a:lnSpc>
@@ -5926,7 +6053,7 @@
           <a:srgbClr val="000000"/>
         </a:buClr>
         <a:buFont typeface="Arial"/>
-        <a:defRPr b="0" i="0" sz="1400" u="none" cap="none" strike="noStrike">
+        <a:defRPr sz="1400" b="0" i="0" u="none" strike="noStrike" cap="none">
           <a:solidFill>
             <a:srgbClr val="000000"/>
           </a:solidFill>
@@ -5936,7 +6063,7 @@
           <a:sym typeface="Arial"/>
         </a:defRPr>
       </a:lvl7pPr>
-      <a:lvl8pPr lvl="7" marR="0" rtl="0" algn="l">
+      <a:lvl8pPr marR="0" lvl="7" algn="l" rtl="0">
         <a:lnSpc>
           <a:spcPct val="100000"/>
         </a:lnSpc>
@@ -5950,7 +6077,7 @@
           <a:srgbClr val="000000"/>
         </a:buClr>
         <a:buFont typeface="Arial"/>
-        <a:defRPr b="0" i="0" sz="1400" u="none" cap="none" strike="noStrike">
+        <a:defRPr sz="1400" b="0" i="0" u="none" strike="noStrike" cap="none">
           <a:solidFill>
             <a:srgbClr val="000000"/>
           </a:solidFill>
@@ -5960,7 +6087,7 @@
           <a:sym typeface="Arial"/>
         </a:defRPr>
       </a:lvl8pPr>
-      <a:lvl9pPr lvl="8" marR="0" rtl="0" algn="l">
+      <a:lvl9pPr marR="0" lvl="8" algn="l" rtl="0">
         <a:lnSpc>
           <a:spcPct val="100000"/>
         </a:lnSpc>
@@ -5974,7 +6101,7 @@
           <a:srgbClr val="000000"/>
         </a:buClr>
         <a:buFont typeface="Arial"/>
-        <a:defRPr b="0" i="0" sz="1400" u="none" cap="none" strike="noStrike">
+        <a:defRPr sz="1400" b="0" i="0" u="none" strike="noStrike" cap="none">
           <a:solidFill>
             <a:srgbClr val="000000"/>
           </a:solidFill>
@@ -5986,7 +6113,7 @@
       </a:lvl9pPr>
     </p:titleStyle>
     <p:bodyStyle>
-      <a:defPPr lvl="0" marR="0" rtl="0" algn="l">
+      <a:defPPr marR="0" lvl="0" algn="l" rtl="0">
         <a:lnSpc>
           <a:spcPct val="100000"/>
         </a:lnSpc>
@@ -5997,7 +6124,7 @@
           <a:spcPts val="0"/>
         </a:spcAft>
       </a:defPPr>
-      <a:lvl1pPr lvl="0" marR="0" rtl="0" algn="l">
+      <a:lvl1pPr marR="0" lvl="0" algn="l" rtl="0">
         <a:lnSpc>
           <a:spcPct val="100000"/>
         </a:lnSpc>
@@ -6011,7 +6138,7 @@
           <a:srgbClr val="000000"/>
         </a:buClr>
         <a:buFont typeface="Arial"/>
-        <a:defRPr b="0" i="0" sz="1400" u="none" cap="none" strike="noStrike">
+        <a:defRPr sz="1400" b="0" i="0" u="none" strike="noStrike" cap="none">
           <a:solidFill>
             <a:srgbClr val="000000"/>
           </a:solidFill>
@@ -6021,7 +6148,7 @@
           <a:sym typeface="Arial"/>
         </a:defRPr>
       </a:lvl1pPr>
-      <a:lvl2pPr lvl="1" marR="0" rtl="0" algn="l">
+      <a:lvl2pPr marR="0" lvl="1" algn="l" rtl="0">
         <a:lnSpc>
           <a:spcPct val="100000"/>
         </a:lnSpc>
@@ -6035,7 +6162,7 @@
           <a:srgbClr val="000000"/>
         </a:buClr>
         <a:buFont typeface="Arial"/>
-        <a:defRPr b="0" i="0" sz="1400" u="none" cap="none" strike="noStrike">
+        <a:defRPr sz="1400" b="0" i="0" u="none" strike="noStrike" cap="none">
           <a:solidFill>
             <a:srgbClr val="000000"/>
           </a:solidFill>
@@ -6045,7 +6172,7 @@
           <a:sym typeface="Arial"/>
         </a:defRPr>
       </a:lvl2pPr>
-      <a:lvl3pPr lvl="2" marR="0" rtl="0" algn="l">
+      <a:lvl3pPr marR="0" lvl="2" algn="l" rtl="0">
         <a:lnSpc>
           <a:spcPct val="100000"/>
         </a:lnSpc>
@@ -6059,7 +6186,7 @@
           <a:srgbClr val="000000"/>
         </a:buClr>
         <a:buFont typeface="Arial"/>
-        <a:defRPr b="0" i="0" sz="1400" u="none" cap="none" strike="noStrike">
+        <a:defRPr sz="1400" b="0" i="0" u="none" strike="noStrike" cap="none">
           <a:solidFill>
             <a:srgbClr val="000000"/>
           </a:solidFill>
@@ -6069,7 +6196,7 @@
           <a:sym typeface="Arial"/>
         </a:defRPr>
       </a:lvl3pPr>
-      <a:lvl4pPr lvl="3" marR="0" rtl="0" algn="l">
+      <a:lvl4pPr marR="0" lvl="3" algn="l" rtl="0">
         <a:lnSpc>
           <a:spcPct val="100000"/>
         </a:lnSpc>
@@ -6083,7 +6210,7 @@
           <a:srgbClr val="000000"/>
         </a:buClr>
         <a:buFont typeface="Arial"/>
-        <a:defRPr b="0" i="0" sz="1400" u="none" cap="none" strike="noStrike">
+        <a:defRPr sz="1400" b="0" i="0" u="none" strike="noStrike" cap="none">
           <a:solidFill>
             <a:srgbClr val="000000"/>
           </a:solidFill>
@@ -6093,7 +6220,7 @@
           <a:sym typeface="Arial"/>
         </a:defRPr>
       </a:lvl4pPr>
-      <a:lvl5pPr lvl="4" marR="0" rtl="0" algn="l">
+      <a:lvl5pPr marR="0" lvl="4" algn="l" rtl="0">
         <a:lnSpc>
           <a:spcPct val="100000"/>
         </a:lnSpc>
@@ -6107,7 +6234,7 @@
           <a:srgbClr val="000000"/>
         </a:buClr>
         <a:buFont typeface="Arial"/>
-        <a:defRPr b="0" i="0" sz="1400" u="none" cap="none" strike="noStrike">
+        <a:defRPr sz="1400" b="0" i="0" u="none" strike="noStrike" cap="none">
           <a:solidFill>
             <a:srgbClr val="000000"/>
           </a:solidFill>
@@ -6117,7 +6244,7 @@
           <a:sym typeface="Arial"/>
         </a:defRPr>
       </a:lvl5pPr>
-      <a:lvl6pPr lvl="5" marR="0" rtl="0" algn="l">
+      <a:lvl6pPr marR="0" lvl="5" algn="l" rtl="0">
         <a:lnSpc>
           <a:spcPct val="100000"/>
         </a:lnSpc>
@@ -6131,7 +6258,7 @@
           <a:srgbClr val="000000"/>
         </a:buClr>
         <a:buFont typeface="Arial"/>
-        <a:defRPr b="0" i="0" sz="1400" u="none" cap="none" strike="noStrike">
+        <a:defRPr sz="1400" b="0" i="0" u="none" strike="noStrike" cap="none">
           <a:solidFill>
             <a:srgbClr val="000000"/>
           </a:solidFill>
@@ -6141,7 +6268,7 @@
           <a:sym typeface="Arial"/>
         </a:defRPr>
       </a:lvl6pPr>
-      <a:lvl7pPr lvl="6" marR="0" rtl="0" algn="l">
+      <a:lvl7pPr marR="0" lvl="6" algn="l" rtl="0">
         <a:lnSpc>
           <a:spcPct val="100000"/>
         </a:lnSpc>
@@ -6155,7 +6282,7 @@
           <a:srgbClr val="000000"/>
         </a:buClr>
         <a:buFont typeface="Arial"/>
-        <a:defRPr b="0" i="0" sz="1400" u="none" cap="none" strike="noStrike">
+        <a:defRPr sz="1400" b="0" i="0" u="none" strike="noStrike" cap="none">
           <a:solidFill>
             <a:srgbClr val="000000"/>
           </a:solidFill>
@@ -6165,7 +6292,7 @@
           <a:sym typeface="Arial"/>
         </a:defRPr>
       </a:lvl7pPr>
-      <a:lvl8pPr lvl="7" marR="0" rtl="0" algn="l">
+      <a:lvl8pPr marR="0" lvl="7" algn="l" rtl="0">
         <a:lnSpc>
           <a:spcPct val="100000"/>
         </a:lnSpc>
@@ -6179,7 +6306,7 @@
           <a:srgbClr val="000000"/>
         </a:buClr>
         <a:buFont typeface="Arial"/>
-        <a:defRPr b="0" i="0" sz="1400" u="none" cap="none" strike="noStrike">
+        <a:defRPr sz="1400" b="0" i="0" u="none" strike="noStrike" cap="none">
           <a:solidFill>
             <a:srgbClr val="000000"/>
           </a:solidFill>
@@ -6189,7 +6316,7 @@
           <a:sym typeface="Arial"/>
         </a:defRPr>
       </a:lvl8pPr>
-      <a:lvl9pPr lvl="8" marR="0" rtl="0" algn="l">
+      <a:lvl9pPr marR="0" lvl="8" algn="l" rtl="0">
         <a:lnSpc>
           <a:spcPct val="100000"/>
         </a:lnSpc>
@@ -6203,7 +6330,7 @@
           <a:srgbClr val="000000"/>
         </a:buClr>
         <a:buFont typeface="Arial"/>
-        <a:defRPr b="0" i="0" sz="1400" u="none" cap="none" strike="noStrike">
+        <a:defRPr sz="1400" b="0" i="0" u="none" strike="noStrike" cap="none">
           <a:solidFill>
             <a:srgbClr val="000000"/>
           </a:solidFill>
@@ -6215,7 +6342,7 @@
       </a:lvl9pPr>
     </p:bodyStyle>
     <p:otherStyle>
-      <a:defPPr lvl="0" marR="0" rtl="0" algn="l">
+      <a:defPPr marR="0" lvl="0" algn="l" rtl="0">
         <a:lnSpc>
           <a:spcPct val="100000"/>
         </a:lnSpc>
@@ -6226,7 +6353,7 @@
           <a:spcPts val="0"/>
         </a:spcAft>
       </a:defPPr>
-      <a:lvl1pPr lvl="0" marR="0" rtl="0" algn="l">
+      <a:lvl1pPr marR="0" lvl="0" algn="l" rtl="0">
         <a:lnSpc>
           <a:spcPct val="100000"/>
         </a:lnSpc>
@@ -6240,7 +6367,7 @@
           <a:srgbClr val="000000"/>
         </a:buClr>
         <a:buFont typeface="Arial"/>
-        <a:defRPr b="0" i="0" sz="1400" u="none" cap="none" strike="noStrike">
+        <a:defRPr sz="1400" b="0" i="0" u="none" strike="noStrike" cap="none">
           <a:solidFill>
             <a:srgbClr val="000000"/>
           </a:solidFill>
@@ -6250,7 +6377,7 @@
           <a:sym typeface="Arial"/>
         </a:defRPr>
       </a:lvl1pPr>
-      <a:lvl2pPr lvl="1" marR="0" rtl="0" algn="l">
+      <a:lvl2pPr marR="0" lvl="1" algn="l" rtl="0">
         <a:lnSpc>
           <a:spcPct val="100000"/>
         </a:lnSpc>
@@ -6264,7 +6391,7 @@
           <a:srgbClr val="000000"/>
         </a:buClr>
         <a:buFont typeface="Arial"/>
-        <a:defRPr b="0" i="0" sz="1400" u="none" cap="none" strike="noStrike">
+        <a:defRPr sz="1400" b="0" i="0" u="none" strike="noStrike" cap="none">
           <a:solidFill>
             <a:srgbClr val="000000"/>
           </a:solidFill>
@@ -6274,7 +6401,7 @@
           <a:sym typeface="Arial"/>
         </a:defRPr>
       </a:lvl2pPr>
-      <a:lvl3pPr lvl="2" marR="0" rtl="0" algn="l">
+      <a:lvl3pPr marR="0" lvl="2" algn="l" rtl="0">
         <a:lnSpc>
           <a:spcPct val="100000"/>
         </a:lnSpc>
@@ -6288,7 +6415,7 @@
           <a:srgbClr val="000000"/>
         </a:buClr>
         <a:buFont typeface="Arial"/>
-        <a:defRPr b="0" i="0" sz="1400" u="none" cap="none" strike="noStrike">
+        <a:defRPr sz="1400" b="0" i="0" u="none" strike="noStrike" cap="none">
           <a:solidFill>
             <a:srgbClr val="000000"/>
           </a:solidFill>
@@ -6298,7 +6425,7 @@
           <a:sym typeface="Arial"/>
         </a:defRPr>
       </a:lvl3pPr>
-      <a:lvl4pPr lvl="3" marR="0" rtl="0" algn="l">
+      <a:lvl4pPr marR="0" lvl="3" algn="l" rtl="0">
         <a:lnSpc>
           <a:spcPct val="100000"/>
         </a:lnSpc>
@@ -6312,7 +6439,7 @@
           <a:srgbClr val="000000"/>
         </a:buClr>
         <a:buFont typeface="Arial"/>
-        <a:defRPr b="0" i="0" sz="1400" u="none" cap="none" strike="noStrike">
+        <a:defRPr sz="1400" b="0" i="0" u="none" strike="noStrike" cap="none">
           <a:solidFill>
             <a:srgbClr val="000000"/>
           </a:solidFill>
@@ -6322,7 +6449,7 @@
           <a:sym typeface="Arial"/>
         </a:defRPr>
       </a:lvl4pPr>
-      <a:lvl5pPr lvl="4" marR="0" rtl="0" algn="l">
+      <a:lvl5pPr marR="0" lvl="4" algn="l" rtl="0">
         <a:lnSpc>
           <a:spcPct val="100000"/>
         </a:lnSpc>
@@ -6336,7 +6463,7 @@
           <a:srgbClr val="000000"/>
         </a:buClr>
         <a:buFont typeface="Arial"/>
-        <a:defRPr b="0" i="0" sz="1400" u="none" cap="none" strike="noStrike">
+        <a:defRPr sz="1400" b="0" i="0" u="none" strike="noStrike" cap="none">
           <a:solidFill>
             <a:srgbClr val="000000"/>
           </a:solidFill>
@@ -6346,7 +6473,7 @@
           <a:sym typeface="Arial"/>
         </a:defRPr>
       </a:lvl5pPr>
-      <a:lvl6pPr lvl="5" marR="0" rtl="0" algn="l">
+      <a:lvl6pPr marR="0" lvl="5" algn="l" rtl="0">
         <a:lnSpc>
           <a:spcPct val="100000"/>
         </a:lnSpc>
@@ -6360,7 +6487,7 @@
           <a:srgbClr val="000000"/>
         </a:buClr>
         <a:buFont typeface="Arial"/>
-        <a:defRPr b="0" i="0" sz="1400" u="none" cap="none" strike="noStrike">
+        <a:defRPr sz="1400" b="0" i="0" u="none" strike="noStrike" cap="none">
           <a:solidFill>
             <a:srgbClr val="000000"/>
           </a:solidFill>
@@ -6370,7 +6497,7 @@
           <a:sym typeface="Arial"/>
         </a:defRPr>
       </a:lvl6pPr>
-      <a:lvl7pPr lvl="6" marR="0" rtl="0" algn="l">
+      <a:lvl7pPr marR="0" lvl="6" algn="l" rtl="0">
         <a:lnSpc>
           <a:spcPct val="100000"/>
         </a:lnSpc>
@@ -6384,7 +6511,7 @@
           <a:srgbClr val="000000"/>
         </a:buClr>
         <a:buFont typeface="Arial"/>
-        <a:defRPr b="0" i="0" sz="1400" u="none" cap="none" strike="noStrike">
+        <a:defRPr sz="1400" b="0" i="0" u="none" strike="noStrike" cap="none">
           <a:solidFill>
             <a:srgbClr val="000000"/>
           </a:solidFill>
@@ -6394,7 +6521,7 @@
           <a:sym typeface="Arial"/>
         </a:defRPr>
       </a:lvl7pPr>
-      <a:lvl8pPr lvl="7" marR="0" rtl="0" algn="l">
+      <a:lvl8pPr marR="0" lvl="7" algn="l" rtl="0">
         <a:lnSpc>
           <a:spcPct val="100000"/>
         </a:lnSpc>
@@ -6408,7 +6535,7 @@
           <a:srgbClr val="000000"/>
         </a:buClr>
         <a:buFont typeface="Arial"/>
-        <a:defRPr b="0" i="0" sz="1400" u="none" cap="none" strike="noStrike">
+        <a:defRPr sz="1400" b="0" i="0" u="none" strike="noStrike" cap="none">
           <a:solidFill>
             <a:srgbClr val="000000"/>
           </a:solidFill>
@@ -6418,7 +6545,7 @@
           <a:sym typeface="Arial"/>
         </a:defRPr>
       </a:lvl8pPr>
-      <a:lvl9pPr lvl="8" marR="0" rtl="0" algn="l">
+      <a:lvl9pPr marR="0" lvl="8" algn="l" rtl="0">
         <a:lnSpc>
           <a:spcPct val="100000"/>
         </a:lnSpc>
@@ -6432,7 +6559,7 @@
           <a:srgbClr val="000000"/>
         </a:buClr>
         <a:buFont typeface="Arial"/>
-        <a:defRPr b="0" i="0" sz="1400" u="none" cap="none" strike="noStrike">
+        <a:defRPr sz="1400" b="0" i="0" u="none" strike="noStrike" cap="none">
           <a:solidFill>
             <a:srgbClr val="000000"/>
           </a:solidFill>
@@ -6448,11 +6575,11 @@
 </file>
 
 <file path=ppt/slides/slide1.xml><?xml version="1.0" encoding="utf-8"?>
-<p:sld xmlns:a="http://schemas.openxmlformats.org/drawingml/2006/main" xmlns:r="http://schemas.openxmlformats.org/officeDocument/2006/relationships" xmlns:mc="http://schemas.openxmlformats.org/markup-compatibility/2006" xmlns:mv="urn:schemas-microsoft-com:mac:vml" xmlns:p="http://schemas.openxmlformats.org/presentationml/2006/main" xmlns:c="http://schemas.openxmlformats.org/drawingml/2006/chart" xmlns:dgm="http://schemas.openxmlformats.org/drawingml/2006/diagram" xmlns:o="urn:schemas-microsoft-com:office:office" xmlns:v="urn:schemas-microsoft-com:vml" xmlns:pvml="urn:schemas-microsoft-com:office:powerpoint" xmlns:com="http://schemas.openxmlformats.org/drawingml/2006/compatibility" xmlns:p14="http://schemas.microsoft.com/office/powerpoint/2010/main" xmlns:p15="http://schemas.microsoft.com/office/powerpoint/2012/main">
+<p:sld xmlns:a="http://schemas.openxmlformats.org/drawingml/2006/main" xmlns:r="http://schemas.openxmlformats.org/officeDocument/2006/relationships" xmlns:p="http://schemas.openxmlformats.org/presentationml/2006/main">
   <p:cSld>
     <p:spTree>
       <p:nvGrpSpPr>
-        <p:cNvPr id="58" name="Shape 58"/>
+        <p:cNvPr id="1" name="Shape 58"/>
         <p:cNvGrpSpPr/>
         <p:nvPr/>
       </p:nvGrpSpPr>
@@ -6467,7 +6594,9 @@
       <p:sp>
         <p:nvSpPr>
           <p:cNvPr id="59" name="Google Shape;59;p13"/>
-          <p:cNvSpPr txBox="1"/>
+          <p:cNvSpPr txBox="1">
+            <a:spLocks noGrp="1"/>
+          </p:cNvSpPr>
           <p:nvPr>
             <p:ph type="ctrTitle"/>
           </p:nvPr>
@@ -6482,12 +6611,12 @@
           </a:prstGeom>
         </p:spPr>
         <p:txBody>
-          <a:bodyPr anchorCtr="0" anchor="b" bIns="91425" lIns="91425" spcFirstLastPara="1" rIns="91425" wrap="square" tIns="91425">
+          <a:bodyPr spcFirstLastPara="1" wrap="square" lIns="91425" tIns="91425" rIns="91425" bIns="91425" anchor="b" anchorCtr="0">
             <a:noAutofit/>
           </a:bodyPr>
           <a:lstStyle/>
           <a:p>
-            <a:pPr indent="0" lvl="0" marL="0" rtl="0" algn="just">
+            <a:pPr marL="0" lvl="0" indent="0" algn="just" rtl="0">
               <a:spcBef>
                 <a:spcPts val="0"/>
               </a:spcBef>
@@ -6497,7 +6626,7 @@
               <a:buNone/>
             </a:pPr>
             <a:r>
-              <a:rPr lang="en-GB">
+              <a:rPr lang="en-GB" dirty="0">
                 <a:latin typeface="Lato"/>
                 <a:ea typeface="Lato"/>
                 <a:cs typeface="Lato"/>
@@ -6506,7 +6635,7 @@
               <a:t>                 </a:t>
             </a:r>
             <a:r>
-              <a:rPr b="1" lang="en-GB" sz="3000">
+              <a:rPr lang="en-GB" sz="3000" b="1" dirty="0">
                 <a:solidFill>
                   <a:schemeClr val="accent1"/>
                 </a:solidFill>
@@ -6517,7 +6646,7 @@
               </a:rPr>
               <a:t>Seminar Web Engineering</a:t>
             </a:r>
-            <a:endParaRPr b="1" sz="3000">
+            <a:endParaRPr sz="3000" b="1" dirty="0">
               <a:solidFill>
                 <a:schemeClr val="accent1"/>
               </a:solidFill>
@@ -6528,17 +6657,9 @@
             </a:endParaRPr>
           </a:p>
           <a:p>
-            <a:pPr indent="0" lvl="0" marL="0" rtl="0" algn="just">
-              <a:spcBef>
-                <a:spcPts val="0"/>
-              </a:spcBef>
-              <a:spcAft>
-                <a:spcPts val="0"/>
-              </a:spcAft>
-              <a:buNone/>
-            </a:pPr>
+            <a:pPr lvl="0" algn="just"/>
             <a:r>
-              <a:rPr lang="en-GB" sz="2400">
+              <a:rPr lang="en-GB" sz="2400" dirty="0">
                 <a:latin typeface="Lato"/>
                 <a:ea typeface="Lato"/>
                 <a:cs typeface="Lato"/>
@@ -6547,7 +6668,7 @@
               <a:t>                                            </a:t>
             </a:r>
             <a:r>
-              <a:rPr lang="en-GB" sz="2400">
+              <a:rPr lang="en-GB" sz="2400" dirty="0">
                 <a:solidFill>
                   <a:schemeClr val="accent1"/>
                 </a:solidFill>
@@ -6559,18 +6680,42 @@
               <a:t>112- </a:t>
             </a:r>
             <a:r>
-              <a:rPr b="1" lang="en-GB" sz="2400">
-                <a:solidFill>
-                  <a:schemeClr val="accent1"/>
-                </a:solidFill>
+              <a:rPr lang="en-US" sz="2400" b="1" dirty="0" err="1">
                 <a:latin typeface="Lato"/>
                 <a:ea typeface="Lato"/>
                 <a:cs typeface="Lato"/>
                 <a:sym typeface="Lato"/>
               </a:rPr>
-              <a:t>Microservices</a:t>
+              <a:t>SoLiD</a:t>
             </a:r>
-            <a:endParaRPr b="1" sz="2400">
+            <a:r>
+              <a:rPr lang="en-US" sz="2400" b="1" dirty="0">
+                <a:latin typeface="Lato"/>
+                <a:ea typeface="Lato"/>
+                <a:cs typeface="Lato"/>
+                <a:sym typeface="Lato"/>
+              </a:rPr>
+              <a:t> for </a:t>
+            </a:r>
+            <a:r>
+              <a:rPr lang="en-US" sz="2400" b="1" dirty="0" err="1">
+                <a:latin typeface="Lato"/>
+                <a:ea typeface="Lato"/>
+                <a:cs typeface="Lato"/>
+                <a:sym typeface="Lato"/>
+              </a:rPr>
+              <a:t>WoT</a:t>
+            </a:r>
+            <a:r>
+              <a:rPr lang="en-US" sz="2400" b="1" dirty="0">
+                <a:latin typeface="Lato"/>
+                <a:ea typeface="Lato"/>
+                <a:cs typeface="Lato"/>
+                <a:sym typeface="Lato"/>
+              </a:rPr>
+              <a:t> Devices</a:t>
+            </a:r>
+            <a:endParaRPr sz="2400" b="1" dirty="0">
               <a:solidFill>
                 <a:schemeClr val="accent1"/>
               </a:solidFill>
@@ -6585,9 +6730,11 @@
       <p:sp>
         <p:nvSpPr>
           <p:cNvPr id="60" name="Google Shape;60;p13"/>
-          <p:cNvSpPr txBox="1"/>
+          <p:cNvSpPr txBox="1">
+            <a:spLocks noGrp="1"/>
+          </p:cNvSpPr>
           <p:nvPr>
-            <p:ph idx="1" type="subTitle"/>
+            <p:ph type="subTitle" idx="1"/>
           </p:nvPr>
         </p:nvSpPr>
         <p:spPr>
@@ -6600,12 +6747,12 @@
           </a:prstGeom>
         </p:spPr>
         <p:txBody>
-          <a:bodyPr anchorCtr="0" anchor="t" bIns="91425" lIns="91425" spcFirstLastPara="1" rIns="91425" wrap="square" tIns="91425">
+          <a:bodyPr spcFirstLastPara="1" wrap="square" lIns="91425" tIns="91425" rIns="91425" bIns="91425" anchor="t" anchorCtr="0">
             <a:noAutofit/>
           </a:bodyPr>
           <a:lstStyle/>
           <a:p>
-            <a:pPr indent="0" lvl="0" marL="0" rtl="0" algn="l">
+            <a:pPr marL="0" lvl="0" indent="0" algn="l" rtl="0">
               <a:spcBef>
                 <a:spcPts val="0"/>
               </a:spcBef>
@@ -6615,7 +6762,7 @@
               <a:buNone/>
             </a:pPr>
             <a:r>
-              <a:rPr lang="en-GB" sz="1800">
+              <a:rPr lang="en-GB" sz="1800" dirty="0">
                 <a:solidFill>
                   <a:srgbClr val="FFFFFF"/>
                 </a:solidFill>
@@ -6623,7 +6770,7 @@
               <a:t> </a:t>
             </a:r>
             <a:r>
-              <a:rPr lang="en-GB" sz="1800">
+              <a:rPr lang="en-GB" sz="1800" dirty="0">
                 <a:solidFill>
                   <a:srgbClr val="FFFFFF"/>
                 </a:solidFill>
@@ -6635,7 +6782,7 @@
               <a:t>  </a:t>
             </a:r>
             <a:r>
-              <a:rPr b="1" lang="en-GB" sz="1800">
+              <a:rPr lang="en-GB" sz="1800" b="1" dirty="0">
                 <a:solidFill>
                   <a:srgbClr val="FFFFFF"/>
                 </a:solidFill>
@@ -6646,7 +6793,7 @@
               </a:rPr>
               <a:t>Advisor:</a:t>
             </a:r>
-            <a:endParaRPr b="1" sz="1800">
+            <a:endParaRPr sz="1800" b="1" dirty="0">
               <a:solidFill>
                 <a:srgbClr val="FFFFFF"/>
               </a:solidFill>
@@ -6657,22 +6804,14 @@
             </a:endParaRPr>
           </a:p>
           <a:p>
-            <a:pPr indent="0" lvl="0" marL="0" rtl="0" algn="l">
-              <a:spcBef>
-                <a:spcPts val="0"/>
-              </a:spcBef>
-              <a:spcAft>
-                <a:spcPts val="0"/>
-              </a:spcAft>
+            <a:pPr marL="0" lvl="0" indent="0">
               <a:buClr>
                 <a:srgbClr val="000000"/>
               </a:buClr>
               <a:buSzPts val="1100"/>
-              <a:buFont typeface="Arial"/>
-              <a:buNone/>
             </a:pPr>
             <a:r>
-              <a:rPr lang="en-GB" sz="1800">
+              <a:rPr lang="en-GB" sz="1800" dirty="0">
                 <a:solidFill>
                   <a:srgbClr val="FFFFFF"/>
                 </a:solidFill>
@@ -6681,10 +6820,25 @@
                 <a:cs typeface="Lato"/>
                 <a:sym typeface="Lato"/>
               </a:rPr>
-              <a:t>    Valentin Siegert      </a:t>
+              <a:t>    </a:t>
             </a:r>
             <a:r>
-              <a:rPr lang="en-GB" sz="1800">
+              <a:rPr lang="en-GB" sz="1800" dirty="0" err="1">
+                <a:solidFill>
+                  <a:srgbClr val="FFFFFF"/>
+                </a:solidFill>
+                <a:latin typeface="Lato"/>
+                <a:ea typeface="Lato"/>
+                <a:cs typeface="Lato"/>
+                <a:sym typeface="Lato"/>
+              </a:rPr>
+              <a:t>Mahda</a:t>
+            </a:r>
+            <a:r>
+              <a:rPr lang="en-GB" sz="1800" dirty="0">
+                <a:solidFill>
+                  <a:srgbClr val="FFFFFF"/>
+                </a:solidFill>
                 <a:latin typeface="Lato"/>
                 <a:ea typeface="Lato"/>
                 <a:cs typeface="Lato"/>
@@ -6693,18 +6847,51 @@
               <a:t> </a:t>
             </a:r>
             <a:r>
-              <a:rPr lang="en-GB" sz="1800"/>
+              <a:rPr lang="en-GB" sz="1800" dirty="0" err="1">
+                <a:solidFill>
+                  <a:srgbClr val="FFFFFF"/>
+                </a:solidFill>
+                <a:latin typeface="Lato"/>
+                <a:ea typeface="Lato"/>
+                <a:cs typeface="Lato"/>
+                <a:sym typeface="Lato"/>
+              </a:rPr>
+              <a:t>Noura</a:t>
+            </a:r>
+            <a:r>
+              <a:rPr lang="en-GB" sz="1800" dirty="0">
+                <a:solidFill>
+                  <a:srgbClr val="FFFFFF"/>
+                </a:solidFill>
+                <a:latin typeface="Lato"/>
+                <a:ea typeface="Lato"/>
+                <a:cs typeface="Lato"/>
+                <a:sym typeface="Lato"/>
+              </a:rPr>
+              <a:t>      </a:t>
+            </a:r>
+            <a:r>
+              <a:rPr lang="en-GB" sz="1800" dirty="0">
+                <a:latin typeface="Lato"/>
+                <a:ea typeface="Lato"/>
+                <a:cs typeface="Lato"/>
+                <a:sym typeface="Lato"/>
+              </a:rPr>
               <a:t> </a:t>
             </a:r>
             <a:r>
-              <a:rPr lang="en-GB" sz="1800">
+              <a:rPr lang="en-GB" sz="1800" dirty="0"/>
+              <a:t> </a:t>
+            </a:r>
+            <a:r>
+              <a:rPr lang="en-GB" sz="1800" dirty="0">
                 <a:solidFill>
                   <a:srgbClr val="FFFFFF"/>
                 </a:solidFill>
               </a:rPr>
               <a:t>                         </a:t>
             </a:r>
-            <a:endParaRPr sz="1800">
+            <a:endParaRPr sz="1800" dirty="0">
               <a:solidFill>
                 <a:srgbClr val="FFFFFF"/>
               </a:solidFill>
@@ -6721,7 +6908,7 @@
         <p:spPr>
           <a:xfrm>
             <a:off x="5735725" y="3697650"/>
-            <a:ext cx="3852900" cy="1204200"/>
+            <a:ext cx="3408275" cy="1204200"/>
           </a:xfrm>
           <a:prstGeom prst="rect">
             <a:avLst/>
@@ -6732,22 +6919,14 @@
           </a:ln>
         </p:spPr>
         <p:txBody>
-          <a:bodyPr anchorCtr="0" anchor="t" bIns="91425" lIns="91425" spcFirstLastPara="1" rIns="91425" wrap="square" tIns="91425">
+          <a:bodyPr spcFirstLastPara="1" wrap="square" lIns="91425" tIns="91425" rIns="91425" bIns="91425" anchor="t" anchorCtr="0">
             <a:noAutofit/>
           </a:bodyPr>
           <a:lstStyle/>
           <a:p>
-            <a:pPr indent="0" lvl="0" marL="0" rtl="0" algn="l">
-              <a:spcBef>
-                <a:spcPts val="0"/>
-              </a:spcBef>
-              <a:spcAft>
-                <a:spcPts val="0"/>
-              </a:spcAft>
-              <a:buNone/>
-            </a:pPr>
+            <a:pPr lvl="0"/>
             <a:r>
-              <a:rPr b="1" lang="en-GB" sz="1800">
+              <a:rPr lang="en-GB" sz="1800" b="1" dirty="0">
                 <a:solidFill>
                   <a:schemeClr val="accent1"/>
                 </a:solidFill>
@@ -6759,7 +6938,7 @@
               <a:t>Presented by:</a:t>
             </a:r>
             <a:r>
-              <a:rPr lang="en-GB" sz="1800" u="sng">
+              <a:rPr lang="en-GB" sz="1800" u="sng" dirty="0">
                 <a:solidFill>
                   <a:schemeClr val="accent1"/>
                 </a:solidFill>
@@ -6771,7 +6950,7 @@
               <a:t> </a:t>
             </a:r>
             <a:br>
-              <a:rPr lang="en-GB" sz="1800">
+              <a:rPr lang="en-GB" sz="1800" dirty="0">
                 <a:solidFill>
                   <a:schemeClr val="accent1"/>
                 </a:solidFill>
@@ -6782,7 +6961,7 @@
               </a:rPr>
             </a:br>
             <a:r>
-              <a:rPr lang="en-GB" sz="1800">
+              <a:rPr lang="en-GB" sz="1800" dirty="0">
                 <a:solidFill>
                   <a:schemeClr val="accent1"/>
                 </a:solidFill>
@@ -6791,9 +6970,21 @@
                 <a:cs typeface="Lato"/>
                 <a:sym typeface="Lato"/>
               </a:rPr>
-              <a:t>Asad Hayat</a:t>
+              <a:t>Sagar </a:t>
             </a:r>
-            <a:endParaRPr sz="1800">
+            <a:r>
+              <a:rPr lang="en-GB" sz="1800" dirty="0" err="1">
+                <a:solidFill>
+                  <a:schemeClr val="accent1"/>
+                </a:solidFill>
+                <a:latin typeface="Lato"/>
+                <a:ea typeface="Lato"/>
+                <a:cs typeface="Lato"/>
+                <a:sym typeface="Lato"/>
+              </a:rPr>
+              <a:t>Kafle</a:t>
+            </a:r>
+            <a:endParaRPr lang="en-GB" sz="1800" dirty="0">
               <a:solidFill>
                 <a:schemeClr val="accent1"/>
               </a:solidFill>
@@ -6804,17 +6995,9 @@
             </a:endParaRPr>
           </a:p>
           <a:p>
-            <a:pPr indent="0" lvl="0" marL="0" rtl="0" algn="l">
-              <a:spcBef>
-                <a:spcPts val="0"/>
-              </a:spcBef>
-              <a:spcAft>
-                <a:spcPts val="0"/>
-              </a:spcAft>
-              <a:buNone/>
-            </a:pPr>
+            <a:pPr lvl="0"/>
             <a:r>
-              <a:rPr lang="en-GB" sz="1800">
+              <a:rPr lang="en-GB" sz="1800" dirty="0">
                 <a:solidFill>
                   <a:schemeClr val="accent1"/>
                 </a:solidFill>
@@ -6823,10 +7006,10 @@
                 <a:cs typeface="Lato"/>
                 <a:sym typeface="Lato"/>
               </a:rPr>
-              <a:t>Anusha Mogera</a:t>
+              <a:t>Shovra Das</a:t>
             </a:r>
             <a:br>
-              <a:rPr lang="en-GB" sz="2400">
+              <a:rPr lang="en-GB" sz="2400" dirty="0">
                 <a:solidFill>
                   <a:schemeClr val="lt2"/>
                 </a:solidFill>
@@ -6837,7 +7020,7 @@
               </a:rPr>
             </a:br>
             <a:r>
-              <a:rPr lang="en-GB" sz="2400">
+              <a:rPr lang="en-GB" sz="2400" dirty="0">
                 <a:solidFill>
                   <a:schemeClr val="lt2"/>
                 </a:solidFill>
@@ -6848,7 +7031,7 @@
               </a:rPr>
               <a:t>                                                                                             </a:t>
             </a:r>
-            <a:endParaRPr/>
+            <a:endParaRPr dirty="0"/>
           </a:p>
         </p:txBody>
       </p:sp>
@@ -6862,7 +7045,7 @@
           <a:blip r:embed="rId3">
             <a:alphaModFix/>
           </a:blip>
-          <a:srcRect b="0" l="0" r="0" t="0"/>
+          <a:srcRect/>
           <a:stretch/>
         </p:blipFill>
         <p:spPr>
@@ -6888,11 +7071,11 @@
 </file>
 
 <file path=ppt/slides/slide2.xml><?xml version="1.0" encoding="utf-8"?>
-<p:sld xmlns:a="http://schemas.openxmlformats.org/drawingml/2006/main" xmlns:r="http://schemas.openxmlformats.org/officeDocument/2006/relationships" xmlns:mc="http://schemas.openxmlformats.org/markup-compatibility/2006" xmlns:mv="urn:schemas-microsoft-com:mac:vml" xmlns:p="http://schemas.openxmlformats.org/presentationml/2006/main" xmlns:c="http://schemas.openxmlformats.org/drawingml/2006/chart" xmlns:dgm="http://schemas.openxmlformats.org/drawingml/2006/diagram" xmlns:o="urn:schemas-microsoft-com:office:office" xmlns:v="urn:schemas-microsoft-com:vml" xmlns:pvml="urn:schemas-microsoft-com:office:powerpoint" xmlns:com="http://schemas.openxmlformats.org/drawingml/2006/compatibility" xmlns:p14="http://schemas.microsoft.com/office/powerpoint/2010/main" xmlns:p15="http://schemas.microsoft.com/office/powerpoint/2012/main">
+<p:sld xmlns:a="http://schemas.openxmlformats.org/drawingml/2006/main" xmlns:r="http://schemas.openxmlformats.org/officeDocument/2006/relationships" xmlns:p="http://schemas.openxmlformats.org/presentationml/2006/main">
   <p:cSld>
     <p:spTree>
       <p:nvGrpSpPr>
-        <p:cNvPr id="66" name="Shape 66"/>
+        <p:cNvPr id="1" name="Shape 66"/>
         <p:cNvGrpSpPr/>
         <p:nvPr/>
       </p:nvGrpSpPr>
@@ -6907,7 +7090,9 @@
       <p:sp>
         <p:nvSpPr>
           <p:cNvPr id="67" name="Google Shape;67;p14"/>
-          <p:cNvSpPr txBox="1"/>
+          <p:cNvSpPr txBox="1">
+            <a:spLocks noGrp="1"/>
+          </p:cNvSpPr>
           <p:nvPr>
             <p:ph type="title"/>
           </p:nvPr>
@@ -6922,22 +7107,14 @@
           </a:prstGeom>
         </p:spPr>
         <p:txBody>
-          <a:bodyPr anchorCtr="0" anchor="t" bIns="91425" lIns="91425" spcFirstLastPara="1" rIns="91425" wrap="square" tIns="91425">
+          <a:bodyPr spcFirstLastPara="1" wrap="square" lIns="91425" tIns="91425" rIns="91425" bIns="91425" anchor="t" anchorCtr="0">
             <a:noAutofit/>
           </a:bodyPr>
           <a:lstStyle/>
           <a:p>
-            <a:pPr indent="0" lvl="0" marL="0" rtl="0" algn="just">
-              <a:spcBef>
-                <a:spcPts val="0"/>
-              </a:spcBef>
-              <a:spcAft>
-                <a:spcPts val="0"/>
-              </a:spcAft>
-              <a:buNone/>
-            </a:pPr>
+            <a:pPr lvl="0" algn="just"/>
             <a:r>
-              <a:rPr lang="en-GB">
+              <a:rPr lang="en-GB" dirty="0" err="1">
                 <a:solidFill>
                   <a:schemeClr val="dk2"/>
                 </a:solidFill>
@@ -6946,9 +7123,33 @@
                 <a:cs typeface="Lato"/>
                 <a:sym typeface="Lato"/>
               </a:rPr>
-              <a:t>Microservices Architecture.</a:t>
+              <a:t>WoT</a:t>
             </a:r>
-            <a:endParaRPr>
+            <a:r>
+              <a:rPr lang="en-GB" dirty="0">
+                <a:solidFill>
+                  <a:schemeClr val="dk2"/>
+                </a:solidFill>
+                <a:latin typeface="Lato"/>
+                <a:ea typeface="Lato"/>
+                <a:cs typeface="Lato"/>
+                <a:sym typeface="Lato"/>
+              </a:rPr>
+              <a:t> &amp; </a:t>
+            </a:r>
+            <a:r>
+              <a:rPr lang="en-GB" dirty="0" err="1">
+                <a:solidFill>
+                  <a:schemeClr val="dk2"/>
+                </a:solidFill>
+                <a:latin typeface="Lato"/>
+                <a:ea typeface="Lato"/>
+                <a:cs typeface="Lato"/>
+                <a:sym typeface="Lato"/>
+              </a:rPr>
+              <a:t>SoLiD</a:t>
+            </a:r>
+            <a:endParaRPr dirty="0">
               <a:solidFill>
                 <a:schemeClr val="dk2"/>
               </a:solidFill>
@@ -6963,60 +7164,116 @@
       <p:sp>
         <p:nvSpPr>
           <p:cNvPr id="68" name="Google Shape;68;p14"/>
-          <p:cNvSpPr txBox="1"/>
+          <p:cNvSpPr txBox="1">
+            <a:spLocks noGrp="1"/>
+          </p:cNvSpPr>
           <p:nvPr>
-            <p:ph idx="1" type="body"/>
+            <p:ph type="body" idx="1"/>
           </p:nvPr>
         </p:nvSpPr>
         <p:spPr>
           <a:xfrm>
             <a:off x="376025" y="1433250"/>
-            <a:ext cx="7141200" cy="3455100"/>
+            <a:ext cx="4782902" cy="3455100"/>
           </a:xfrm>
           <a:prstGeom prst="rect">
             <a:avLst/>
           </a:prstGeom>
         </p:spPr>
         <p:txBody>
-          <a:bodyPr anchorCtr="0" anchor="t" bIns="91425" lIns="91425" spcFirstLastPara="1" rIns="91425" wrap="square" tIns="91425">
+          <a:bodyPr spcFirstLastPara="1" wrap="square" lIns="91425" tIns="91425" rIns="91425" bIns="91425" anchor="t" anchorCtr="0">
             <a:noAutofit/>
           </a:bodyPr>
           <a:lstStyle/>
           <a:p>
-            <a:pPr indent="0" lvl="0" marL="0" rtl="0" algn="l">
-              <a:spcBef>
-                <a:spcPts val="0"/>
-              </a:spcBef>
-              <a:spcAft>
-                <a:spcPts val="0"/>
-              </a:spcAft>
-              <a:buNone/>
+            <a:pPr marL="285750" indent="-285750">
+              <a:buFont typeface="Wingdings" panose="05000000000000000000" pitchFamily="2" charset="2"/>
+              <a:buChar char="q"/>
             </a:pPr>
             <a:r>
-              <a:rPr lang="en-GB" sz="1600">
+              <a:rPr lang="en-GB" sz="1600" dirty="0">
                 <a:solidFill>
                   <a:schemeClr val="dk2"/>
                 </a:solidFill>
+                <a:highlight>
+                  <a:srgbClr val="FFFFFF"/>
+                </a:highlight>
                 <a:latin typeface="Lato"/>
                 <a:ea typeface="Lato"/>
                 <a:cs typeface="Lato"/>
                 <a:sym typeface="Lato"/>
               </a:rPr>
-              <a:t>It is </a:t>
+              <a:t>Web of Things</a:t>
             </a:r>
+          </a:p>
+          <a:p>
+            <a:pPr lvl="0" indent="-330200">
+              <a:spcBef>
+                <a:spcPts val="1600"/>
+              </a:spcBef>
+              <a:buClr>
+                <a:schemeClr val="dk2"/>
+              </a:buClr>
+              <a:buSzPts val="1600"/>
+              <a:buFont typeface="Arial" panose="020B0604020202020204" pitchFamily="34" charset="0"/>
+              <a:buChar char="•"/>
+            </a:pPr>
             <a:r>
-              <a:rPr lang="en-GB" sz="1600">
+              <a:rPr lang="en-US" sz="1600" dirty="0">
                 <a:solidFill>
                   <a:schemeClr val="dk2"/>
                 </a:solidFill>
+                <a:highlight>
+                  <a:srgbClr val="FFFFFF"/>
+                </a:highlight>
                 <a:latin typeface="Lato"/>
                 <a:ea typeface="Lato"/>
                 <a:cs typeface="Lato"/>
                 <a:sym typeface="Lato"/>
               </a:rPr>
-              <a:t>an architectural style that structures an application as a collection of loosely coupled services, which implement business capabilities.</a:t>
+              <a:t>Things: Devices capable of communicate via HTTP protocol</a:t>
             </a:r>
-            <a:endParaRPr sz="1600">
+          </a:p>
+          <a:p>
+            <a:pPr lvl="0" indent="-330200">
+              <a:buClr>
+                <a:schemeClr val="dk2"/>
+              </a:buClr>
+              <a:buSzPts val="1600"/>
+              <a:buFont typeface="Arial" panose="020B0604020202020204" pitchFamily="34" charset="0"/>
+              <a:buChar char="•"/>
+            </a:pPr>
+            <a:r>
+              <a:rPr lang="en-US" sz="1600" dirty="0">
+                <a:solidFill>
+                  <a:schemeClr val="dk2"/>
+                </a:solidFill>
+                <a:highlight>
+                  <a:srgbClr val="FFFFFF"/>
+                </a:highlight>
+                <a:latin typeface="Lato"/>
+                <a:ea typeface="Lato"/>
+                <a:cs typeface="Lato"/>
+                <a:sym typeface="Lato"/>
+              </a:rPr>
+              <a:t>Better </a:t>
+            </a:r>
+            <a:r>
+              <a:rPr lang="en-US" sz="1600" dirty="0" err="1">
+                <a:solidFill>
+                  <a:schemeClr val="dk2"/>
+                </a:solidFill>
+                <a:highlight>
+                  <a:srgbClr val="FFFFFF"/>
+                </a:highlight>
+                <a:latin typeface="Lato"/>
+                <a:ea typeface="Lato"/>
+                <a:cs typeface="Lato"/>
+                <a:sym typeface="Lato"/>
+              </a:rPr>
+              <a:t>deployability</a:t>
+            </a:r>
+            <a:endParaRPr lang="en-US" sz="1600" dirty="0">
               <a:solidFill>
                 <a:schemeClr val="dk2"/>
               </a:solidFill>
@@ -7030,13 +7287,7 @@
             </a:endParaRPr>
           </a:p>
           <a:p>
-            <a:pPr indent="-330200" lvl="0" marL="457200" rtl="0" algn="l">
-              <a:spcBef>
-                <a:spcPts val="1600"/>
-              </a:spcBef>
-              <a:spcAft>
-                <a:spcPts val="0"/>
-              </a:spcAft>
+            <a:pPr lvl="0" indent="-330200">
               <a:buClr>
                 <a:schemeClr val="dk2"/>
               </a:buClr>
@@ -7044,22 +7295,7 @@
               <a:buFont typeface="Lato"/>
               <a:buChar char="●"/>
             </a:pPr>
-            <a:r>
-              <a:rPr lang="en-GB" sz="1600">
-                <a:solidFill>
-                  <a:schemeClr val="dk2"/>
-                </a:solidFill>
-                <a:highlight>
-                  <a:srgbClr val="FFFFFF"/>
-                </a:highlight>
-                <a:latin typeface="Lato"/>
-                <a:ea typeface="Lato"/>
-                <a:cs typeface="Lato"/>
-                <a:sym typeface="Lato"/>
-              </a:rPr>
-              <a:t>Better testability</a:t>
-            </a:r>
-            <a:endParaRPr sz="1600">
+            <a:endParaRPr lang="en-US" sz="1600" dirty="0">
               <a:solidFill>
                 <a:schemeClr val="dk2"/>
               </a:solidFill>
@@ -7073,22 +7309,12 @@
             </a:endParaRPr>
           </a:p>
           <a:p>
-            <a:pPr indent="-330200" lvl="0" marL="457200" rtl="0" algn="l">
-              <a:spcBef>
-                <a:spcPts val="0"/>
-              </a:spcBef>
-              <a:spcAft>
-                <a:spcPts val="0"/>
-              </a:spcAft>
-              <a:buClr>
-                <a:schemeClr val="dk2"/>
-              </a:buClr>
-              <a:buSzPts val="1600"/>
-              <a:buFont typeface="Lato"/>
-              <a:buChar char="●"/>
+            <a:pPr marL="285750" indent="-285750">
+              <a:buFont typeface="Wingdings" panose="05000000000000000000" pitchFamily="2" charset="2"/>
+              <a:buChar char="q"/>
             </a:pPr>
             <a:r>
-              <a:rPr lang="en-GB" sz="1600">
+              <a:rPr lang="en-GB" sz="1600" dirty="0">
                 <a:solidFill>
                   <a:schemeClr val="dk2"/>
                 </a:solidFill>
@@ -7100,9 +7326,37 @@
                 <a:cs typeface="Lato"/>
                 <a:sym typeface="Lato"/>
               </a:rPr>
-              <a:t>Better deployability</a:t>
+              <a:t>Social Linked Data</a:t>
             </a:r>
-            <a:endParaRPr sz="1600">
+          </a:p>
+          <a:p>
+            <a:pPr lvl="0" indent="-330200">
+              <a:spcBef>
+                <a:spcPts val="1600"/>
+              </a:spcBef>
+              <a:buClr>
+                <a:schemeClr val="dk2"/>
+              </a:buClr>
+              <a:buSzPts val="1600"/>
+              <a:buFont typeface="Arial" panose="020B0604020202020204" pitchFamily="34" charset="0"/>
+              <a:buChar char="•"/>
+            </a:pPr>
+            <a:r>
+              <a:rPr lang="en-GB" sz="1600" dirty="0">
+                <a:solidFill>
+                  <a:schemeClr val="dk2"/>
+                </a:solidFill>
+                <a:highlight>
+                  <a:srgbClr val="FFFFFF"/>
+                </a:highlight>
+                <a:latin typeface="Lato"/>
+                <a:ea typeface="Lato"/>
+                <a:cs typeface="Lato"/>
+                <a:sym typeface="Lato"/>
+              </a:rPr>
+              <a:t>Decentralized</a:t>
+            </a:r>
+            <a:endParaRPr lang="en-US" sz="1600" dirty="0">
               <a:solidFill>
                 <a:schemeClr val="dk2"/>
               </a:solidFill>
@@ -7116,59 +7370,16 @@
             </a:endParaRPr>
           </a:p>
           <a:p>
-            <a:pPr indent="-330200" lvl="0" marL="457200" rtl="0" algn="l">
-              <a:spcBef>
-                <a:spcPts val="0"/>
-              </a:spcBef>
-              <a:spcAft>
-                <a:spcPts val="0"/>
-              </a:spcAft>
+            <a:pPr indent="-330200">
               <a:buClr>
                 <a:schemeClr val="dk2"/>
               </a:buClr>
               <a:buSzPts val="1600"/>
-              <a:buFont typeface="Lato"/>
-              <a:buChar char="●"/>
+              <a:buFont typeface="Arial" panose="020B0604020202020204" pitchFamily="34" charset="0"/>
+              <a:buChar char="•"/>
             </a:pPr>
             <a:r>
-              <a:rPr lang="en-GB" sz="1600">
-                <a:solidFill>
-                  <a:schemeClr val="dk2"/>
-                </a:solidFill>
-                <a:latin typeface="Lato"/>
-                <a:ea typeface="Lato"/>
-                <a:cs typeface="Lato"/>
-                <a:sym typeface="Lato"/>
-              </a:rPr>
-              <a:t>Easier for a developer to understand</a:t>
-            </a:r>
-            <a:endParaRPr sz="1600">
-              <a:solidFill>
-                <a:schemeClr val="dk2"/>
-              </a:solidFill>
-              <a:latin typeface="Lato"/>
-              <a:ea typeface="Lato"/>
-              <a:cs typeface="Lato"/>
-              <a:sym typeface="Lato"/>
-            </a:endParaRPr>
-          </a:p>
-          <a:p>
-            <a:pPr indent="-330200" lvl="0" marL="457200" rtl="0" algn="l">
-              <a:spcBef>
-                <a:spcPts val="0"/>
-              </a:spcBef>
-              <a:spcAft>
-                <a:spcPts val="0"/>
-              </a:spcAft>
-              <a:buClr>
-                <a:schemeClr val="dk2"/>
-              </a:buClr>
-              <a:buSzPts val="1600"/>
-              <a:buFont typeface="Lato"/>
-              <a:buChar char="●"/>
-            </a:pPr>
-            <a:r>
-              <a:rPr lang="en-GB" sz="1600">
+              <a:rPr lang="en-GB" sz="1600" dirty="0">
                 <a:solidFill>
                   <a:schemeClr val="dk2"/>
                 </a:solidFill>
@@ -7180,12 +7391,15 @@
                 <a:cs typeface="Lato"/>
                 <a:sym typeface="Lato"/>
               </a:rPr>
-              <a:t>Improved fault isolation</a:t>
+              <a:t>User control over data</a:t>
             </a:r>
-            <a:endParaRPr sz="1600">
+            <a:endParaRPr lang="en-GB" sz="1200" dirty="0">
               <a:solidFill>
                 <a:schemeClr val="dk2"/>
               </a:solidFill>
+              <a:highlight>
+                <a:srgbClr val="FFFFFF"/>
+              </a:highlight>
               <a:latin typeface="Lato"/>
               <a:ea typeface="Lato"/>
               <a:cs typeface="Lato"/>
@@ -7193,36 +7407,16 @@
             </a:endParaRPr>
           </a:p>
           <a:p>
-            <a:pPr indent="-330200" lvl="0" marL="457200" rtl="0" algn="l">
-              <a:spcBef>
-                <a:spcPts val="0"/>
-              </a:spcBef>
-              <a:spcAft>
-                <a:spcPts val="0"/>
-              </a:spcAft>
-              <a:buClr>
-                <a:schemeClr val="dk2"/>
-              </a:buClr>
-              <a:buSzPts val="1600"/>
-              <a:buFont typeface="Lato"/>
-              <a:buChar char="●"/>
+            <a:pPr marL="0" indent="0">
+              <a:buNone/>
             </a:pPr>
-            <a:r>
-              <a:rPr lang="en-GB" sz="1600">
-                <a:solidFill>
-                  <a:schemeClr val="dk2"/>
-                </a:solidFill>
-                <a:latin typeface="Lato"/>
-                <a:ea typeface="Lato"/>
-                <a:cs typeface="Lato"/>
-                <a:sym typeface="Lato"/>
-              </a:rPr>
-              <a:t>The IDE is faster, which makes developers more productive</a:t>
-            </a:r>
-            <a:endParaRPr sz="1600">
+            <a:endParaRPr sz="1600" dirty="0">
               <a:solidFill>
                 <a:schemeClr val="dk2"/>
               </a:solidFill>
+              <a:highlight>
+                <a:srgbClr val="FFFFFF"/>
+              </a:highlight>
               <a:latin typeface="Lato"/>
               <a:ea typeface="Lato"/>
               <a:cs typeface="Lato"/>
@@ -7230,7 +7424,7 @@
             </a:endParaRPr>
           </a:p>
           <a:p>
-            <a:pPr indent="0" lvl="0" marL="457200" rtl="0" algn="l">
+            <a:pPr marL="457200" lvl="0" indent="0" algn="l" rtl="0">
               <a:spcBef>
                 <a:spcPts val="0"/>
               </a:spcBef>
@@ -7239,17 +7433,14 @@
               </a:spcAft>
               <a:buNone/>
             </a:pPr>
-            <a:r>
-              <a:t/>
-            </a:r>
-            <a:endParaRPr sz="1600">
+            <a:endParaRPr sz="1600" dirty="0">
               <a:highlight>
                 <a:srgbClr val="FFFFFF"/>
               </a:highlight>
             </a:endParaRPr>
           </a:p>
           <a:p>
-            <a:pPr indent="0" lvl="0" marL="0" rtl="0" algn="l">
+            <a:pPr marL="0" lvl="0" indent="0" algn="l" rtl="0">
               <a:spcBef>
                 <a:spcPts val="0"/>
               </a:spcBef>
@@ -7258,10 +7449,7 @@
               </a:spcAft>
               <a:buNone/>
             </a:pPr>
-            <a:r>
-              <a:t/>
-            </a:r>
-            <a:endParaRPr sz="1050">
+            <a:endParaRPr sz="1050" dirty="0">
               <a:solidFill>
                 <a:srgbClr val="333333"/>
               </a:solidFill>
@@ -7275,7 +7463,7 @@
             </a:endParaRPr>
           </a:p>
           <a:p>
-            <a:pPr indent="0" lvl="0" marL="0" rtl="0" algn="l">
+            <a:pPr marL="0" lvl="0" indent="0" algn="l" rtl="0">
               <a:spcBef>
                 <a:spcPts val="0"/>
               </a:spcBef>
@@ -7284,10 +7472,7 @@
               </a:spcAft>
               <a:buNone/>
             </a:pPr>
-            <a:r>
-              <a:t/>
-            </a:r>
-            <a:endParaRPr sz="1050">
+            <a:endParaRPr sz="1050" dirty="0">
               <a:solidFill>
                 <a:srgbClr val="333333"/>
               </a:solidFill>
@@ -7301,7 +7486,7 @@
             </a:endParaRPr>
           </a:p>
           <a:p>
-            <a:pPr indent="0" lvl="0" marL="0" rtl="0" algn="l">
+            <a:pPr marL="0" lvl="0" indent="0" algn="l" rtl="0">
               <a:spcBef>
                 <a:spcPts val="0"/>
               </a:spcBef>
@@ -7310,10 +7495,7 @@
               </a:spcAft>
               <a:buNone/>
             </a:pPr>
-            <a:r>
-              <a:t/>
-            </a:r>
-            <a:endParaRPr sz="1050">
+            <a:endParaRPr sz="1050" dirty="0">
               <a:solidFill>
                 <a:srgbClr val="333333"/>
               </a:solidFill>
@@ -7330,29 +7512,94 @@
       </p:sp>
       <p:pic>
         <p:nvPicPr>
-          <p:cNvPr id="69" name="Google Shape;69;p14"/>
-          <p:cNvPicPr preferRelativeResize="0"/>
+          <p:cNvPr id="1030" name="Picture 6" descr="Image result for Web of things">
+            <a:extLst>
+              <a:ext uri="{FF2B5EF4-FFF2-40B4-BE49-F238E27FC236}">
+                <a16:creationId xmlns:a16="http://schemas.microsoft.com/office/drawing/2014/main" id="{89FF128A-A716-4C60-B98A-0414E428125F}"/>
+              </a:ext>
+            </a:extLst>
+          </p:cNvPr>
+          <p:cNvPicPr>
+            <a:picLocks noChangeAspect="1" noChangeArrowheads="1"/>
+          </p:cNvPicPr>
           <p:nvPr/>
         </p:nvPicPr>
         <p:blipFill rotWithShape="1">
           <a:blip r:embed="rId3">
-            <a:alphaModFix/>
+            <a:extLst>
+              <a:ext uri="{28A0092B-C50C-407E-A947-70E740481C1C}">
+                <a14:useLocalDpi xmlns:a14="http://schemas.microsoft.com/office/drawing/2010/main" val="0"/>
+              </a:ext>
+            </a:extLst>
           </a:blip>
-          <a:srcRect b="0" l="-4710" r="4709" t="0"/>
+          <a:srcRect b="8144"/>
           <a:stretch/>
         </p:blipFill>
-        <p:spPr>
+        <p:spPr bwMode="auto">
           <a:xfrm>
-            <a:off x="6051925" y="2036500"/>
-            <a:ext cx="2872825" cy="1742225"/>
+            <a:off x="5158927" y="1097074"/>
+            <a:ext cx="3777458" cy="3064109"/>
           </a:xfrm>
           <a:prstGeom prst="rect">
             <a:avLst/>
           </a:prstGeom>
           <a:noFill/>
-          <a:ln>
-            <a:noFill/>
-          </a:ln>
+          <a:extLst>
+            <a:ext uri="{909E8E84-426E-40DD-AFC4-6F175D3DCCD1}">
+              <a14:hiddenFill xmlns:a14="http://schemas.microsoft.com/office/drawing/2010/main">
+                <a:solidFill>
+                  <a:srgbClr val="FFFFFF"/>
+                </a:solidFill>
+              </a14:hiddenFill>
+            </a:ext>
+          </a:extLst>
+        </p:spPr>
+      </p:pic>
+      <p:pic>
+        <p:nvPicPr>
+          <p:cNvPr id="1032" name="Picture 8" descr="Image result for SoLiD">
+            <a:extLst>
+              <a:ext uri="{FF2B5EF4-FFF2-40B4-BE49-F238E27FC236}">
+                <a16:creationId xmlns:a16="http://schemas.microsoft.com/office/drawing/2014/main" id="{02B33218-1B77-4102-A643-5F7AFE480DE1}"/>
+              </a:ext>
+            </a:extLst>
+          </p:cNvPr>
+          <p:cNvPicPr>
+            <a:picLocks noChangeAspect="1" noChangeArrowheads="1"/>
+          </p:cNvPicPr>
+          <p:nvPr/>
+        </p:nvPicPr>
+        <p:blipFill>
+          <a:blip r:embed="rId4">
+            <a:extLst>
+              <a:ext uri="{28A0092B-C50C-407E-A947-70E740481C1C}">
+                <a14:useLocalDpi xmlns:a14="http://schemas.microsoft.com/office/drawing/2010/main" val="0"/>
+              </a:ext>
+            </a:extLst>
+          </a:blip>
+          <a:srcRect/>
+          <a:stretch>
+            <a:fillRect/>
+          </a:stretch>
+        </p:blipFill>
+        <p:spPr bwMode="auto">
+          <a:xfrm>
+            <a:off x="5158927" y="1080530"/>
+            <a:ext cx="809771" cy="809771"/>
+          </a:xfrm>
+          <a:prstGeom prst="rect">
+            <a:avLst/>
+          </a:prstGeom>
+          <a:noFill/>
+          <a:extLst>
+            <a:ext uri="{909E8E84-426E-40DD-AFC4-6F175D3DCCD1}">
+              <a14:hiddenFill xmlns:a14="http://schemas.microsoft.com/office/drawing/2010/main">
+                <a:solidFill>
+                  <a:srgbClr val="FFFFFF"/>
+                </a:solidFill>
+              </a14:hiddenFill>
+            </a:ext>
+          </a:extLst>
         </p:spPr>
       </p:pic>
     </p:spTree>
@@ -7364,11 +7611,11 @@
 </file>
 
 <file path=ppt/slides/slide3.xml><?xml version="1.0" encoding="utf-8"?>
-<p:sld xmlns:a="http://schemas.openxmlformats.org/drawingml/2006/main" xmlns:r="http://schemas.openxmlformats.org/officeDocument/2006/relationships" xmlns:mc="http://schemas.openxmlformats.org/markup-compatibility/2006" xmlns:mv="urn:schemas-microsoft-com:mac:vml" xmlns:p="http://schemas.openxmlformats.org/presentationml/2006/main" xmlns:c="http://schemas.openxmlformats.org/drawingml/2006/chart" xmlns:dgm="http://schemas.openxmlformats.org/drawingml/2006/diagram" xmlns:o="urn:schemas-microsoft-com:office:office" xmlns:v="urn:schemas-microsoft-com:vml" xmlns:pvml="urn:schemas-microsoft-com:office:powerpoint" xmlns:com="http://schemas.openxmlformats.org/drawingml/2006/compatibility" xmlns:p14="http://schemas.microsoft.com/office/powerpoint/2010/main" xmlns:p15="http://schemas.microsoft.com/office/powerpoint/2012/main">
+<p:sld xmlns:a="http://schemas.openxmlformats.org/drawingml/2006/main" xmlns:r="http://schemas.openxmlformats.org/officeDocument/2006/relationships" xmlns:p="http://schemas.openxmlformats.org/presentationml/2006/main">
   <p:cSld>
     <p:spTree>
       <p:nvGrpSpPr>
-        <p:cNvPr id="73" name="Shape 73"/>
+        <p:cNvPr id="1" name="Shape 73"/>
         <p:cNvGrpSpPr/>
         <p:nvPr/>
       </p:nvGrpSpPr>
@@ -7383,7 +7630,9 @@
       <p:sp>
         <p:nvSpPr>
           <p:cNvPr id="74" name="Google Shape;74;p15"/>
-          <p:cNvSpPr txBox="1"/>
+          <p:cNvSpPr txBox="1">
+            <a:spLocks noGrp="1"/>
+          </p:cNvSpPr>
           <p:nvPr>
             <p:ph type="title"/>
           </p:nvPr>
@@ -7398,12 +7647,12 @@
           </a:prstGeom>
         </p:spPr>
         <p:txBody>
-          <a:bodyPr anchorCtr="0" anchor="t" bIns="91425" lIns="91425" spcFirstLastPara="1" rIns="91425" wrap="square" tIns="91425">
+          <a:bodyPr spcFirstLastPara="1" wrap="square" lIns="91425" tIns="91425" rIns="91425" bIns="91425" anchor="t" anchorCtr="0">
             <a:noAutofit/>
           </a:bodyPr>
           <a:lstStyle/>
           <a:p>
-            <a:pPr indent="0" lvl="0" marL="0" rtl="0" algn="l">
+            <a:pPr marL="0" lvl="0" indent="0" algn="l" rtl="0">
               <a:spcBef>
                 <a:spcPts val="0"/>
               </a:spcBef>
@@ -7413,7 +7662,7 @@
               <a:buNone/>
             </a:pPr>
             <a:r>
-              <a:rPr b="0" lang="en-GB" sz="1600">
+              <a:rPr lang="en-GB" sz="1600" b="0" dirty="0">
                 <a:solidFill>
                   <a:schemeClr val="dk2"/>
                 </a:solidFill>
@@ -7427,7 +7676,7 @@
               </a:rPr>
               <a:t>Planned Demo: </a:t>
             </a:r>
-            <a:endParaRPr b="0" sz="1600">
+            <a:endParaRPr sz="1600" b="0" dirty="0">
               <a:solidFill>
                 <a:schemeClr val="dk2"/>
               </a:solidFill>
@@ -7441,7 +7690,7 @@
             </a:endParaRPr>
           </a:p>
           <a:p>
-            <a:pPr indent="0" lvl="0" marL="0" rtl="0" algn="l">
+            <a:pPr marL="0" lvl="0" indent="0" algn="l" rtl="0">
               <a:spcBef>
                 <a:spcPts val="0"/>
               </a:spcBef>
@@ -7451,7 +7700,7 @@
               <a:buNone/>
             </a:pPr>
             <a:br>
-              <a:rPr b="0" lang="en-GB" sz="1600">
+              <a:rPr lang="en-GB" sz="1600" b="0" dirty="0">
                 <a:solidFill>
                   <a:schemeClr val="dk2"/>
                 </a:solidFill>
@@ -7465,7 +7714,7 @@
               </a:rPr>
             </a:br>
             <a:r>
-              <a:rPr lang="en-GB" sz="1600">
+              <a:rPr lang="en-GB" sz="1600" dirty="0">
                 <a:solidFill>
                   <a:schemeClr val="dk2"/>
                 </a:solidFill>
@@ -7477,10 +7726,10 @@
                 <a:cs typeface="Lato"/>
                 <a:sym typeface="Lato"/>
               </a:rPr>
-              <a:t>To Create</a:t>
+              <a:t>To create</a:t>
             </a:r>
             <a:r>
-              <a:rPr b="0" lang="en-GB" sz="1600">
+              <a:rPr lang="en-GB" sz="1600" b="0" dirty="0">
                 <a:solidFill>
                   <a:schemeClr val="dk2"/>
                 </a:solidFill>
@@ -7492,10 +7741,10 @@
                 <a:cs typeface="Lato"/>
                 <a:sym typeface="Lato"/>
               </a:rPr>
-              <a:t> a Weather Foreca</a:t>
+              <a:t> a </a:t>
             </a:r>
             <a:r>
-              <a:rPr lang="en-GB" sz="1600">
+              <a:rPr lang="en-GB" sz="1600" dirty="0">
                 <a:solidFill>
                   <a:schemeClr val="dk2"/>
                 </a:solidFill>
@@ -7507,10 +7756,10 @@
                 <a:cs typeface="Lato"/>
                 <a:sym typeface="Lato"/>
               </a:rPr>
-              <a:t>st</a:t>
+              <a:t>tiny</a:t>
             </a:r>
             <a:r>
-              <a:rPr b="0" lang="en-GB" sz="1600">
+              <a:rPr lang="en-GB" sz="1600" b="0" dirty="0">
                 <a:solidFill>
                   <a:schemeClr val="dk2"/>
                 </a:solidFill>
@@ -7522,10 +7771,10 @@
                 <a:cs typeface="Lato"/>
                 <a:sym typeface="Lato"/>
               </a:rPr>
-              <a:t> Microservice</a:t>
+              <a:t> </a:t>
             </a:r>
             <a:r>
-              <a:rPr b="0" lang="en-GB" sz="1600">
+              <a:rPr lang="en-GB" sz="1600" b="0" dirty="0" err="1">
                 <a:solidFill>
                   <a:schemeClr val="dk2"/>
                 </a:solidFill>
@@ -7537,9 +7786,54 @@
                 <a:cs typeface="Lato"/>
                 <a:sym typeface="Lato"/>
               </a:rPr>
-              <a:t>.</a:t>
+              <a:t>SoLiD</a:t>
             </a:r>
-            <a:endParaRPr b="0" sz="1600">
+            <a:r>
+              <a:rPr lang="en-GB" sz="1600" b="0" dirty="0">
+                <a:solidFill>
+                  <a:schemeClr val="dk2"/>
+                </a:solidFill>
+                <a:highlight>
+                  <a:srgbClr val="FFFFFF"/>
+                </a:highlight>
+                <a:latin typeface="Lato"/>
+                <a:ea typeface="Lato"/>
+                <a:cs typeface="Lato"/>
+                <a:sym typeface="Lato"/>
+              </a:rPr>
+              <a:t> application interacting with a </a:t>
+            </a:r>
+            <a:r>
+              <a:rPr lang="en-GB" sz="1600" b="0" dirty="0" err="1">
+                <a:solidFill>
+                  <a:schemeClr val="dk2"/>
+                </a:solidFill>
+                <a:highlight>
+                  <a:srgbClr val="FFFFFF"/>
+                </a:highlight>
+                <a:latin typeface="Lato"/>
+                <a:ea typeface="Lato"/>
+                <a:cs typeface="Lato"/>
+                <a:sym typeface="Lato"/>
+              </a:rPr>
+              <a:t>WoT</a:t>
+            </a:r>
+            <a:r>
+              <a:rPr lang="en-GB" sz="1600" b="0" dirty="0">
+                <a:solidFill>
+                  <a:schemeClr val="dk2"/>
+                </a:solidFill>
+                <a:highlight>
+                  <a:srgbClr val="FFFFFF"/>
+                </a:highlight>
+                <a:latin typeface="Lato"/>
+                <a:ea typeface="Lato"/>
+                <a:cs typeface="Lato"/>
+                <a:sym typeface="Lato"/>
+              </a:rPr>
+              <a:t> device.</a:t>
+            </a:r>
+            <a:endParaRPr sz="1600" b="0" dirty="0">
               <a:solidFill>
                 <a:schemeClr val="dk2"/>
               </a:solidFill>
@@ -7553,7 +7847,7 @@
             </a:endParaRPr>
           </a:p>
           <a:p>
-            <a:pPr indent="0" lvl="0" marL="0" rtl="0" algn="l">
+            <a:pPr marL="0" lvl="0" indent="0" algn="l" rtl="0">
               <a:spcBef>
                 <a:spcPts val="0"/>
               </a:spcBef>
@@ -7562,10 +7856,7 @@
               </a:spcAft>
               <a:buNone/>
             </a:pPr>
-            <a:r>
-              <a:t/>
-            </a:r>
-            <a:endParaRPr sz="1600">
+            <a:endParaRPr sz="1600" dirty="0">
               <a:solidFill>
                 <a:schemeClr val="dk2"/>
               </a:solidFill>
@@ -7579,7 +7870,7 @@
             </a:endParaRPr>
           </a:p>
           <a:p>
-            <a:pPr indent="0" lvl="0" marL="0" rtl="0" algn="l">
+            <a:pPr marL="0" lvl="0" indent="0" algn="l" rtl="0">
               <a:spcBef>
                 <a:spcPts val="0"/>
               </a:spcBef>
@@ -7589,7 +7880,206 @@
               <a:buNone/>
             </a:pPr>
             <a:r>
-              <a:rPr lang="en-GB" sz="1600">
+              <a:rPr lang="en-GB" sz="1600" dirty="0">
+                <a:solidFill>
+                  <a:schemeClr val="dk2"/>
+                </a:solidFill>
+                <a:highlight>
+                  <a:srgbClr val="FFFF00"/>
+                </a:highlight>
+                <a:latin typeface="Lato"/>
+                <a:ea typeface="Lato"/>
+                <a:cs typeface="Lato"/>
+                <a:sym typeface="Lato"/>
+              </a:rPr>
+              <a:t>Main focus: </a:t>
+            </a:r>
+            <a:br>
+              <a:rPr lang="en-GB" sz="1600" dirty="0">
+                <a:solidFill>
+                  <a:schemeClr val="dk2"/>
+                </a:solidFill>
+                <a:highlight>
+                  <a:srgbClr val="FFFF00"/>
+                </a:highlight>
+                <a:latin typeface="Lato"/>
+                <a:ea typeface="Lato"/>
+                <a:cs typeface="Lato"/>
+                <a:sym typeface="Lato"/>
+              </a:rPr>
+            </a:br>
+            <a:r>
+              <a:rPr lang="en-GB" sz="1600" dirty="0">
+                <a:solidFill>
+                  <a:schemeClr val="dk2"/>
+                </a:solidFill>
+                <a:highlight>
+                  <a:srgbClr val="FFFF00"/>
+                </a:highlight>
+                <a:latin typeface="Lato"/>
+                <a:ea typeface="Lato"/>
+                <a:cs typeface="Lato"/>
+                <a:sym typeface="Lato"/>
+              </a:rPr>
+              <a:t>	To investigate RDF as a protocol over HTTP</a:t>
+            </a:r>
+            <a:br>
+              <a:rPr lang="en-GB" sz="1600" dirty="0">
+                <a:solidFill>
+                  <a:schemeClr val="dk2"/>
+                </a:solidFill>
+                <a:highlight>
+                  <a:srgbClr val="FFFF00"/>
+                </a:highlight>
+                <a:latin typeface="Lato"/>
+                <a:ea typeface="Lato"/>
+                <a:cs typeface="Lato"/>
+                <a:sym typeface="Lato"/>
+              </a:rPr>
+            </a:br>
+            <a:r>
+              <a:rPr lang="en-GB" sz="1600" dirty="0">
+                <a:solidFill>
+                  <a:schemeClr val="dk2"/>
+                </a:solidFill>
+                <a:highlight>
+                  <a:srgbClr val="FFFF00"/>
+                </a:highlight>
+                <a:latin typeface="Lato"/>
+                <a:ea typeface="Lato"/>
+                <a:cs typeface="Lato"/>
+                <a:sym typeface="Lato"/>
+              </a:rPr>
+              <a:t>	Use </a:t>
+            </a:r>
+            <a:r>
+              <a:rPr lang="en-GB" sz="1600" dirty="0" err="1">
+                <a:solidFill>
+                  <a:schemeClr val="dk2"/>
+                </a:solidFill>
+                <a:highlight>
+                  <a:srgbClr val="FFFF00"/>
+                </a:highlight>
+                <a:latin typeface="Lato"/>
+                <a:ea typeface="Lato"/>
+                <a:cs typeface="Lato"/>
+                <a:sym typeface="Lato"/>
+              </a:rPr>
+              <a:t>SoLiD</a:t>
+            </a:r>
+            <a:r>
+              <a:rPr lang="en-GB" sz="1600" dirty="0">
+                <a:solidFill>
+                  <a:schemeClr val="dk2"/>
+                </a:solidFill>
+                <a:highlight>
+                  <a:srgbClr val="FFFF00"/>
+                </a:highlight>
+                <a:latin typeface="Lato"/>
+                <a:ea typeface="Lato"/>
+                <a:cs typeface="Lato"/>
+                <a:sym typeface="Lato"/>
+              </a:rPr>
+              <a:t> as a platform</a:t>
+            </a:r>
+            <a:br>
+              <a:rPr lang="en-GB" sz="1600" dirty="0">
+                <a:solidFill>
+                  <a:schemeClr val="dk2"/>
+                </a:solidFill>
+                <a:highlight>
+                  <a:srgbClr val="FFFF00"/>
+                </a:highlight>
+                <a:latin typeface="Lato"/>
+                <a:ea typeface="Lato"/>
+                <a:cs typeface="Lato"/>
+                <a:sym typeface="Lato"/>
+              </a:rPr>
+            </a:br>
+            <a:r>
+              <a:rPr lang="en-GB" sz="1600" dirty="0">
+                <a:solidFill>
+                  <a:schemeClr val="dk2"/>
+                </a:solidFill>
+                <a:highlight>
+                  <a:srgbClr val="FFFF00"/>
+                </a:highlight>
+                <a:latin typeface="Lato"/>
+                <a:ea typeface="Lato"/>
+                <a:cs typeface="Lato"/>
+                <a:sym typeface="Lato"/>
+              </a:rPr>
+              <a:t>	etc </a:t>
+            </a:r>
+            <a:r>
+              <a:rPr lang="en-GB" sz="1600" dirty="0" err="1">
+                <a:solidFill>
+                  <a:schemeClr val="dk2"/>
+                </a:solidFill>
+                <a:highlight>
+                  <a:srgbClr val="FFFF00"/>
+                </a:highlight>
+                <a:latin typeface="Lato"/>
+                <a:ea typeface="Lato"/>
+                <a:cs typeface="Lato"/>
+                <a:sym typeface="Lato"/>
+              </a:rPr>
+              <a:t>etc</a:t>
+            </a:r>
+            <a:endParaRPr sz="1600" dirty="0">
+              <a:solidFill>
+                <a:schemeClr val="dk2"/>
+              </a:solidFill>
+              <a:highlight>
+                <a:srgbClr val="FFFF00"/>
+              </a:highlight>
+              <a:latin typeface="Lato"/>
+              <a:ea typeface="Lato"/>
+              <a:cs typeface="Lato"/>
+              <a:sym typeface="Lato"/>
+            </a:endParaRPr>
+          </a:p>
+        </p:txBody>
+      </p:sp>
+      <p:sp>
+        <p:nvSpPr>
+          <p:cNvPr id="75" name="Google Shape;75;p15"/>
+          <p:cNvSpPr txBox="1">
+            <a:spLocks noGrp="1"/>
+          </p:cNvSpPr>
+          <p:nvPr>
+            <p:ph type="body" idx="1"/>
+          </p:nvPr>
+        </p:nvSpPr>
+        <p:spPr>
+          <a:xfrm>
+            <a:off x="821425" y="2692699"/>
+            <a:ext cx="7746300" cy="1665300"/>
+          </a:xfrm>
+          <a:prstGeom prst="rect">
+            <a:avLst/>
+          </a:prstGeom>
+        </p:spPr>
+        <p:txBody>
+          <a:bodyPr spcFirstLastPara="1" wrap="square" lIns="91425" tIns="91425" rIns="91425" bIns="91425" anchor="t" anchorCtr="0">
+            <a:noAutofit/>
+          </a:bodyPr>
+          <a:lstStyle/>
+          <a:p>
+            <a:pPr marL="0" lvl="0" indent="0" algn="l" rtl="0">
+              <a:lnSpc>
+                <a:spcPct val="100000"/>
+              </a:lnSpc>
+              <a:spcBef>
+                <a:spcPts val="0"/>
+              </a:spcBef>
+              <a:spcAft>
+                <a:spcPts val="0"/>
+              </a:spcAft>
+              <a:buNone/>
+            </a:pPr>
+            <a:r>
+              <a:rPr lang="en-GB" sz="1600" dirty="0">
                 <a:solidFill>
                   <a:schemeClr val="dk2"/>
                 </a:solidFill>
@@ -7601,9 +8091,9 @@
                 <a:cs typeface="Lato"/>
                 <a:sym typeface="Lato"/>
               </a:rPr>
-              <a:t>Main focus revolves around the idea of loosely coupled architecture.</a:t>
+              <a:t>References:</a:t>
             </a:r>
-            <a:endParaRPr sz="1600">
+            <a:endParaRPr sz="1600" dirty="0">
               <a:solidFill>
                 <a:schemeClr val="dk2"/>
               </a:solidFill>
@@ -7617,19 +8107,82 @@
             </a:endParaRPr>
           </a:p>
           <a:p>
-            <a:pPr indent="0" lvl="0" marL="0" rtl="0" algn="l">
-              <a:spcBef>
-                <a:spcPts val="0"/>
-              </a:spcBef>
-              <a:spcAft>
-                <a:spcPts val="0"/>
-              </a:spcAft>
+            <a:pPr marL="0" lvl="0" indent="0">
+              <a:lnSpc>
+                <a:spcPct val="100000"/>
+              </a:lnSpc>
               <a:buNone/>
             </a:pPr>
             <a:r>
-              <a:t/>
+              <a:rPr lang="en-GB" sz="1600" dirty="0">
+                <a:solidFill>
+                  <a:schemeClr val="dk2"/>
+                </a:solidFill>
+                <a:highlight>
+                  <a:srgbClr val="FFFFFF"/>
+                </a:highlight>
+                <a:latin typeface="Lato"/>
+                <a:ea typeface="Lato"/>
+                <a:cs typeface="Lato"/>
+                <a:sym typeface="Lato"/>
+              </a:rPr>
+              <a:t>[1] </a:t>
             </a:r>
-            <a:endParaRPr sz="1600">
+            <a:r>
+              <a:rPr lang="en-US" sz="1600" dirty="0">
+                <a:solidFill>
+                  <a:schemeClr val="dk2"/>
+                </a:solidFill>
+                <a:latin typeface="Lato"/>
+                <a:ea typeface="Lato"/>
+                <a:cs typeface="Lato"/>
+                <a:sym typeface="Lato"/>
+              </a:rPr>
+              <a:t>The Solid spec and architecture</a:t>
+            </a:r>
+            <a:r>
+              <a:rPr lang="en-GB" sz="1600" dirty="0">
+                <a:solidFill>
+                  <a:schemeClr val="dk2"/>
+                </a:solidFill>
+                <a:highlight>
+                  <a:srgbClr val="FFFFFF"/>
+                </a:highlight>
+                <a:latin typeface="Lato"/>
+                <a:ea typeface="Lato"/>
+                <a:cs typeface="Lato"/>
+                <a:sym typeface="Lato"/>
+              </a:rPr>
+              <a:t> [Online] Available from: </a:t>
+            </a:r>
+            <a:r>
+              <a:rPr lang="en-GB" sz="1600" u="sng" dirty="0">
+                <a:solidFill>
+                  <a:schemeClr val="hlink"/>
+                </a:solidFill>
+                <a:latin typeface="Lato"/>
+                <a:ea typeface="Lato"/>
+                <a:cs typeface="Lato"/>
+                <a:sym typeface="Lato"/>
+              </a:rPr>
+              <a:t>https://github.com/solid/solid-spec</a:t>
+            </a:r>
+            <a:r>
+              <a:rPr lang="en-GB" sz="1600" dirty="0">
+                <a:solidFill>
+                  <a:schemeClr val="dk2"/>
+                </a:solidFill>
+                <a:highlight>
+                  <a:srgbClr val="FFFFFF"/>
+                </a:highlight>
+                <a:latin typeface="Lato"/>
+                <a:ea typeface="Lato"/>
+                <a:cs typeface="Lato"/>
+                <a:sym typeface="Lato"/>
+              </a:rPr>
+              <a:t> [Accessed on 14th May 2019]</a:t>
+            </a:r>
+            <a:endParaRPr sz="1600" dirty="0">
               <a:solidFill>
                 <a:schemeClr val="dk2"/>
               </a:solidFill>
@@ -7643,17 +8196,14 @@
             </a:endParaRPr>
           </a:p>
           <a:p>
-            <a:pPr indent="0" lvl="0" marL="0" rtl="0" algn="l">
-              <a:spcBef>
-                <a:spcPts val="0"/>
-              </a:spcBef>
-              <a:spcAft>
-                <a:spcPts val="0"/>
-              </a:spcAft>
+            <a:pPr marL="0" indent="0">
+              <a:lnSpc>
+                <a:spcPct val="100000"/>
+              </a:lnSpc>
               <a:buNone/>
             </a:pPr>
             <a:r>
-              <a:rPr lang="en-GB" sz="1600">
+              <a:rPr lang="en-GB" sz="1600" dirty="0">
                 <a:solidFill>
                   <a:schemeClr val="dk2"/>
                 </a:solidFill>
@@ -7665,60 +8215,46 @@
                 <a:cs typeface="Lato"/>
                 <a:sym typeface="Lato"/>
               </a:rPr>
-              <a:t>It can be reusable for any kind of application which requires weather forecasting.</a:t>
+              <a:t>[2] </a:t>
             </a:r>
-            <a:endParaRPr sz="1600">
-              <a:solidFill>
-                <a:schemeClr val="dk2"/>
-              </a:solidFill>
-              <a:highlight>
-                <a:srgbClr val="FFFFFF"/>
-              </a:highlight>
-              <a:latin typeface="Lato"/>
-              <a:ea typeface="Lato"/>
-              <a:cs typeface="Lato"/>
-              <a:sym typeface="Lato"/>
-            </a:endParaRPr>
-          </a:p>
-        </p:txBody>
-      </p:sp>
-      <p:sp>
-        <p:nvSpPr>
-          <p:cNvPr id="75" name="Google Shape;75;p15"/>
-          <p:cNvSpPr txBox="1"/>
-          <p:nvPr>
-            <p:ph idx="1" type="body"/>
-          </p:nvPr>
-        </p:nvSpPr>
-        <p:spPr>
-          <a:xfrm>
-            <a:off x="821425" y="2692699"/>
-            <a:ext cx="7746300" cy="1665300"/>
-          </a:xfrm>
-          <a:prstGeom prst="rect">
-            <a:avLst/>
-          </a:prstGeom>
-        </p:spPr>
-        <p:txBody>
-          <a:bodyPr anchorCtr="0" anchor="t" bIns="91425" lIns="91425" spcFirstLastPara="1" rIns="91425" wrap="square" tIns="91425">
-            <a:noAutofit/>
-          </a:bodyPr>
-          <a:lstStyle/>
-          <a:p>
-            <a:pPr indent="0" lvl="0" marL="0" rtl="0" algn="l">
-              <a:lnSpc>
-                <a:spcPct val="100000"/>
-              </a:lnSpc>
-              <a:spcBef>
-                <a:spcPts val="0"/>
-              </a:spcBef>
-              <a:spcAft>
-                <a:spcPts val="0"/>
-              </a:spcAft>
-              <a:buNone/>
-            </a:pPr>
             <a:r>
-              <a:rPr lang="en-GB" sz="1600">
+              <a:rPr lang="en-US" sz="1600" dirty="0">
+                <a:solidFill>
+                  <a:schemeClr val="dk2"/>
+                </a:solidFill>
+                <a:latin typeface="Lato"/>
+                <a:ea typeface="Lato"/>
+                <a:cs typeface="Lato"/>
+                <a:sym typeface="Lato"/>
+              </a:rPr>
+              <a:t>Web of Things (</a:t>
+            </a:r>
+            <a:r>
+              <a:rPr lang="en-US" sz="1600" dirty="0" err="1">
+                <a:solidFill>
+                  <a:schemeClr val="dk2"/>
+                </a:solidFill>
+                <a:latin typeface="Lato"/>
+                <a:ea typeface="Lato"/>
+                <a:cs typeface="Lato"/>
+                <a:sym typeface="Lato"/>
+              </a:rPr>
+              <a:t>WoT</a:t>
+            </a:r>
+            <a:r>
+              <a:rPr lang="en-US" sz="1600" dirty="0">
+                <a:solidFill>
+                  <a:schemeClr val="dk2"/>
+                </a:solidFill>
+                <a:latin typeface="Lato"/>
+                <a:ea typeface="Lato"/>
+                <a:cs typeface="Lato"/>
+                <a:sym typeface="Lato"/>
+              </a:rPr>
+              <a:t>) Architecture </a:t>
+            </a:r>
+            <a:r>
+              <a:rPr lang="en-GB" sz="1600" dirty="0">
                 <a:solidFill>
                   <a:schemeClr val="dk2"/>
                 </a:solidFill>
@@ -7730,139 +8266,22 @@
                 <a:cs typeface="Lato"/>
                 <a:sym typeface="Lato"/>
               </a:rPr>
-              <a:t>References:</a:t>
+              <a:t>[Online]. </a:t>
             </a:r>
-            <a:endParaRPr sz="1600">
-              <a:solidFill>
-                <a:schemeClr val="dk2"/>
-              </a:solidFill>
-              <a:highlight>
-                <a:srgbClr val="FFFFFF"/>
-              </a:highlight>
-              <a:latin typeface="Lato"/>
-              <a:ea typeface="Lato"/>
-              <a:cs typeface="Lato"/>
-              <a:sym typeface="Lato"/>
-            </a:endParaRPr>
-          </a:p>
-          <a:p>
-            <a:pPr indent="0" lvl="0" marL="0" rtl="0" algn="l">
-              <a:lnSpc>
-                <a:spcPct val="100000"/>
-              </a:lnSpc>
-              <a:spcBef>
-                <a:spcPts val="0"/>
-              </a:spcBef>
-              <a:spcAft>
-                <a:spcPts val="0"/>
-              </a:spcAft>
-              <a:buNone/>
-            </a:pPr>
             <a:r>
-              <a:rPr lang="en-GB" sz="1600">
-                <a:solidFill>
-                  <a:schemeClr val="dk2"/>
-                </a:solidFill>
-                <a:highlight>
-                  <a:srgbClr val="FFFFFF"/>
-                </a:highlight>
+              <a:rPr lang="en-GB" sz="1600" u="sng" dirty="0">
+                <a:solidFill>
+                  <a:schemeClr val="hlink"/>
+                </a:solidFill>
                 <a:latin typeface="Lato"/>
                 <a:ea typeface="Lato"/>
                 <a:cs typeface="Lato"/>
                 <a:sym typeface="Lato"/>
               </a:rPr>
-              <a:t>[1] Microservices Architecture [Online] Available from: </a:t>
+              <a:t>https://www.w3.org/TR/wot-architecture/</a:t>
             </a:r>
             <a:r>
-              <a:rPr lang="en-GB" sz="1600" u="sng">
-                <a:solidFill>
-                  <a:schemeClr val="hlink"/>
-                </a:solidFill>
-                <a:highlight>
-                  <a:srgbClr val="FFFFFF"/>
-                </a:highlight>
-                <a:latin typeface="Lato"/>
-                <a:ea typeface="Lato"/>
-                <a:cs typeface="Lato"/>
-                <a:sym typeface="Lato"/>
-                <a:hlinkClick r:id="rId3"/>
-              </a:rPr>
-              <a:t>https://microservices.io/patterns/microservices.html</a:t>
-            </a:r>
-            <a:r>
-              <a:rPr lang="en-GB" sz="1600">
-                <a:solidFill>
-                  <a:schemeClr val="dk2"/>
-                </a:solidFill>
-                <a:highlight>
-                  <a:srgbClr val="FFFFFF"/>
-                </a:highlight>
-                <a:latin typeface="Lato"/>
-                <a:ea typeface="Lato"/>
-                <a:cs typeface="Lato"/>
-                <a:sym typeface="Lato"/>
-              </a:rPr>
-              <a:t> [Accessed on 10th November 2018]</a:t>
-            </a:r>
-            <a:endParaRPr sz="1600">
-              <a:solidFill>
-                <a:schemeClr val="dk2"/>
-              </a:solidFill>
-              <a:highlight>
-                <a:srgbClr val="FFFFFF"/>
-              </a:highlight>
-              <a:latin typeface="Lato"/>
-              <a:ea typeface="Lato"/>
-              <a:cs typeface="Lato"/>
-              <a:sym typeface="Lato"/>
-            </a:endParaRPr>
-          </a:p>
-          <a:p>
-            <a:pPr indent="0" lvl="0" marL="0" rtl="0" algn="l">
-              <a:lnSpc>
-                <a:spcPct val="100000"/>
-              </a:lnSpc>
-              <a:spcBef>
-                <a:spcPts val="0"/>
-              </a:spcBef>
-              <a:spcAft>
-                <a:spcPts val="0"/>
-              </a:spcAft>
-              <a:buNone/>
-            </a:pPr>
-            <a:r>
-              <a:rPr lang="en-GB" sz="1600">
-                <a:solidFill>
-                  <a:schemeClr val="dk2"/>
-                </a:solidFill>
-                <a:highlight>
-                  <a:srgbClr val="FFFFFF"/>
-                </a:highlight>
-                <a:latin typeface="Lato"/>
-                <a:ea typeface="Lato"/>
-                <a:cs typeface="Lato"/>
-                <a:sym typeface="Lato"/>
-              </a:rPr>
-              <a:t>[2] IEEE Xplore Digital Library. Microservices written by Johannes Thönes </a:t>
-            </a:r>
-            <a:r>
-              <a:rPr lang="en-GB" sz="1600" u="sng">
-                <a:solidFill>
-                  <a:schemeClr val="hlink"/>
-                </a:solidFill>
-                <a:highlight>
-                  <a:srgbClr val="FFFFFF"/>
-                </a:highlight>
-                <a:latin typeface="Lato"/>
-                <a:ea typeface="Lato"/>
-                <a:cs typeface="Lato"/>
-                <a:sym typeface="Lato"/>
-                <a:hlinkClick r:id="rId4"/>
-              </a:rPr>
-              <a:t>https://ieeexplore.ieee.org/abstract/document/7030212</a:t>
-            </a:r>
-            <a:r>
-              <a:rPr lang="en-GB" sz="1600">
+              <a:rPr lang="en-GB" sz="1600" dirty="0">
                 <a:solidFill>
                   <a:schemeClr val="dk2"/>
                 </a:solidFill>
@@ -7876,7 +8295,30 @@
               </a:rPr>
               <a:t> </a:t>
             </a:r>
-            <a:endParaRPr i="1" sz="1600">
+            <a:r>
+              <a:rPr lang="en-US" sz="1600" dirty="0">
+                <a:solidFill>
+                  <a:schemeClr val="dk2"/>
+                </a:solidFill>
+                <a:highlight>
+                  <a:srgbClr val="FFFFFF"/>
+                </a:highlight>
+                <a:latin typeface="Lato"/>
+                <a:ea typeface="Lato"/>
+                <a:cs typeface="Lato"/>
+                <a:sym typeface="Lato"/>
+              </a:rPr>
+              <a:t>[Accessed on 14th May 2019]</a:t>
+            </a:r>
+          </a:p>
+          <a:p>
+            <a:pPr marL="0" lvl="0" indent="0">
+              <a:lnSpc>
+                <a:spcPct val="100000"/>
+              </a:lnSpc>
+              <a:buNone/>
+            </a:pPr>
+            <a:endParaRPr sz="1600" i="1" dirty="0">
               <a:solidFill>
                 <a:schemeClr val="dk2"/>
               </a:solidFill>
@@ -7900,7 +8342,288 @@
 </file>
 
 <file path=ppt/theme/theme1.xml><?xml version="1.0" encoding="utf-8"?>
-<a:theme xmlns:a="http://schemas.openxmlformats.org/drawingml/2006/main" xmlns:r="http://schemas.openxmlformats.org/officeDocument/2006/relationships">
+<a:theme xmlns:a="http://schemas.openxmlformats.org/drawingml/2006/main" name="Paperback">
+  <a:themeElements>
+    <a:clrScheme name="Paperback">
+      <a:dk1>
+        <a:srgbClr val="000000"/>
+      </a:dk1>
+      <a:lt1>
+        <a:srgbClr val="FFFFFF"/>
+      </a:lt1>
+      <a:dk2>
+        <a:srgbClr val="00695C"/>
+      </a:dk2>
+      <a:lt2>
+        <a:srgbClr val="26A69A"/>
+      </a:lt2>
+      <a:accent1>
+        <a:srgbClr val="FFFBF0"/>
+      </a:accent1>
+      <a:accent2>
+        <a:srgbClr val="B7B7B7"/>
+      </a:accent2>
+      <a:accent3>
+        <a:srgbClr val="FB8C00"/>
+      </a:accent3>
+      <a:accent4>
+        <a:srgbClr val="80CBC4"/>
+      </a:accent4>
+      <a:accent5>
+        <a:srgbClr val="AF4345"/>
+      </a:accent5>
+      <a:accent6>
+        <a:srgbClr val="F58F8F"/>
+      </a:accent6>
+      <a:hlink>
+        <a:srgbClr val="AF4345"/>
+      </a:hlink>
+      <a:folHlink>
+        <a:srgbClr val="AF4345"/>
+      </a:folHlink>
+    </a:clrScheme>
+    <a:fontScheme name="Office">
+      <a:majorFont>
+        <a:latin typeface="Arial"/>
+        <a:ea typeface=""/>
+        <a:cs typeface=""/>
+        <a:font script="Jpan" typeface="ＭＳ Ｐゴシック"/>
+        <a:font script="Hang" typeface="맑은 고딕"/>
+        <a:font script="Hans" typeface="宋体"/>
+        <a:font script="Hant" typeface="新細明體"/>
+        <a:font script="Arab" typeface="Times New Roman"/>
+        <a:font script="Hebr" typeface="Times New Roman"/>
+        <a:font script="Thai" typeface="Angsana New"/>
+        <a:font script="Ethi" typeface="Nyala"/>
+        <a:font script="Beng" typeface="Vrinda"/>
+        <a:font script="Gujr" typeface="Shruti"/>
+        <a:font script="Khmr" typeface="MoolBoran"/>
+        <a:font script="Knda" typeface="Tunga"/>
+        <a:font script="Guru" typeface="Raavi"/>
+        <a:font script="Cans" typeface="Euphemia"/>
+        <a:font script="Cher" typeface="Plantagenet Cherokee"/>
+        <a:font script="Yiii" typeface="Microsoft Yi Baiti"/>
+        <a:font script="Tibt" typeface="Microsoft Himalaya"/>
+        <a:font script="Thaa" typeface="MV Boli"/>
+        <a:font script="Deva" typeface="Mangal"/>
+        <a:font script="Telu" typeface="Gautami"/>
+        <a:font script="Taml" typeface="Latha"/>
+        <a:font script="Syrc" typeface="Estrangelo Edessa"/>
+        <a:font script="Orya" typeface="Kalinga"/>
+        <a:font script="Mlym" typeface="Kartika"/>
+        <a:font script="Laoo" typeface="DokChampa"/>
+        <a:font script="Sinh" typeface="Iskoola Pota"/>
+        <a:font script="Mong" typeface="Mongolian Baiti"/>
+        <a:font script="Viet" typeface="Times New Roman"/>
+        <a:font script="Uigh" typeface="Microsoft Uighur"/>
+        <a:font script="Geor" typeface="Sylfaen"/>
+      </a:majorFont>
+      <a:minorFont>
+        <a:latin typeface="Arial"/>
+        <a:ea typeface=""/>
+        <a:cs typeface=""/>
+        <a:font script="Jpan" typeface="ＭＳ Ｐゴシック"/>
+        <a:font script="Hang" typeface="맑은 고딕"/>
+        <a:font script="Hans" typeface="宋体"/>
+        <a:font script="Hant" typeface="新細明體"/>
+        <a:font script="Arab" typeface="Arial"/>
+        <a:font script="Hebr" typeface="Arial"/>
+        <a:font script="Thai" typeface="Cordia New"/>
+        <a:font script="Ethi" typeface="Nyala"/>
+        <a:font script="Beng" typeface="Vrinda"/>
+        <a:font script="Gujr" typeface="Shruti"/>
+        <a:font script="Khmr" typeface="DaunPenh"/>
+        <a:font script="Knda" typeface="Tunga"/>
+        <a:font script="Guru" typeface="Raavi"/>
+        <a:font script="Cans" typeface="Euphemia"/>
+        <a:font script="Cher" typeface="Plantagenet Cherokee"/>
+        <a:font script="Yiii" typeface="Microsoft Yi Baiti"/>
+        <a:font script="Tibt" typeface="Microsoft Himalaya"/>
+        <a:font script="Thaa" typeface="MV Boli"/>
+        <a:font script="Deva" typeface="Mangal"/>
+        <a:font script="Telu" typeface="Gautami"/>
+        <a:font script="Taml" typeface="Latha"/>
+        <a:font script="Syrc" typeface="Estrangelo Edessa"/>
+        <a:font script="Orya" typeface="Kalinga"/>
+        <a:font script="Mlym" typeface="Kartika"/>
+        <a:font script="Laoo" typeface="DokChampa"/>
+        <a:font script="Sinh" typeface="Iskoola Pota"/>
+        <a:font script="Mong" typeface="Mongolian Baiti"/>
+        <a:font script="Viet" typeface="Arial"/>
+        <a:font script="Uigh" typeface="Microsoft Uighur"/>
+        <a:font script="Geor" typeface="Sylfaen"/>
+      </a:minorFont>
+    </a:fontScheme>
+    <a:fmtScheme name="Office">
+      <a:fillStyleLst>
+        <a:solidFill>
+          <a:schemeClr val="phClr"/>
+        </a:solidFill>
+        <a:gradFill rotWithShape="1">
+          <a:gsLst>
+            <a:gs pos="0">
+              <a:schemeClr val="phClr">
+                <a:tint val="50000"/>
+                <a:satMod val="300000"/>
+              </a:schemeClr>
+            </a:gs>
+            <a:gs pos="35000">
+              <a:schemeClr val="phClr">
+                <a:tint val="37000"/>
+                <a:satMod val="300000"/>
+              </a:schemeClr>
+            </a:gs>
+            <a:gs pos="100000">
+              <a:schemeClr val="phClr">
+                <a:tint val="15000"/>
+                <a:satMod val="350000"/>
+              </a:schemeClr>
+            </a:gs>
+          </a:gsLst>
+          <a:lin ang="16200000" scaled="1"/>
+        </a:gradFill>
+        <a:gradFill rotWithShape="1">
+          <a:gsLst>
+            <a:gs pos="0">
+              <a:schemeClr val="phClr">
+                <a:tint val="100000"/>
+                <a:shade val="100000"/>
+                <a:satMod val="130000"/>
+              </a:schemeClr>
+            </a:gs>
+            <a:gs pos="100000">
+              <a:schemeClr val="phClr">
+                <a:tint val="50000"/>
+                <a:shade val="100000"/>
+                <a:satMod val="350000"/>
+              </a:schemeClr>
+            </a:gs>
+          </a:gsLst>
+          <a:lin ang="16200000" scaled="0"/>
+        </a:gradFill>
+      </a:fillStyleLst>
+      <a:lnStyleLst>
+        <a:ln w="9525" cap="flat" cmpd="sng" algn="ctr">
+          <a:solidFill>
+            <a:schemeClr val="phClr">
+              <a:shade val="95000"/>
+              <a:satMod val="105000"/>
+            </a:schemeClr>
+          </a:solidFill>
+          <a:prstDash val="solid"/>
+        </a:ln>
+        <a:ln w="25400" cap="flat" cmpd="sng" algn="ctr">
+          <a:solidFill>
+            <a:schemeClr val="phClr"/>
+          </a:solidFill>
+          <a:prstDash val="solid"/>
+        </a:ln>
+        <a:ln w="38100" cap="flat" cmpd="sng" algn="ctr">
+          <a:solidFill>
+            <a:schemeClr val="phClr"/>
+          </a:solidFill>
+          <a:prstDash val="solid"/>
+        </a:ln>
+      </a:lnStyleLst>
+      <a:effectStyleLst>
+        <a:effectStyle>
+          <a:effectLst>
+            <a:outerShdw blurRad="40000" dist="20000" dir="5400000" rotWithShape="0">
+              <a:srgbClr val="000000">
+                <a:alpha val="38000"/>
+              </a:srgbClr>
+            </a:outerShdw>
+          </a:effectLst>
+        </a:effectStyle>
+        <a:effectStyle>
+          <a:effectLst>
+            <a:outerShdw blurRad="40000" dist="23000" dir="5400000" rotWithShape="0">
+              <a:srgbClr val="000000">
+                <a:alpha val="35000"/>
+              </a:srgbClr>
+            </a:outerShdw>
+          </a:effectLst>
+        </a:effectStyle>
+        <a:effectStyle>
+          <a:effectLst>
+            <a:outerShdw blurRad="40000" dist="23000" dir="5400000" rotWithShape="0">
+              <a:srgbClr val="000000">
+                <a:alpha val="35000"/>
+              </a:srgbClr>
+            </a:outerShdw>
+          </a:effectLst>
+          <a:scene3d>
+            <a:camera prst="orthographicFront">
+              <a:rot lat="0" lon="0" rev="0"/>
+            </a:camera>
+            <a:lightRig rig="threePt" dir="t">
+              <a:rot lat="0" lon="0" rev="1200000"/>
+            </a:lightRig>
+          </a:scene3d>
+          <a:sp3d>
+            <a:bevelT w="63500" h="25400"/>
+          </a:sp3d>
+        </a:effectStyle>
+      </a:effectStyleLst>
+      <a:bgFillStyleLst>
+        <a:solidFill>
+          <a:schemeClr val="phClr"/>
+        </a:solidFill>
+        <a:gradFill rotWithShape="1">
+          <a:gsLst>
+            <a:gs pos="0">
+              <a:schemeClr val="phClr">
+                <a:tint val="40000"/>
+                <a:satMod val="350000"/>
+              </a:schemeClr>
+            </a:gs>
+            <a:gs pos="40000">
+              <a:schemeClr val="phClr">
+                <a:tint val="45000"/>
+                <a:shade val="99000"/>
+                <a:satMod val="350000"/>
+              </a:schemeClr>
+            </a:gs>
+            <a:gs pos="100000">
+              <a:schemeClr val="phClr">
+                <a:shade val="20000"/>
+                <a:satMod val="255000"/>
+              </a:schemeClr>
+            </a:gs>
+          </a:gsLst>
+          <a:path path="circle">
+            <a:fillToRect l="50000" t="-80000" r="50000" b="180000"/>
+          </a:path>
+        </a:gradFill>
+        <a:gradFill rotWithShape="1">
+          <a:gsLst>
+            <a:gs pos="0">
+              <a:schemeClr val="phClr">
+                <a:tint val="80000"/>
+                <a:satMod val="300000"/>
+              </a:schemeClr>
+            </a:gs>
+            <a:gs pos="100000">
+              <a:schemeClr val="phClr">
+                <a:shade val="30000"/>
+                <a:satMod val="200000"/>
+              </a:schemeClr>
+            </a:gs>
+          </a:gsLst>
+          <a:path path="circle">
+            <a:fillToRect l="50000" t="50000" r="50000" b="50000"/>
+          </a:path>
+        </a:gradFill>
+      </a:bgFillStyleLst>
+    </a:fmtScheme>
+  </a:themeElements>
+  <a:objectDefaults/>
+  <a:extraClrSchemeLst/>
+</a:theme>
+</file>
+
+<file path=ppt/theme/theme2.xml><?xml version="1.0" encoding="utf-8"?>
+<a:theme xmlns:a="http://schemas.openxmlformats.org/drawingml/2006/main">
   <a:themeElements>
     <a:clrScheme name="Default">
       <a:dk1>
@@ -8175,284 +8898,7 @@
       </a:bgFillStyleLst>
     </a:fmtScheme>
   </a:themeElements>
-</a:theme>
-</file>
-
-<file path=ppt/theme/theme2.xml><?xml version="1.0" encoding="utf-8"?>
-<a:theme xmlns:a="http://schemas.openxmlformats.org/drawingml/2006/main" xmlns:r="http://schemas.openxmlformats.org/officeDocument/2006/relationships" name="Paperback">
-  <a:themeElements>
-    <a:clrScheme name="Paperback">
-      <a:dk1>
-        <a:srgbClr val="000000"/>
-      </a:dk1>
-      <a:lt1>
-        <a:srgbClr val="FFFFFF"/>
-      </a:lt1>
-      <a:dk2>
-        <a:srgbClr val="00695C"/>
-      </a:dk2>
-      <a:lt2>
-        <a:srgbClr val="26A69A"/>
-      </a:lt2>
-      <a:accent1>
-        <a:srgbClr val="FFFBF0"/>
-      </a:accent1>
-      <a:accent2>
-        <a:srgbClr val="B7B7B7"/>
-      </a:accent2>
-      <a:accent3>
-        <a:srgbClr val="FB8C00"/>
-      </a:accent3>
-      <a:accent4>
-        <a:srgbClr val="80CBC4"/>
-      </a:accent4>
-      <a:accent5>
-        <a:srgbClr val="AF4345"/>
-      </a:accent5>
-      <a:accent6>
-        <a:srgbClr val="F58F8F"/>
-      </a:accent6>
-      <a:hlink>
-        <a:srgbClr val="AF4345"/>
-      </a:hlink>
-      <a:folHlink>
-        <a:srgbClr val="AF4345"/>
-      </a:folHlink>
-    </a:clrScheme>
-    <a:fontScheme name="Office">
-      <a:majorFont>
-        <a:latin typeface="Arial"/>
-        <a:ea typeface=""/>
-        <a:cs typeface=""/>
-        <a:font script="Jpan" typeface="ＭＳ Ｐゴシック"/>
-        <a:font script="Hang" typeface="맑은 고딕"/>
-        <a:font script="Hans" typeface="宋体"/>
-        <a:font script="Hant" typeface="新細明體"/>
-        <a:font script="Arab" typeface="Times New Roman"/>
-        <a:font script="Hebr" typeface="Times New Roman"/>
-        <a:font script="Thai" typeface="Angsana New"/>
-        <a:font script="Ethi" typeface="Nyala"/>
-        <a:font script="Beng" typeface="Vrinda"/>
-        <a:font script="Gujr" typeface="Shruti"/>
-        <a:font script="Khmr" typeface="MoolBoran"/>
-        <a:font script="Knda" typeface="Tunga"/>
-        <a:font script="Guru" typeface="Raavi"/>
-        <a:font script="Cans" typeface="Euphemia"/>
-        <a:font script="Cher" typeface="Plantagenet Cherokee"/>
-        <a:font script="Yiii" typeface="Microsoft Yi Baiti"/>
-        <a:font script="Tibt" typeface="Microsoft Himalaya"/>
-        <a:font script="Thaa" typeface="MV Boli"/>
-        <a:font script="Deva" typeface="Mangal"/>
-        <a:font script="Telu" typeface="Gautami"/>
-        <a:font script="Taml" typeface="Latha"/>
-        <a:font script="Syrc" typeface="Estrangelo Edessa"/>
-        <a:font script="Orya" typeface="Kalinga"/>
-        <a:font script="Mlym" typeface="Kartika"/>
-        <a:font script="Laoo" typeface="DokChampa"/>
-        <a:font script="Sinh" typeface="Iskoola Pota"/>
-        <a:font script="Mong" typeface="Mongolian Baiti"/>
-        <a:font script="Viet" typeface="Times New Roman"/>
-        <a:font script="Uigh" typeface="Microsoft Uighur"/>
-        <a:font script="Geor" typeface="Sylfaen"/>
-      </a:majorFont>
-      <a:minorFont>
-        <a:latin typeface="Arial"/>
-        <a:ea typeface=""/>
-        <a:cs typeface=""/>
-        <a:font script="Jpan" typeface="ＭＳ Ｐゴシック"/>
-        <a:font script="Hang" typeface="맑은 고딕"/>
-        <a:font script="Hans" typeface="宋体"/>
-        <a:font script="Hant" typeface="新細明體"/>
-        <a:font script="Arab" typeface="Arial"/>
-        <a:font script="Hebr" typeface="Arial"/>
-        <a:font script="Thai" typeface="Cordia New"/>
-        <a:font script="Ethi" typeface="Nyala"/>
-        <a:font script="Beng" typeface="Vrinda"/>
-        <a:font script="Gujr" typeface="Shruti"/>
-        <a:font script="Khmr" typeface="DaunPenh"/>
-        <a:font script="Knda" typeface="Tunga"/>
-        <a:font script="Guru" typeface="Raavi"/>
-        <a:font script="Cans" typeface="Euphemia"/>
-        <a:font script="Cher" typeface="Plantagenet Cherokee"/>
-        <a:font script="Yiii" typeface="Microsoft Yi Baiti"/>
-        <a:font script="Tibt" typeface="Microsoft Himalaya"/>
-        <a:font script="Thaa" typeface="MV Boli"/>
-        <a:font script="Deva" typeface="Mangal"/>
-        <a:font script="Telu" typeface="Gautami"/>
-        <a:font script="Taml" typeface="Latha"/>
-        <a:font script="Syrc" typeface="Estrangelo Edessa"/>
-        <a:font script="Orya" typeface="Kalinga"/>
-        <a:font script="Mlym" typeface="Kartika"/>
-        <a:font script="Laoo" typeface="DokChampa"/>
-        <a:font script="Sinh" typeface="Iskoola Pota"/>
-        <a:font script="Mong" typeface="Mongolian Baiti"/>
-        <a:font script="Viet" typeface="Arial"/>
-        <a:font script="Uigh" typeface="Microsoft Uighur"/>
-        <a:font script="Geor" typeface="Sylfaen"/>
-      </a:minorFont>
-    </a:fontScheme>
-    <a:fmtScheme name="Office">
-      <a:fillStyleLst>
-        <a:solidFill>
-          <a:schemeClr val="phClr"/>
-        </a:solidFill>
-        <a:gradFill rotWithShape="1">
-          <a:gsLst>
-            <a:gs pos="0">
-              <a:schemeClr val="phClr">
-                <a:tint val="50000"/>
-                <a:satMod val="300000"/>
-              </a:schemeClr>
-            </a:gs>
-            <a:gs pos="35000">
-              <a:schemeClr val="phClr">
-                <a:tint val="37000"/>
-                <a:satMod val="300000"/>
-              </a:schemeClr>
-            </a:gs>
-            <a:gs pos="100000">
-              <a:schemeClr val="phClr">
-                <a:tint val="15000"/>
-                <a:satMod val="350000"/>
-              </a:schemeClr>
-            </a:gs>
-          </a:gsLst>
-          <a:lin ang="16200000" scaled="1"/>
-        </a:gradFill>
-        <a:gradFill rotWithShape="1">
-          <a:gsLst>
-            <a:gs pos="0">
-              <a:schemeClr val="phClr">
-                <a:tint val="100000"/>
-                <a:shade val="100000"/>
-                <a:satMod val="130000"/>
-              </a:schemeClr>
-            </a:gs>
-            <a:gs pos="100000">
-              <a:schemeClr val="phClr">
-                <a:tint val="50000"/>
-                <a:shade val="100000"/>
-                <a:satMod val="350000"/>
-              </a:schemeClr>
-            </a:gs>
-          </a:gsLst>
-          <a:lin ang="16200000" scaled="0"/>
-        </a:gradFill>
-      </a:fillStyleLst>
-      <a:lnStyleLst>
-        <a:ln w="9525" cap="flat" cmpd="sng" algn="ctr">
-          <a:solidFill>
-            <a:schemeClr val="phClr">
-              <a:shade val="95000"/>
-              <a:satMod val="105000"/>
-            </a:schemeClr>
-          </a:solidFill>
-          <a:prstDash val="solid"/>
-        </a:ln>
-        <a:ln w="25400" cap="flat" cmpd="sng" algn="ctr">
-          <a:solidFill>
-            <a:schemeClr val="phClr"/>
-          </a:solidFill>
-          <a:prstDash val="solid"/>
-        </a:ln>
-        <a:ln w="38100" cap="flat" cmpd="sng" algn="ctr">
-          <a:solidFill>
-            <a:schemeClr val="phClr"/>
-          </a:solidFill>
-          <a:prstDash val="solid"/>
-        </a:ln>
-      </a:lnStyleLst>
-      <a:effectStyleLst>
-        <a:effectStyle>
-          <a:effectLst>
-            <a:outerShdw blurRad="40000" dist="20000" dir="5400000" rotWithShape="0">
-              <a:srgbClr val="000000">
-                <a:alpha val="38000"/>
-              </a:srgbClr>
-            </a:outerShdw>
-          </a:effectLst>
-        </a:effectStyle>
-        <a:effectStyle>
-          <a:effectLst>
-            <a:outerShdw blurRad="40000" dist="23000" dir="5400000" rotWithShape="0">
-              <a:srgbClr val="000000">
-                <a:alpha val="35000"/>
-              </a:srgbClr>
-            </a:outerShdw>
-          </a:effectLst>
-        </a:effectStyle>
-        <a:effectStyle>
-          <a:effectLst>
-            <a:outerShdw blurRad="40000" dist="23000" dir="5400000" rotWithShape="0">
-              <a:srgbClr val="000000">
-                <a:alpha val="35000"/>
-              </a:srgbClr>
-            </a:outerShdw>
-          </a:effectLst>
-          <a:scene3d>
-            <a:camera prst="orthographicFront">
-              <a:rot lat="0" lon="0" rev="0"/>
-            </a:camera>
-            <a:lightRig rig="threePt" dir="t">
-              <a:rot lat="0" lon="0" rev="1200000"/>
-            </a:lightRig>
-          </a:scene3d>
-          <a:sp3d>
-            <a:bevelT w="63500" h="25400"/>
-          </a:sp3d>
-        </a:effectStyle>
-      </a:effectStyleLst>
-      <a:bgFillStyleLst>
-        <a:solidFill>
-          <a:schemeClr val="phClr"/>
-        </a:solidFill>
-        <a:gradFill rotWithShape="1">
-          <a:gsLst>
-            <a:gs pos="0">
-              <a:schemeClr val="phClr">
-                <a:tint val="40000"/>
-                <a:satMod val="350000"/>
-              </a:schemeClr>
-            </a:gs>
-            <a:gs pos="40000">
-              <a:schemeClr val="phClr">
-                <a:tint val="45000"/>
-                <a:shade val="99000"/>
-                <a:satMod val="350000"/>
-              </a:schemeClr>
-            </a:gs>
-            <a:gs pos="100000">
-              <a:schemeClr val="phClr">
-                <a:shade val="20000"/>
-                <a:satMod val="255000"/>
-              </a:schemeClr>
-            </a:gs>
-          </a:gsLst>
-          <a:path path="circle">
-            <a:fillToRect l="50000" t="-80000" r="50000" b="180000"/>
-          </a:path>
-        </a:gradFill>
-        <a:gradFill rotWithShape="1">
-          <a:gsLst>
-            <a:gs pos="0">
-              <a:schemeClr val="phClr">
-                <a:tint val="80000"/>
-                <a:satMod val="300000"/>
-              </a:schemeClr>
-            </a:gs>
-            <a:gs pos="100000">
-              <a:schemeClr val="phClr">
-                <a:shade val="30000"/>
-                <a:satMod val="200000"/>
-              </a:schemeClr>
-            </a:gs>
-          </a:gsLst>
-          <a:path path="circle">
-            <a:fillToRect l="50000" t="50000" r="50000" b="50000"/>
-          </a:path>
-        </a:gradFill>
-      </a:bgFillStyleLst>
-    </a:fmtScheme>
-  </a:themeElements>
+  <a:objectDefaults/>
+  <a:extraClrSchemeLst/>
 </a:theme>
 </file>